--- a/grundpraktikum2/Optik 1/Optik I.pptx
+++ b/grundpraktikum2/Optik 1/Optik I.pptx
@@ -112,6 +112,11 @@
       </a:defRPr>
     </a:lvl9pPr>
   </p:defaultTextStyle>
+  <p:extLst>
+    <p:ext uri="{EFAFB233-063F-42B5-8137-9DF3F51BA10A}">
+      <p15:sldGuideLst xmlns:p15="http://schemas.microsoft.com/office/powerpoint/2012/main"/>
+    </p:ext>
+  </p:extLst>
 </p:presentation>
 </file>
 
@@ -3910,41 +3915,54 @@
           </a:xfrm>
         </p:spPr>
       </p:pic>
-      <p:pic>
-        <p:nvPicPr>
-          <p:cNvPr id="7" name="Inhaltsplatzhalter 4">
-            <a:extLst>
-              <a:ext uri="{FF2B5EF4-FFF2-40B4-BE49-F238E27FC236}">
-                <a16:creationId xmlns:a16="http://schemas.microsoft.com/office/drawing/2014/main" id="{BF87D6D3-4769-4267-B5DE-0AF85080E252}"/>
-              </a:ext>
-            </a:extLst>
-          </p:cNvPr>
-          <p:cNvPicPr>
-            <a:picLocks noGrp="1" noChangeAspect="1"/>
-          </p:cNvPicPr>
+      <p:sp>
+        <p:nvSpPr>
+          <p:cNvPr id="3" name="Inhaltsplatzhalter 2">
+            <a:extLst>
+              <a:ext uri="{FF2B5EF4-FFF2-40B4-BE49-F238E27FC236}">
+                <a16:creationId xmlns:a16="http://schemas.microsoft.com/office/drawing/2014/main" id="{0A0E3A64-3476-4C6D-84A5-07A5FF71A018}"/>
+              </a:ext>
+            </a:extLst>
+          </p:cNvPr>
+          <p:cNvSpPr>
+            <a:spLocks noGrp="1"/>
+          </p:cNvSpPr>
           <p:nvPr>
             <p:ph sz="half" idx="1"/>
           </p:nvPr>
-        </p:nvPicPr>
-        <p:blipFill>
-          <a:blip r:embed="rId3">
-            <a:extLst>
-              <a:ext uri="{28A0092B-C50C-407E-A947-70E740481C1C}">
-                <a14:useLocalDpi xmlns:a14="http://schemas.microsoft.com/office/drawing/2010/main" val="0"/>
-              </a:ext>
-            </a:extLst>
-          </a:blip>
-          <a:stretch>
-            <a:fillRect/>
-          </a:stretch>
-        </p:blipFill>
-        <p:spPr>
-          <a:xfrm>
-            <a:off x="309488" y="2489981"/>
-            <a:ext cx="5050303" cy="3193367"/>
-          </a:xfrm>
-        </p:spPr>
-      </p:pic>
+        </p:nvSpPr>
+        <p:spPr/>
+        <p:txBody>
+          <a:bodyPr/>
+          <a:lstStyle/>
+          <a:p>
+            <a:r>
+              <a:rPr lang="de-DE" dirty="0" err="1"/>
+              <a:t>Hueir</a:t>
+            </a:r>
+            <a:r>
+              <a:rPr lang="de-DE" dirty="0"/>
+              <a:t> </a:t>
+            </a:r>
+            <a:r>
+              <a:rPr lang="de-DE" dirty="0" err="1"/>
+              <a:t>tabelle</a:t>
+            </a:r>
+            <a:r>
+              <a:rPr lang="de-DE" dirty="0"/>
+              <a:t>, muss noch in </a:t>
+            </a:r>
+            <a:r>
+              <a:rPr lang="de-DE" dirty="0" err="1"/>
+              <a:t>latex</a:t>
+            </a:r>
+            <a:r>
+              <a:rPr lang="de-DE" dirty="0"/>
+              <a:t> korrigiert werden</a:t>
+            </a:r>
+          </a:p>
+        </p:txBody>
+      </p:sp>
     </p:spTree>
     <p:extLst>
       <p:ext uri="{BB962C8B-B14F-4D97-AF65-F5344CB8AC3E}">
@@ -4003,8 +4021,8 @@
           </a:p>
         </p:txBody>
       </p:sp>
-      <mc:AlternateContent xmlns:mc="http://schemas.openxmlformats.org/markup-compatibility/2006">
-        <mc:Choice xmlns:a14="http://schemas.microsoft.com/office/drawing/2010/main" Requires="a14">
+      <mc:AlternateContent xmlns:mc="http://schemas.openxmlformats.org/markup-compatibility/2006" xmlns:a14="http://schemas.microsoft.com/office/drawing/2010/main">
+        <mc:Choice Requires="a14">
           <p:sp>
             <p:nvSpPr>
               <p:cNvPr id="6" name="Inhaltsplatzhalter 5">
@@ -4170,7 +4188,7 @@
             </p:txBody>
           </p:sp>
         </mc:Choice>
-        <mc:Fallback>
+        <mc:Fallback xmlns="">
           <p:sp>
             <p:nvSpPr>
               <p:cNvPr id="6" name="Inhaltsplatzhalter 5">
@@ -4216,10 +4234,10 @@
       </mc:AlternateContent>
       <p:pic>
         <p:nvPicPr>
-          <p:cNvPr id="12" name="Inhaltsplatzhalter 11">
-            <a:extLst>
-              <a:ext uri="{FF2B5EF4-FFF2-40B4-BE49-F238E27FC236}">
-                <a16:creationId xmlns:a16="http://schemas.microsoft.com/office/drawing/2014/main" id="{26BEF823-8FC9-4367-9516-0F66313E7D16}"/>
+          <p:cNvPr id="7" name="Inhaltsplatzhalter 6">
+            <a:extLst>
+              <a:ext uri="{FF2B5EF4-FFF2-40B4-BE49-F238E27FC236}">
+                <a16:creationId xmlns:a16="http://schemas.microsoft.com/office/drawing/2014/main" id="{3A0E121F-383D-40BB-9302-7EA2DBD3E796}"/>
               </a:ext>
             </a:extLst>
           </p:cNvPr>
@@ -4244,8 +4262,8 @@
         </p:blipFill>
         <p:spPr>
           <a:xfrm>
-            <a:off x="5849971" y="1440259"/>
-            <a:ext cx="6342029" cy="4736703"/>
+            <a:off x="5795491" y="984738"/>
+            <a:ext cx="6629703" cy="4951559"/>
           </a:xfrm>
         </p:spPr>
       </p:pic>
@@ -4412,56 +4430,221 @@
           </a:p>
         </p:txBody>
       </p:sp>
-      <p:sp>
-        <p:nvSpPr>
-          <p:cNvPr id="3" name="Inhaltsplatzhalter 2">
-            <a:extLst>
-              <a:ext uri="{FF2B5EF4-FFF2-40B4-BE49-F238E27FC236}">
-                <a16:creationId xmlns:a16="http://schemas.microsoft.com/office/drawing/2014/main" id="{214E64F1-CA89-4920-9FF0-64F38C0ACAF7}"/>
-              </a:ext>
-            </a:extLst>
-          </p:cNvPr>
-          <p:cNvSpPr>
-            <a:spLocks noGrp="1"/>
-          </p:cNvSpPr>
-          <p:nvPr>
-            <p:ph sz="half" idx="1"/>
-          </p:nvPr>
-        </p:nvSpPr>
-        <p:spPr/>
-        <p:txBody>
-          <a:bodyPr/>
-          <a:lstStyle/>
-          <a:p>
-            <a:endParaRPr lang="de-DE" dirty="0"/>
-          </a:p>
-        </p:txBody>
-      </p:sp>
-      <p:sp>
-        <p:nvSpPr>
-          <p:cNvPr id="4" name="Inhaltsplatzhalter 3">
-            <a:extLst>
-              <a:ext uri="{FF2B5EF4-FFF2-40B4-BE49-F238E27FC236}">
-                <a16:creationId xmlns:a16="http://schemas.microsoft.com/office/drawing/2014/main" id="{5E971394-0059-4ED0-B4D7-4D58F53DDCA4}"/>
-              </a:ext>
-            </a:extLst>
-          </p:cNvPr>
-          <p:cNvSpPr>
-            <a:spLocks noGrp="1"/>
-          </p:cNvSpPr>
-          <p:nvPr>
-            <p:ph sz="half" idx="2"/>
-          </p:nvPr>
-        </p:nvSpPr>
-        <p:spPr/>
-        <p:txBody>
-          <a:bodyPr/>
-          <a:lstStyle/>
-          <a:p>
-            <a:endParaRPr lang="de-DE"/>
-          </a:p>
-        </p:txBody>
-      </p:sp>
+      <mc:AlternateContent xmlns:mc="http://schemas.openxmlformats.org/markup-compatibility/2006">
+        <mc:Choice xmlns:a14="http://schemas.microsoft.com/office/drawing/2010/main" Requires="a14">
+          <p:sp>
+            <p:nvSpPr>
+              <p:cNvPr id="5" name="Inhaltsplatzhalter 4">
+                <a:extLst>
+                  <a:ext uri="{FF2B5EF4-FFF2-40B4-BE49-F238E27FC236}">
+                    <a16:creationId xmlns:a16="http://schemas.microsoft.com/office/drawing/2014/main" id="{62B27D76-E25D-4214-AC9B-F70B03C45AEF}"/>
+                  </a:ext>
+                </a:extLst>
+              </p:cNvPr>
+              <p:cNvSpPr>
+                <a:spLocks noGrp="1"/>
+              </p:cNvSpPr>
+              <p:nvPr>
+                <p:ph idx="1"/>
+              </p:nvPr>
+            </p:nvSpPr>
+            <p:spPr>
+              <a:xfrm>
+                <a:off x="841513" y="1825625"/>
+                <a:ext cx="10515600" cy="4351338"/>
+              </a:xfrm>
+            </p:spPr>
+            <p:txBody>
+              <a:bodyPr/>
+              <a:lstStyle/>
+              <a:p>
+                <a:r>
+                  <a:rPr lang="de-DE" dirty="0"/>
+                  <a:t>Hg-Doppellinie bei </a:t>
+                </a:r>
+                <a14:m>
+                  <m:oMath xmlns:m="http://schemas.openxmlformats.org/officeDocument/2006/math">
+                    <m:r>
+                      <a:rPr lang="de-DE" b="0" i="1" smtClean="0">
+                        <a:latin typeface="Cambria Math" panose="02040503050406030204" pitchFamily="18" charset="0"/>
+                      </a:rPr>
+                      <m:t>𝜆</m:t>
+                    </m:r>
+                    <m:r>
+                      <a:rPr lang="de-DE" b="0" i="1" smtClean="0">
+                        <a:latin typeface="Cambria Math" panose="02040503050406030204" pitchFamily="18" charset="0"/>
+                      </a:rPr>
+                      <m:t>=579,07 </m:t>
+                    </m:r>
+                    <m:r>
+                      <a:rPr lang="de-DE" b="0" i="1" smtClean="0">
+                        <a:latin typeface="Cambria Math" panose="02040503050406030204" pitchFamily="18" charset="0"/>
+                      </a:rPr>
+                      <m:t>𝑛𝑚</m:t>
+                    </m:r>
+                  </m:oMath>
+                </a14:m>
+                <a:endParaRPr lang="de-DE" dirty="0"/>
+              </a:p>
+              <a:p>
+                <a:r>
+                  <a:rPr lang="de-DE" dirty="0"/>
+                  <a:t>Theoretisch erwartetes Auflösungsvermögen</a:t>
+                </a:r>
+              </a:p>
+              <a:p>
+                <a:endParaRPr lang="de-DE" dirty="0"/>
+              </a:p>
+              <a:p>
+                <a:pPr marL="457200" lvl="1" indent="0">
+                  <a:buNone/>
+                </a:pPr>
+                <a14:m>
+                  <m:oMathPara xmlns:m="http://schemas.openxmlformats.org/officeDocument/2006/math">
+                    <m:oMathParaPr>
+                      <m:jc m:val="centerGroup"/>
+                    </m:oMathParaPr>
+                    <m:oMath xmlns:m="http://schemas.openxmlformats.org/officeDocument/2006/math">
+                      <m:r>
+                        <a:rPr lang="de-DE" i="1">
+                          <a:latin typeface="Cambria Math" panose="02040503050406030204" pitchFamily="18" charset="0"/>
+                        </a:rPr>
+                        <m:t>𝐴</m:t>
+                      </m:r>
+                      <m:r>
+                        <a:rPr lang="de-DE" i="1">
+                          <a:latin typeface="Cambria Math" panose="02040503050406030204" pitchFamily="18" charset="0"/>
+                        </a:rPr>
+                        <m:t>= </m:t>
+                      </m:r>
+                      <m:f>
+                        <m:fPr>
+                          <m:ctrlPr>
+                            <a:rPr lang="de-DE" i="1">
+                              <a:latin typeface="Cambria Math" panose="02040503050406030204" pitchFamily="18" charset="0"/>
+                            </a:rPr>
+                          </m:ctrlPr>
+                        </m:fPr>
+                        <m:num>
+                          <m:r>
+                            <a:rPr lang="de-DE" i="1">
+                              <a:latin typeface="Cambria Math" panose="02040503050406030204" pitchFamily="18" charset="0"/>
+                            </a:rPr>
+                            <m:t>579,1 </m:t>
+                          </m:r>
+                          <m:r>
+                            <a:rPr lang="de-DE" i="1">
+                              <a:latin typeface="Cambria Math" panose="02040503050406030204" pitchFamily="18" charset="0"/>
+                            </a:rPr>
+                            <m:t>𝑛𝑚</m:t>
+                          </m:r>
+                        </m:num>
+                        <m:den>
+                          <m:r>
+                            <a:rPr lang="de-DE" i="1">
+                              <a:latin typeface="Cambria Math" panose="02040503050406030204" pitchFamily="18" charset="0"/>
+                            </a:rPr>
+                            <m:t>2,1 </m:t>
+                          </m:r>
+                          <m:r>
+                            <a:rPr lang="de-DE" i="1">
+                              <a:latin typeface="Cambria Math" panose="02040503050406030204" pitchFamily="18" charset="0"/>
+                            </a:rPr>
+                            <m:t>𝑛𝑚</m:t>
+                          </m:r>
+                        </m:den>
+                      </m:f>
+                      <m:r>
+                        <a:rPr lang="de-DE" i="1">
+                          <a:latin typeface="Cambria Math" panose="02040503050406030204" pitchFamily="18" charset="0"/>
+                        </a:rPr>
+                        <m:t>≈276</m:t>
+                      </m:r>
+                    </m:oMath>
+                  </m:oMathPara>
+                </a14:m>
+                <a:endParaRPr lang="de-DE" dirty="0"/>
+              </a:p>
+              <a:p>
+                <a:endParaRPr lang="de-DE" dirty="0"/>
+              </a:p>
+              <a:p>
+                <a:endParaRPr lang="de-DE" dirty="0"/>
+              </a:p>
+              <a:p>
+                <a:endParaRPr lang="de-DE" dirty="0"/>
+              </a:p>
+              <a:p>
+                <a:endParaRPr lang="de-DE" dirty="0"/>
+              </a:p>
+              <a:p>
+                <a:endParaRPr lang="de-DE" dirty="0"/>
+              </a:p>
+              <a:p>
+                <a:endParaRPr lang="de-DE" dirty="0"/>
+              </a:p>
+              <a:p>
+                <a:endParaRPr lang="de-DE" dirty="0"/>
+              </a:p>
+              <a:p>
+                <a:pPr marL="457200" lvl="1" indent="0">
+                  <a:buNone/>
+                </a:pPr>
+                <a:endParaRPr lang="de-DE" dirty="0"/>
+              </a:p>
+              <a:p>
+                <a:pPr marL="457200" lvl="1" indent="0">
+                  <a:buNone/>
+                </a:pPr>
+                <a:endParaRPr lang="de-DE" dirty="0"/>
+              </a:p>
+            </p:txBody>
+          </p:sp>
+        </mc:Choice>
+        <mc:Fallback>
+          <p:sp>
+            <p:nvSpPr>
+              <p:cNvPr id="5" name="Inhaltsplatzhalter 4">
+                <a:extLst>
+                  <a:ext uri="{FF2B5EF4-FFF2-40B4-BE49-F238E27FC236}">
+                    <a16:creationId xmlns:a16="http://schemas.microsoft.com/office/drawing/2014/main" id="{62B27D76-E25D-4214-AC9B-F70B03C45AEF}"/>
+                  </a:ext>
+                </a:extLst>
+              </p:cNvPr>
+              <p:cNvSpPr>
+                <a:spLocks noGrp="1" noRot="1" noChangeAspect="1" noMove="1" noResize="1" noEditPoints="1" noAdjustHandles="1" noChangeArrowheads="1" noChangeShapeType="1" noTextEdit="1"/>
+              </p:cNvSpPr>
+              <p:nvPr>
+                <p:ph idx="1"/>
+              </p:nvPr>
+            </p:nvSpPr>
+            <p:spPr>
+              <a:xfrm>
+                <a:off x="841513" y="1825625"/>
+                <a:ext cx="10515600" cy="4351338"/>
+              </a:xfrm>
+              <a:blipFill>
+                <a:blip r:embed="rId2"/>
+                <a:stretch>
+                  <a:fillRect l="-1043" t="-2241"/>
+                </a:stretch>
+              </a:blipFill>
+            </p:spPr>
+            <p:txBody>
+              <a:bodyPr/>
+              <a:lstStyle/>
+              <a:p>
+                <a:r>
+                  <a:rPr lang="de-DE">
+                    <a:noFill/>
+                  </a:rPr>
+                  <a:t> </a:t>
+                </a:r>
+              </a:p>
+            </p:txBody>
+          </p:sp>
+        </mc:Fallback>
+      </mc:AlternateContent>
     </p:spTree>
     <p:extLst>
       <p:ext uri="{BB962C8B-B14F-4D97-AF65-F5344CB8AC3E}">

--- a/grundpraktikum2/Optik 1/Optik I.pptx
+++ b/grundpraktikum2/Optik 1/Optik I.pptx
@@ -3658,40 +3658,442 @@
           </a:p>
         </p:txBody>
       </p:sp>
-      <p:sp>
-        <p:nvSpPr>
-          <p:cNvPr id="3" name="Inhaltsplatzhalter 2">
-            <a:extLst>
-              <a:ext uri="{FF2B5EF4-FFF2-40B4-BE49-F238E27FC236}">
-                <a16:creationId xmlns:a16="http://schemas.microsoft.com/office/drawing/2014/main" id="{B5186058-C979-4F4A-A468-5D9D3A7257CB}"/>
-              </a:ext>
-            </a:extLst>
-          </p:cNvPr>
-          <p:cNvSpPr>
-            <a:spLocks noGrp="1"/>
-          </p:cNvSpPr>
-          <p:nvPr>
-            <p:ph idx="1"/>
-          </p:nvPr>
-        </p:nvSpPr>
-        <p:spPr/>
-        <p:txBody>
-          <a:bodyPr/>
-          <a:lstStyle/>
-          <a:p>
-            <a:r>
-              <a:rPr lang="de-DE" dirty="0"/>
-              <a:t>Zusammenhang minimaler Ablenkungswinkel und Brechungsindex</a:t>
-            </a:r>
-          </a:p>
-          <a:p>
-            <a:endParaRPr lang="de-DE" dirty="0"/>
-          </a:p>
-          <a:p>
-            <a:endParaRPr lang="de-DE" dirty="0"/>
-          </a:p>
-        </p:txBody>
-      </p:sp>
+      <mc:AlternateContent xmlns:mc="http://schemas.openxmlformats.org/markup-compatibility/2006">
+        <mc:Choice xmlns:a14="http://schemas.microsoft.com/office/drawing/2010/main" Requires="a14">
+          <p:sp>
+            <p:nvSpPr>
+              <p:cNvPr id="4" name="Inhaltsplatzhalter 3">
+                <a:extLst>
+                  <a:ext uri="{FF2B5EF4-FFF2-40B4-BE49-F238E27FC236}">
+                    <a16:creationId xmlns:a16="http://schemas.microsoft.com/office/drawing/2014/main" id="{A08101EE-B60C-4936-9FA1-6861A9B04F89}"/>
+                  </a:ext>
+                </a:extLst>
+              </p:cNvPr>
+              <p:cNvSpPr>
+                <a:spLocks noGrp="1"/>
+              </p:cNvSpPr>
+              <p:nvPr>
+                <p:ph sz="half" idx="1"/>
+              </p:nvPr>
+            </p:nvSpPr>
+            <p:spPr/>
+            <p:txBody>
+              <a:bodyPr/>
+              <a:lstStyle/>
+              <a:p>
+                <a:r>
+                  <a:rPr lang="de-DE" dirty="0"/>
+                  <a:t>Brechungsgesetz			</a:t>
+                </a:r>
+                <a14:m>
+                  <m:oMath xmlns:m="http://schemas.openxmlformats.org/officeDocument/2006/math">
+                    <m:sSub>
+                      <m:sSubPr>
+                        <m:ctrlPr>
+                          <a:rPr lang="de-DE" i="1">
+                            <a:latin typeface="Cambria Math" panose="02040503050406030204" pitchFamily="18" charset="0"/>
+                          </a:rPr>
+                        </m:ctrlPr>
+                      </m:sSubPr>
+                      <m:e>
+                        <m:r>
+                          <a:rPr lang="de-DE" i="1">
+                            <a:latin typeface="Cambria Math" panose="02040503050406030204" pitchFamily="18" charset="0"/>
+                          </a:rPr>
+                          <m:t>𝑛</m:t>
+                        </m:r>
+                      </m:e>
+                      <m:sub>
+                        <m:r>
+                          <a:rPr lang="de-DE" i="1">
+                            <a:latin typeface="Cambria Math" panose="02040503050406030204" pitchFamily="18" charset="0"/>
+                          </a:rPr>
+                          <m:t>1</m:t>
+                        </m:r>
+                      </m:sub>
+                    </m:sSub>
+                    <m:func>
+                      <m:funcPr>
+                        <m:ctrlPr>
+                          <a:rPr lang="de-DE" i="1">
+                            <a:latin typeface="Cambria Math" panose="02040503050406030204" pitchFamily="18" charset="0"/>
+                          </a:rPr>
+                        </m:ctrlPr>
+                      </m:funcPr>
+                      <m:fName>
+                        <m:r>
+                          <m:rPr>
+                            <m:sty m:val="p"/>
+                          </m:rPr>
+                          <a:rPr lang="de-DE">
+                            <a:latin typeface="Cambria Math" panose="02040503050406030204" pitchFamily="18" charset="0"/>
+                          </a:rPr>
+                          <m:t>sin</m:t>
+                        </m:r>
+                      </m:fName>
+                      <m:e>
+                        <m:d>
+                          <m:dPr>
+                            <m:ctrlPr>
+                              <a:rPr lang="de-DE" i="1">
+                                <a:latin typeface="Cambria Math" panose="02040503050406030204" pitchFamily="18" charset="0"/>
+                              </a:rPr>
+                            </m:ctrlPr>
+                          </m:dPr>
+                          <m:e>
+                            <m:sSub>
+                              <m:sSubPr>
+                                <m:ctrlPr>
+                                  <a:rPr lang="de-DE" i="1">
+                                    <a:latin typeface="Cambria Math" panose="02040503050406030204" pitchFamily="18" charset="0"/>
+                                  </a:rPr>
+                                </m:ctrlPr>
+                              </m:sSubPr>
+                              <m:e>
+                                <m:r>
+                                  <a:rPr lang="de-DE" i="1">
+                                    <a:latin typeface="Cambria Math" panose="02040503050406030204" pitchFamily="18" charset="0"/>
+                                  </a:rPr>
+                                  <m:t>𝛼</m:t>
+                                </m:r>
+                              </m:e>
+                              <m:sub>
+                                <m:r>
+                                  <a:rPr lang="de-DE" i="1">
+                                    <a:latin typeface="Cambria Math" panose="02040503050406030204" pitchFamily="18" charset="0"/>
+                                  </a:rPr>
+                                  <m:t>1</m:t>
+                                </m:r>
+                              </m:sub>
+                            </m:sSub>
+                          </m:e>
+                        </m:d>
+                      </m:e>
+                    </m:func>
+                    <m:r>
+                      <a:rPr lang="de-DE" i="1">
+                        <a:latin typeface="Cambria Math" panose="02040503050406030204" pitchFamily="18" charset="0"/>
+                      </a:rPr>
+                      <m:t>=</m:t>
+                    </m:r>
+                    <m:sSub>
+                      <m:sSubPr>
+                        <m:ctrlPr>
+                          <a:rPr lang="de-DE" i="1">
+                            <a:latin typeface="Cambria Math" panose="02040503050406030204" pitchFamily="18" charset="0"/>
+                          </a:rPr>
+                        </m:ctrlPr>
+                      </m:sSubPr>
+                      <m:e>
+                        <m:r>
+                          <a:rPr lang="de-DE" i="1">
+                            <a:latin typeface="Cambria Math" panose="02040503050406030204" pitchFamily="18" charset="0"/>
+                          </a:rPr>
+                          <m:t>𝑛</m:t>
+                        </m:r>
+                      </m:e>
+                      <m:sub>
+                        <m:r>
+                          <a:rPr lang="de-DE" i="1">
+                            <a:latin typeface="Cambria Math" panose="02040503050406030204" pitchFamily="18" charset="0"/>
+                          </a:rPr>
+                          <m:t>2</m:t>
+                        </m:r>
+                      </m:sub>
+                    </m:sSub>
+                    <m:r>
+                      <a:rPr lang="de-DE" i="1">
+                        <a:latin typeface="Cambria Math" panose="02040503050406030204" pitchFamily="18" charset="0"/>
+                      </a:rPr>
+                      <m:t> </m:t>
+                    </m:r>
+                    <m:r>
+                      <m:rPr>
+                        <m:sty m:val="p"/>
+                      </m:rPr>
+                      <a:rPr lang="de-DE">
+                        <a:latin typeface="Cambria Math" panose="02040503050406030204" pitchFamily="18" charset="0"/>
+                      </a:rPr>
+                      <m:t>sin</m:t>
+                    </m:r>
+                    <m:r>
+                      <a:rPr lang="de-DE" i="1">
+                        <a:latin typeface="Cambria Math" panose="02040503050406030204" pitchFamily="18" charset="0"/>
+                      </a:rPr>
+                      <m:t>⁡(</m:t>
+                    </m:r>
+                    <m:sSub>
+                      <m:sSubPr>
+                        <m:ctrlPr>
+                          <a:rPr lang="de-DE" i="1">
+                            <a:latin typeface="Cambria Math" panose="02040503050406030204" pitchFamily="18" charset="0"/>
+                          </a:rPr>
+                        </m:ctrlPr>
+                      </m:sSubPr>
+                      <m:e>
+                        <m:r>
+                          <a:rPr lang="de-DE" i="1">
+                            <a:latin typeface="Cambria Math" panose="02040503050406030204" pitchFamily="18" charset="0"/>
+                          </a:rPr>
+                          <m:t>𝛼</m:t>
+                        </m:r>
+                      </m:e>
+                      <m:sub>
+                        <m:r>
+                          <a:rPr lang="de-DE" i="1">
+                            <a:latin typeface="Cambria Math" panose="02040503050406030204" pitchFamily="18" charset="0"/>
+                          </a:rPr>
+                          <m:t>2</m:t>
+                        </m:r>
+                      </m:sub>
+                    </m:sSub>
+                    <m:r>
+                      <a:rPr lang="de-DE" i="1">
+                        <a:latin typeface="Cambria Math" panose="02040503050406030204" pitchFamily="18" charset="0"/>
+                      </a:rPr>
+                      <m:t>)</m:t>
+                    </m:r>
+                  </m:oMath>
+                </a14:m>
+                <a:endParaRPr lang="de-DE" dirty="0"/>
+              </a:p>
+              <a:p>
+                <a:endParaRPr lang="de-DE" dirty="0"/>
+              </a:p>
+              <a:p>
+                <a:endParaRPr lang="de-DE" dirty="0"/>
+              </a:p>
+              <a:p>
+                <a14:m>
+                  <m:oMath xmlns:m="http://schemas.openxmlformats.org/officeDocument/2006/math">
+                    <m:r>
+                      <a:rPr lang="de-DE" sz="3600" b="0" i="1" smtClean="0">
+                        <a:latin typeface="Cambria Math" panose="02040503050406030204" pitchFamily="18" charset="0"/>
+                      </a:rPr>
+                      <m:t>𝑛</m:t>
+                    </m:r>
+                    <m:r>
+                      <a:rPr lang="de-DE" sz="3600" b="0" i="1" smtClean="0">
+                        <a:latin typeface="Cambria Math" panose="02040503050406030204" pitchFamily="18" charset="0"/>
+                      </a:rPr>
+                      <m:t>= </m:t>
+                    </m:r>
+                    <m:f>
+                      <m:fPr>
+                        <m:ctrlPr>
+                          <a:rPr lang="de-DE" sz="3600" b="0" i="1" smtClean="0">
+                            <a:latin typeface="Cambria Math" panose="02040503050406030204" pitchFamily="18" charset="0"/>
+                          </a:rPr>
+                        </m:ctrlPr>
+                      </m:fPr>
+                      <m:num>
+                        <m:r>
+                          <a:rPr lang="de-DE" sz="3600" b="0" i="1" smtClean="0">
+                            <a:latin typeface="Cambria Math" panose="02040503050406030204" pitchFamily="18" charset="0"/>
+                          </a:rPr>
+                          <m:t>⁡</m:t>
+                        </m:r>
+                        <m:func>
+                          <m:funcPr>
+                            <m:ctrlPr>
+                              <a:rPr lang="de-DE" sz="3600" b="0" i="1" smtClean="0">
+                                <a:latin typeface="Cambria Math" panose="02040503050406030204" pitchFamily="18" charset="0"/>
+                              </a:rPr>
+                            </m:ctrlPr>
+                          </m:funcPr>
+                          <m:fName>
+                            <m:r>
+                              <m:rPr>
+                                <m:sty m:val="p"/>
+                              </m:rPr>
+                              <a:rPr lang="de-DE" sz="3600" b="0" i="0" smtClean="0">
+                                <a:latin typeface="Cambria Math" panose="02040503050406030204" pitchFamily="18" charset="0"/>
+                              </a:rPr>
+                              <m:t>sin</m:t>
+                            </m:r>
+                          </m:fName>
+                          <m:e>
+                            <m:f>
+                              <m:fPr>
+                                <m:ctrlPr>
+                                  <a:rPr lang="de-DE" sz="3600" b="0" i="1" smtClean="0">
+                                    <a:latin typeface="Cambria Math" panose="02040503050406030204" pitchFamily="18" charset="0"/>
+                                  </a:rPr>
+                                </m:ctrlPr>
+                              </m:fPr>
+                              <m:num>
+                                <m:r>
+                                  <a:rPr lang="de-DE" sz="3600" b="0" i="1" smtClean="0">
+                                    <a:latin typeface="Cambria Math" panose="02040503050406030204" pitchFamily="18" charset="0"/>
+                                  </a:rPr>
+                                  <m:t>𝛿</m:t>
+                                </m:r>
+                                <m:r>
+                                  <a:rPr lang="de-DE" sz="3600" b="0" i="1" smtClean="0">
+                                    <a:latin typeface="Cambria Math" panose="02040503050406030204" pitchFamily="18" charset="0"/>
+                                  </a:rPr>
+                                  <m:t>+</m:t>
+                                </m:r>
+                                <m:r>
+                                  <a:rPr lang="de-DE" sz="3600" b="0" i="1" smtClean="0">
+                                    <a:latin typeface="Cambria Math" panose="02040503050406030204" pitchFamily="18" charset="0"/>
+                                  </a:rPr>
+                                  <m:t>𝜖</m:t>
+                                </m:r>
+                              </m:num>
+                              <m:den>
+                                <m:r>
+                                  <a:rPr lang="de-DE" sz="3600" b="0" i="1" smtClean="0">
+                                    <a:latin typeface="Cambria Math" panose="02040503050406030204" pitchFamily="18" charset="0"/>
+                                  </a:rPr>
+                                  <m:t>2</m:t>
+                                </m:r>
+                              </m:den>
+                            </m:f>
+                          </m:e>
+                        </m:func>
+                      </m:num>
+                      <m:den>
+                        <m:func>
+                          <m:funcPr>
+                            <m:ctrlPr>
+                              <a:rPr lang="de-DE" sz="3600" b="0" i="1" smtClean="0">
+                                <a:latin typeface="Cambria Math" panose="02040503050406030204" pitchFamily="18" charset="0"/>
+                              </a:rPr>
+                            </m:ctrlPr>
+                          </m:funcPr>
+                          <m:fName>
+                            <m:r>
+                              <m:rPr>
+                                <m:sty m:val="p"/>
+                              </m:rPr>
+                              <a:rPr lang="de-DE" sz="3600" b="0" i="0" smtClean="0">
+                                <a:latin typeface="Cambria Math" panose="02040503050406030204" pitchFamily="18" charset="0"/>
+                              </a:rPr>
+                              <m:t>sin</m:t>
+                            </m:r>
+                          </m:fName>
+                          <m:e>
+                            <m:f>
+                              <m:fPr>
+                                <m:ctrlPr>
+                                  <a:rPr lang="de-DE" sz="3600" b="0" i="1" smtClean="0">
+                                    <a:latin typeface="Cambria Math" panose="02040503050406030204" pitchFamily="18" charset="0"/>
+                                  </a:rPr>
+                                </m:ctrlPr>
+                              </m:fPr>
+                              <m:num>
+                                <m:r>
+                                  <a:rPr lang="de-DE" sz="3600" b="0" i="1" smtClean="0">
+                                    <a:latin typeface="Cambria Math" panose="02040503050406030204" pitchFamily="18" charset="0"/>
+                                  </a:rPr>
+                                  <m:t>𝜖</m:t>
+                                </m:r>
+                              </m:num>
+                              <m:den>
+                                <m:r>
+                                  <a:rPr lang="de-DE" sz="3600" b="0" i="1" smtClean="0">
+                                    <a:latin typeface="Cambria Math" panose="02040503050406030204" pitchFamily="18" charset="0"/>
+                                  </a:rPr>
+                                  <m:t>2</m:t>
+                                </m:r>
+                              </m:den>
+                            </m:f>
+                          </m:e>
+                        </m:func>
+                      </m:den>
+                    </m:f>
+                  </m:oMath>
+                </a14:m>
+                <a:endParaRPr lang="de-DE" sz="3600" dirty="0"/>
+              </a:p>
+              <a:p>
+                <a:endParaRPr lang="de-DE" dirty="0"/>
+              </a:p>
+              <a:p>
+                <a:pPr marL="0" indent="0">
+                  <a:buNone/>
+                </a:pPr>
+                <a:endParaRPr lang="de-DE" dirty="0"/>
+              </a:p>
+            </p:txBody>
+          </p:sp>
+        </mc:Choice>
+        <mc:Fallback>
+          <p:sp>
+            <p:nvSpPr>
+              <p:cNvPr id="4" name="Inhaltsplatzhalter 3">
+                <a:extLst>
+                  <a:ext uri="{FF2B5EF4-FFF2-40B4-BE49-F238E27FC236}">
+                    <a16:creationId xmlns:a16="http://schemas.microsoft.com/office/drawing/2014/main" id="{A08101EE-B60C-4936-9FA1-6861A9B04F89}"/>
+                  </a:ext>
+                </a:extLst>
+              </p:cNvPr>
+              <p:cNvSpPr>
+                <a:spLocks noGrp="1" noRot="1" noChangeAspect="1" noMove="1" noResize="1" noEditPoints="1" noAdjustHandles="1" noChangeArrowheads="1" noChangeShapeType="1" noTextEdit="1"/>
+              </p:cNvSpPr>
+              <p:nvPr>
+                <p:ph sz="half" idx="1"/>
+              </p:nvPr>
+            </p:nvSpPr>
+            <p:spPr>
+              <a:blipFill>
+                <a:blip r:embed="rId2"/>
+                <a:stretch>
+                  <a:fillRect l="-2118" t="-2241"/>
+                </a:stretch>
+              </a:blipFill>
+            </p:spPr>
+            <p:txBody>
+              <a:bodyPr/>
+              <a:lstStyle/>
+              <a:p>
+                <a:r>
+                  <a:rPr lang="de-DE">
+                    <a:noFill/>
+                  </a:rPr>
+                  <a:t> </a:t>
+                </a:r>
+              </a:p>
+            </p:txBody>
+          </p:sp>
+        </mc:Fallback>
+      </mc:AlternateContent>
+      <p:pic>
+        <p:nvPicPr>
+          <p:cNvPr id="7" name="Inhaltsplatzhalter 6">
+            <a:extLst>
+              <a:ext uri="{FF2B5EF4-FFF2-40B4-BE49-F238E27FC236}">
+                <a16:creationId xmlns:a16="http://schemas.microsoft.com/office/drawing/2014/main" id="{E3355774-0499-4A63-ABC5-F30F110B2496}"/>
+              </a:ext>
+            </a:extLst>
+          </p:cNvPr>
+          <p:cNvPicPr>
+            <a:picLocks noGrp="1" noChangeAspect="1"/>
+          </p:cNvPicPr>
+          <p:nvPr>
+            <p:ph sz="half" idx="2"/>
+          </p:nvPr>
+        </p:nvPicPr>
+        <p:blipFill>
+          <a:blip r:embed="rId3">
+            <a:extLst>
+              <a:ext uri="{28A0092B-C50C-407E-A947-70E740481C1C}">
+                <a14:useLocalDpi xmlns:a14="http://schemas.microsoft.com/office/drawing/2010/main" val="0"/>
+              </a:ext>
+            </a:extLst>
+          </a:blip>
+          <a:stretch>
+            <a:fillRect/>
+          </a:stretch>
+        </p:blipFill>
+        <p:spPr>
+          <a:xfrm>
+            <a:off x="5836374" y="1825625"/>
+            <a:ext cx="5853251" cy="4351338"/>
+          </a:xfrm>
+        </p:spPr>
+      </p:pic>
     </p:spTree>
     <p:extLst>
       <p:ext uri="{BB962C8B-B14F-4D97-AF65-F5344CB8AC3E}">
@@ -3910,59 +4312,46 @@
         </p:blipFill>
         <p:spPr>
           <a:xfrm>
-            <a:off x="5199250" y="1786596"/>
+            <a:off x="5424537" y="1389031"/>
             <a:ext cx="6159177" cy="4600135"/>
           </a:xfrm>
         </p:spPr>
       </p:pic>
-      <p:sp>
-        <p:nvSpPr>
-          <p:cNvPr id="3" name="Inhaltsplatzhalter 2">
-            <a:extLst>
-              <a:ext uri="{FF2B5EF4-FFF2-40B4-BE49-F238E27FC236}">
-                <a16:creationId xmlns:a16="http://schemas.microsoft.com/office/drawing/2014/main" id="{0A0E3A64-3476-4C6D-84A5-07A5FF71A018}"/>
-              </a:ext>
-            </a:extLst>
-          </p:cNvPr>
-          <p:cNvSpPr>
-            <a:spLocks noGrp="1"/>
-          </p:cNvSpPr>
+      <p:pic>
+        <p:nvPicPr>
+          <p:cNvPr id="5" name="Inhaltsplatzhalter 4">
+            <a:extLst>
+              <a:ext uri="{FF2B5EF4-FFF2-40B4-BE49-F238E27FC236}">
+                <a16:creationId xmlns:a16="http://schemas.microsoft.com/office/drawing/2014/main" id="{8541AB8B-AE87-41B5-BCC9-636CF58B8C99}"/>
+              </a:ext>
+            </a:extLst>
+          </p:cNvPr>
+          <p:cNvPicPr>
+            <a:picLocks noGrp="1" noChangeAspect="1"/>
+          </p:cNvPicPr>
           <p:nvPr>
             <p:ph sz="half" idx="1"/>
           </p:nvPr>
-        </p:nvSpPr>
-        <p:spPr/>
-        <p:txBody>
-          <a:bodyPr/>
-          <a:lstStyle/>
-          <a:p>
-            <a:r>
-              <a:rPr lang="de-DE" dirty="0" err="1"/>
-              <a:t>Hueir</a:t>
-            </a:r>
-            <a:r>
-              <a:rPr lang="de-DE" dirty="0"/>
-              <a:t> </a:t>
-            </a:r>
-            <a:r>
-              <a:rPr lang="de-DE" dirty="0" err="1"/>
-              <a:t>tabelle</a:t>
-            </a:r>
-            <a:r>
-              <a:rPr lang="de-DE" dirty="0"/>
-              <a:t>, muss noch in </a:t>
-            </a:r>
-            <a:r>
-              <a:rPr lang="de-DE" dirty="0" err="1"/>
-              <a:t>latex</a:t>
-            </a:r>
-            <a:r>
-              <a:rPr lang="de-DE" dirty="0"/>
-              <a:t> korrigiert werden</a:t>
-            </a:r>
-          </a:p>
-        </p:txBody>
-      </p:sp>
+        </p:nvPicPr>
+        <p:blipFill>
+          <a:blip r:embed="rId3">
+            <a:extLst>
+              <a:ext uri="{28A0092B-C50C-407E-A947-70E740481C1C}">
+                <a14:useLocalDpi xmlns:a14="http://schemas.microsoft.com/office/drawing/2010/main" val="0"/>
+              </a:ext>
+            </a:extLst>
+          </a:blip>
+          <a:stretch>
+            <a:fillRect/>
+          </a:stretch>
+        </p:blipFill>
+        <p:spPr>
+          <a:xfrm>
+            <a:off x="294194" y="2714594"/>
+            <a:ext cx="5130343" cy="2384436"/>
+          </a:xfrm>
+        </p:spPr>
+      </p:pic>
     </p:spTree>
     <p:extLst>
       <p:ext uri="{BB962C8B-B14F-4D97-AF65-F5344CB8AC3E}">
@@ -4262,8 +4651,8 @@
         </p:blipFill>
         <p:spPr>
           <a:xfrm>
-            <a:off x="5795491" y="984738"/>
-            <a:ext cx="6629703" cy="4951559"/>
+            <a:off x="5267739" y="984738"/>
+            <a:ext cx="7157455" cy="5345724"/>
           </a:xfrm>
         </p:spPr>
       </p:pic>
@@ -4489,7 +4878,7 @@
               <a:p>
                 <a:r>
                   <a:rPr lang="de-DE" dirty="0"/>
-                  <a:t>Theoretisch erwartetes Auflösungsvermögen</a:t>
+                  <a:t>Theoretisch erwartetes Auflösungsvermögen:</a:t>
                 </a:r>
               </a:p>
               <a:p>
@@ -4566,6 +4955,47 @@
                 <a:endParaRPr lang="de-DE" dirty="0"/>
               </a:p>
               <a:p>
+                <a:endParaRPr lang="de-DE" dirty="0"/>
+              </a:p>
+              <a:p>
+                <a:r>
+                  <a:rPr lang="de-DE" dirty="0"/>
+                  <a:t>Experimentelles Ergebnis:</a:t>
+                </a:r>
+              </a:p>
+              <a:p>
+                <a:pPr marL="457200" lvl="1" indent="0">
+                  <a:buNone/>
+                </a:pPr>
+                <a:r>
+                  <a:rPr lang="de-DE" dirty="0"/>
+                  <a:t>				</a:t>
+                </a:r>
+              </a:p>
+              <a:p>
+                <a:pPr marL="457200" lvl="1" indent="0">
+                  <a:buNone/>
+                </a:pPr>
+                <a:r>
+                  <a:rPr lang="de-DE" dirty="0"/>
+                  <a:t>				</a:t>
+                </a:r>
+                <a14:m>
+                  <m:oMath xmlns:m="http://schemas.openxmlformats.org/officeDocument/2006/math">
+                    <m:r>
+                      <a:rPr lang="de-DE" b="0" i="1" smtClean="0">
+                        <a:latin typeface="Cambria Math" panose="02040503050406030204" pitchFamily="18" charset="0"/>
+                      </a:rPr>
+                      <m:t>𝐴</m:t>
+                    </m:r>
+                    <m:r>
+                      <a:rPr lang="de-DE" b="0" i="1" smtClean="0">
+                        <a:latin typeface="Cambria Math" panose="02040503050406030204" pitchFamily="18" charset="0"/>
+                      </a:rPr>
+                      <m:t>≈286</m:t>
+                    </m:r>
+                  </m:oMath>
+                </a14:m>
                 <a:endParaRPr lang="de-DE" dirty="0"/>
               </a:p>
               <a:p>

--- a/grundpraktikum2/Optik 1/Optik I.pptx
+++ b/grundpraktikum2/Optik 1/Optik I.pptx
@@ -3594,9 +3594,9 @@
           </a:stretch>
         </p:blipFill>
         <p:spPr>
-          <a:xfrm>
-            <a:off x="6845342" y="365125"/>
-            <a:ext cx="3817969" cy="5980530"/>
+          <a:xfrm rot="5400000">
+            <a:off x="3759877" y="-95552"/>
+            <a:ext cx="5340629" cy="7587545"/>
           </a:xfrm>
         </p:spPr>
       </p:pic>
@@ -3658,8 +3658,8 @@
           </a:p>
         </p:txBody>
       </p:sp>
-      <mc:AlternateContent xmlns:mc="http://schemas.openxmlformats.org/markup-compatibility/2006">
-        <mc:Choice xmlns:a14="http://schemas.microsoft.com/office/drawing/2010/main" Requires="a14">
+      <mc:AlternateContent xmlns:mc="http://schemas.openxmlformats.org/markup-compatibility/2006" xmlns:a14="http://schemas.microsoft.com/office/drawing/2010/main">
+        <mc:Choice Requires="a14">
           <p:sp>
             <p:nvSpPr>
               <p:cNvPr id="4" name="Inhaltsplatzhalter 3">
@@ -4019,7 +4019,7 @@
             </p:txBody>
           </p:sp>
         </mc:Choice>
-        <mc:Fallback>
+        <mc:Fallback xmlns="">
           <p:sp>
             <p:nvSpPr>
               <p:cNvPr id="4" name="Inhaltsplatzhalter 3">
@@ -4219,8 +4219,8 @@
         </p:blipFill>
         <p:spPr>
           <a:xfrm>
-            <a:off x="2019567" y="2305869"/>
-            <a:ext cx="925762" cy="3601328"/>
+            <a:off x="2019567" y="2463003"/>
+            <a:ext cx="885369" cy="3444193"/>
           </a:xfrm>
         </p:spPr>
       </p:pic>
@@ -4819,8 +4819,8 @@
           </a:p>
         </p:txBody>
       </p:sp>
-      <mc:AlternateContent xmlns:mc="http://schemas.openxmlformats.org/markup-compatibility/2006">
-        <mc:Choice xmlns:a14="http://schemas.microsoft.com/office/drawing/2010/main" Requires="a14">
+      <mc:AlternateContent xmlns:mc="http://schemas.openxmlformats.org/markup-compatibility/2006" xmlns:a14="http://schemas.microsoft.com/office/drawing/2010/main">
+        <mc:Choice Requires="a14">
           <p:sp>
             <p:nvSpPr>
               <p:cNvPr id="5" name="Inhaltsplatzhalter 4">
@@ -5031,7 +5031,7 @@
             </p:txBody>
           </p:sp>
         </mc:Choice>
-        <mc:Fallback>
+        <mc:Fallback xmlns="">
           <p:sp>
             <p:nvSpPr>
               <p:cNvPr id="5" name="Inhaltsplatzhalter 4">

--- a/grundpraktikum2/Optik 1/Optik I.pptx
+++ b/grundpraktikum2/Optik 1/Optik I.pptx
@@ -14,6 +14,10 @@
     <p:sldId id="263" r:id="rId8"/>
     <p:sldId id="264" r:id="rId9"/>
     <p:sldId id="265" r:id="rId10"/>
+    <p:sldId id="266" r:id="rId11"/>
+    <p:sldId id="267" r:id="rId12"/>
+    <p:sldId id="268" r:id="rId13"/>
+    <p:sldId id="269" r:id="rId14"/>
   </p:sldIdLst>
   <p:sldSz cx="12192000" cy="6858000"/>
   <p:notesSz cx="6858000" cy="9144000"/>
@@ -3420,6 +3424,1314 @@
     <p:extLst>
       <p:ext uri="{BB962C8B-B14F-4D97-AF65-F5344CB8AC3E}">
         <p14:creationId xmlns:p14="http://schemas.microsoft.com/office/powerpoint/2010/main" val="1500047312"/>
+      </p:ext>
+    </p:extLst>
+  </p:cSld>
+  <p:clrMapOvr>
+    <a:masterClrMapping/>
+  </p:clrMapOvr>
+</p:sld>
+</file>
+
+<file path=ppt/slides/slide10.xml><?xml version="1.0" encoding="utf-8"?>
+<p:sld xmlns:a="http://schemas.openxmlformats.org/drawingml/2006/main" xmlns:r="http://schemas.openxmlformats.org/officeDocument/2006/relationships" xmlns:p="http://schemas.openxmlformats.org/presentationml/2006/main">
+  <p:cSld>
+    <p:spTree>
+      <p:nvGrpSpPr>
+        <p:cNvPr id="1" name=""/>
+        <p:cNvGrpSpPr/>
+        <p:nvPr/>
+      </p:nvGrpSpPr>
+      <p:grpSpPr>
+        <a:xfrm>
+          <a:off x="0" y="0"/>
+          <a:ext cx="0" cy="0"/>
+          <a:chOff x="0" y="0"/>
+          <a:chExt cx="0" cy="0"/>
+        </a:xfrm>
+      </p:grpSpPr>
+      <p:sp>
+        <p:nvSpPr>
+          <p:cNvPr id="2" name="Titel 1">
+            <a:extLst>
+              <a:ext uri="{FF2B5EF4-FFF2-40B4-BE49-F238E27FC236}">
+                <a16:creationId xmlns:a16="http://schemas.microsoft.com/office/drawing/2014/main" id="{AFBAA1B4-FFB3-4939-834D-54C1DC63694B}"/>
+              </a:ext>
+            </a:extLst>
+          </p:cNvPr>
+          <p:cNvSpPr>
+            <a:spLocks noGrp="1"/>
+          </p:cNvSpPr>
+          <p:nvPr>
+            <p:ph type="title"/>
+          </p:nvPr>
+        </p:nvSpPr>
+        <p:spPr/>
+        <p:txBody>
+          <a:bodyPr/>
+          <a:lstStyle/>
+          <a:p>
+            <a:r>
+              <a:rPr lang="de-DE" dirty="0"/>
+              <a:t>Gitter - Grundlagen</a:t>
+            </a:r>
+          </a:p>
+        </p:txBody>
+      </p:sp>
+      <mc:AlternateContent xmlns:mc="http://schemas.openxmlformats.org/markup-compatibility/2006">
+        <mc:Choice xmlns:a14="http://schemas.microsoft.com/office/drawing/2010/main" Requires="a14">
+          <p:sp>
+            <p:nvSpPr>
+              <p:cNvPr id="3" name="Inhaltsplatzhalter 2">
+                <a:extLst>
+                  <a:ext uri="{FF2B5EF4-FFF2-40B4-BE49-F238E27FC236}">
+                    <a16:creationId xmlns:a16="http://schemas.microsoft.com/office/drawing/2014/main" id="{B5186058-C979-4F4A-A468-5D9D3A7257CB}"/>
+                  </a:ext>
+                </a:extLst>
+              </p:cNvPr>
+              <p:cNvSpPr>
+                <a:spLocks noGrp="1"/>
+              </p:cNvSpPr>
+              <p:nvPr>
+                <p:ph idx="1"/>
+              </p:nvPr>
+            </p:nvSpPr>
+            <p:spPr>
+              <a:xfrm>
+                <a:off x="838200" y="1825625"/>
+                <a:ext cx="4818321" cy="4351338"/>
+              </a:xfrm>
+            </p:spPr>
+            <p:txBody>
+              <a:bodyPr>
+                <a:normAutofit/>
+              </a:bodyPr>
+              <a:lstStyle/>
+              <a:p>
+                <a:r>
+                  <a:rPr lang="de-DE" dirty="0"/>
+                  <a:t>Maximumsbedingung: </a:t>
+                </a:r>
+                <a:endParaRPr lang="de-DE" b="0" i="1" dirty="0">
+                  <a:latin typeface="Cambria Math" panose="02040503050406030204" pitchFamily="18" charset="0"/>
+                </a:endParaRPr>
+              </a:p>
+              <a:p>
+                <a:pPr marL="0" indent="0">
+                  <a:buNone/>
+                </a:pPr>
+                <a14:m>
+                  <m:oMathPara xmlns:m="http://schemas.openxmlformats.org/officeDocument/2006/math">
+                    <m:oMathParaPr>
+                      <m:jc m:val="centerGroup"/>
+                    </m:oMathParaPr>
+                    <m:oMath xmlns:m="http://schemas.openxmlformats.org/officeDocument/2006/math">
+                      <m:r>
+                        <a:rPr lang="de-DE" b="0" i="1" smtClean="0">
+                          <a:latin typeface="Cambria Math" panose="02040503050406030204" pitchFamily="18" charset="0"/>
+                        </a:rPr>
+                        <m:t>𝑛</m:t>
+                      </m:r>
+                      <m:r>
+                        <a:rPr lang="de-DE" b="0" i="1" smtClean="0">
+                          <a:latin typeface="Cambria Math" panose="02040503050406030204" pitchFamily="18" charset="0"/>
+                        </a:rPr>
+                        <m:t> </m:t>
+                      </m:r>
+                      <m:r>
+                        <a:rPr lang="de-DE" b="0" i="1" smtClean="0">
+                          <a:latin typeface="Cambria Math" panose="02040503050406030204" pitchFamily="18" charset="0"/>
+                        </a:rPr>
+                        <m:t>𝜆</m:t>
+                      </m:r>
+                      <m:r>
+                        <a:rPr lang="de-DE" b="0" i="1" smtClean="0">
+                          <a:latin typeface="Cambria Math" panose="02040503050406030204" pitchFamily="18" charset="0"/>
+                        </a:rPr>
+                        <m:t>=</m:t>
+                      </m:r>
+                      <m:r>
+                        <a:rPr lang="de-DE" b="0" i="1" smtClean="0">
+                          <a:latin typeface="Cambria Math" panose="02040503050406030204" pitchFamily="18" charset="0"/>
+                        </a:rPr>
+                        <m:t>𝑑</m:t>
+                      </m:r>
+                      <m:func>
+                        <m:funcPr>
+                          <m:ctrlPr>
+                            <a:rPr lang="de-DE" b="0" i="1" smtClean="0">
+                              <a:latin typeface="Cambria Math" panose="02040503050406030204" pitchFamily="18" charset="0"/>
+                            </a:rPr>
+                          </m:ctrlPr>
+                        </m:funcPr>
+                        <m:fName>
+                          <m:r>
+                            <m:rPr>
+                              <m:sty m:val="p"/>
+                            </m:rPr>
+                            <a:rPr lang="de-DE" b="0" i="0" smtClean="0">
+                              <a:latin typeface="Cambria Math" panose="02040503050406030204" pitchFamily="18" charset="0"/>
+                            </a:rPr>
+                            <m:t>sin</m:t>
+                          </m:r>
+                        </m:fName>
+                        <m:e>
+                          <m:r>
+                            <a:rPr lang="de-DE" b="0" i="1" smtClean="0">
+                              <a:latin typeface="Cambria Math" panose="02040503050406030204" pitchFamily="18" charset="0"/>
+                            </a:rPr>
+                            <m:t>𝜃</m:t>
+                          </m:r>
+                        </m:e>
+                      </m:func>
+                    </m:oMath>
+                  </m:oMathPara>
+                </a14:m>
+                <a:endParaRPr lang="de-DE" dirty="0"/>
+              </a:p>
+              <a:p>
+                <a:endParaRPr lang="de-DE" dirty="0"/>
+              </a:p>
+              <a:p>
+                <a:r>
+                  <a:rPr lang="de-DE" dirty="0"/>
+                  <a:t>Allgemeiner: </a:t>
+                </a:r>
+              </a:p>
+              <a:p>
+                <a:pPr marL="0" indent="0">
+                  <a:buNone/>
+                </a:pPr>
+                <a14:m>
+                  <m:oMathPara xmlns:m="http://schemas.openxmlformats.org/officeDocument/2006/math">
+                    <m:oMathParaPr>
+                      <m:jc m:val="centerGroup"/>
+                    </m:oMathParaPr>
+                    <m:oMath xmlns:m="http://schemas.openxmlformats.org/officeDocument/2006/math">
+                      <m:r>
+                        <a:rPr lang="de-DE" b="0" i="1" smtClean="0">
+                          <a:latin typeface="Cambria Math" panose="02040503050406030204" pitchFamily="18" charset="0"/>
+                        </a:rPr>
+                        <m:t>𝑑</m:t>
+                      </m:r>
+                      <m:r>
+                        <a:rPr lang="de-DE" b="0" i="1" smtClean="0">
+                          <a:latin typeface="Cambria Math" panose="02040503050406030204" pitchFamily="18" charset="0"/>
+                        </a:rPr>
+                        <m:t>(</m:t>
+                      </m:r>
+                      <m:r>
+                        <a:rPr lang="de-DE" b="0" i="1" smtClean="0">
+                          <a:latin typeface="Cambria Math" panose="02040503050406030204" pitchFamily="18" charset="0"/>
+                        </a:rPr>
+                        <m:t>𝑠𝑖𝑛</m:t>
+                      </m:r>
+                      <m:r>
+                        <a:rPr lang="de-DE" b="0" i="1" smtClean="0">
+                          <a:latin typeface="Cambria Math" panose="02040503050406030204" pitchFamily="18" charset="0"/>
+                        </a:rPr>
+                        <m:t>𝜑</m:t>
+                      </m:r>
+                      <m:r>
+                        <a:rPr lang="de-DE" b="0" i="1" smtClean="0">
+                          <a:latin typeface="Cambria Math" panose="02040503050406030204" pitchFamily="18" charset="0"/>
+                        </a:rPr>
+                        <m:t>+</m:t>
+                      </m:r>
+                      <m:func>
+                        <m:funcPr>
+                          <m:ctrlPr>
+                            <a:rPr lang="de-DE" b="0" i="1" smtClean="0">
+                              <a:latin typeface="Cambria Math" panose="02040503050406030204" pitchFamily="18" charset="0"/>
+                            </a:rPr>
+                          </m:ctrlPr>
+                        </m:funcPr>
+                        <m:fName>
+                          <m:r>
+                            <m:rPr>
+                              <m:sty m:val="p"/>
+                            </m:rPr>
+                            <a:rPr lang="de-DE" b="0" i="0" smtClean="0">
+                              <a:latin typeface="Cambria Math" panose="02040503050406030204" pitchFamily="18" charset="0"/>
+                            </a:rPr>
+                            <m:t>sin</m:t>
+                          </m:r>
+                        </m:fName>
+                        <m:e>
+                          <m:d>
+                            <m:dPr>
+                              <m:ctrlPr>
+                                <a:rPr lang="de-DE" b="0" i="1" smtClean="0">
+                                  <a:latin typeface="Cambria Math" panose="02040503050406030204" pitchFamily="18" charset="0"/>
+                                </a:rPr>
+                              </m:ctrlPr>
+                            </m:dPr>
+                            <m:e>
+                              <m:r>
+                                <a:rPr lang="de-DE" b="0" i="1" smtClean="0">
+                                  <a:latin typeface="Cambria Math" panose="02040503050406030204" pitchFamily="18" charset="0"/>
+                                </a:rPr>
+                                <m:t>𝜃</m:t>
+                              </m:r>
+                              <m:r>
+                                <a:rPr lang="de-DE" b="0" i="1" smtClean="0">
+                                  <a:latin typeface="Cambria Math" panose="02040503050406030204" pitchFamily="18" charset="0"/>
+                                </a:rPr>
+                                <m:t>−</m:t>
+                              </m:r>
+                              <m:r>
+                                <a:rPr lang="de-DE" b="0" i="1" smtClean="0">
+                                  <a:latin typeface="Cambria Math" panose="02040503050406030204" pitchFamily="18" charset="0"/>
+                                </a:rPr>
+                                <m:t>𝜑</m:t>
+                              </m:r>
+                            </m:e>
+                          </m:d>
+                        </m:e>
+                      </m:func>
+                      <m:r>
+                        <a:rPr lang="de-DE" b="0" i="1" smtClean="0">
+                          <a:latin typeface="Cambria Math" panose="02040503050406030204" pitchFamily="18" charset="0"/>
+                        </a:rPr>
+                        <m:t>=</m:t>
+                      </m:r>
+                      <m:r>
+                        <a:rPr lang="de-DE" b="0" i="1" smtClean="0">
+                          <a:latin typeface="Cambria Math" panose="02040503050406030204" pitchFamily="18" charset="0"/>
+                        </a:rPr>
+                        <m:t>𝑛</m:t>
+                      </m:r>
+                      <m:r>
+                        <a:rPr lang="de-DE" b="0" i="1" smtClean="0">
+                          <a:latin typeface="Cambria Math" panose="02040503050406030204" pitchFamily="18" charset="0"/>
+                        </a:rPr>
+                        <m:t> </m:t>
+                      </m:r>
+                      <m:r>
+                        <a:rPr lang="de-DE" b="0" i="1" smtClean="0">
+                          <a:latin typeface="Cambria Math" panose="02040503050406030204" pitchFamily="18" charset="0"/>
+                        </a:rPr>
+                        <m:t>𝜆</m:t>
+                      </m:r>
+                    </m:oMath>
+                  </m:oMathPara>
+                </a14:m>
+                <a:endParaRPr lang="de-DE" dirty="0"/>
+              </a:p>
+              <a:p>
+                <a:endParaRPr lang="de-DE" dirty="0"/>
+              </a:p>
+              <a:p>
+                <a:r>
+                  <a:rPr lang="de-DE" dirty="0"/>
+                  <a:t>Auflösungsvermögen: </a:t>
+                </a:r>
+                <a:endParaRPr lang="de-DE" b="0" i="1" dirty="0">
+                  <a:latin typeface="Cambria Math" panose="02040503050406030204" pitchFamily="18" charset="0"/>
+                </a:endParaRPr>
+              </a:p>
+              <a:p>
+                <a:pPr marL="0" indent="0">
+                  <a:buNone/>
+                </a:pPr>
+                <a14:m>
+                  <m:oMathPara xmlns:m="http://schemas.openxmlformats.org/officeDocument/2006/math">
+                    <m:oMathParaPr>
+                      <m:jc m:val="centerGroup"/>
+                    </m:oMathParaPr>
+                    <m:oMath xmlns:m="http://schemas.openxmlformats.org/officeDocument/2006/math">
+                      <m:r>
+                        <a:rPr lang="de-DE" b="0" i="1" smtClean="0">
+                          <a:latin typeface="Cambria Math" panose="02040503050406030204" pitchFamily="18" charset="0"/>
+                        </a:rPr>
+                        <m:t>𝐴</m:t>
+                      </m:r>
+                      <m:r>
+                        <a:rPr lang="de-DE" b="0" i="1" smtClean="0">
+                          <a:latin typeface="Cambria Math" panose="02040503050406030204" pitchFamily="18" charset="0"/>
+                        </a:rPr>
+                        <m:t>= </m:t>
+                      </m:r>
+                      <m:f>
+                        <m:fPr>
+                          <m:ctrlPr>
+                            <a:rPr lang="de-DE" b="0" i="1" smtClean="0">
+                              <a:latin typeface="Cambria Math" panose="02040503050406030204" pitchFamily="18" charset="0"/>
+                            </a:rPr>
+                          </m:ctrlPr>
+                        </m:fPr>
+                        <m:num>
+                          <m:r>
+                            <a:rPr lang="de-DE" b="0" i="1" smtClean="0">
+                              <a:latin typeface="Cambria Math" panose="02040503050406030204" pitchFamily="18" charset="0"/>
+                            </a:rPr>
+                            <m:t>𝜆</m:t>
+                          </m:r>
+                        </m:num>
+                        <m:den>
+                          <m:r>
+                            <m:rPr>
+                              <m:sty m:val="p"/>
+                            </m:rPr>
+                            <a:rPr lang="de-DE" b="0" i="0" smtClean="0">
+                              <a:latin typeface="Cambria Math" panose="02040503050406030204" pitchFamily="18" charset="0"/>
+                            </a:rPr>
+                            <m:t>Δ</m:t>
+                          </m:r>
+                          <m:r>
+                            <a:rPr lang="de-DE" b="0" i="1" smtClean="0">
+                              <a:latin typeface="Cambria Math" panose="02040503050406030204" pitchFamily="18" charset="0"/>
+                            </a:rPr>
+                            <m:t>𝜆</m:t>
+                          </m:r>
+                        </m:den>
+                      </m:f>
+                      <m:r>
+                        <a:rPr lang="de-DE" b="0" i="1" smtClean="0">
+                          <a:latin typeface="Cambria Math" panose="02040503050406030204" pitchFamily="18" charset="0"/>
+                        </a:rPr>
+                        <m:t>=</m:t>
+                      </m:r>
+                      <m:r>
+                        <a:rPr lang="de-DE" b="0" i="1" smtClean="0">
+                          <a:latin typeface="Cambria Math" panose="02040503050406030204" pitchFamily="18" charset="0"/>
+                        </a:rPr>
+                        <m:t>𝑛</m:t>
+                      </m:r>
+                      <m:r>
+                        <a:rPr lang="de-DE" b="0" i="1" smtClean="0">
+                          <a:latin typeface="Cambria Math" panose="02040503050406030204" pitchFamily="18" charset="0"/>
+                        </a:rPr>
+                        <m:t> </m:t>
+                      </m:r>
+                      <m:r>
+                        <a:rPr lang="de-DE" b="0" i="1" smtClean="0">
+                          <a:latin typeface="Cambria Math" panose="02040503050406030204" pitchFamily="18" charset="0"/>
+                        </a:rPr>
+                        <m:t>𝑁</m:t>
+                      </m:r>
+                    </m:oMath>
+                  </m:oMathPara>
+                </a14:m>
+                <a:endParaRPr lang="de-DE" dirty="0"/>
+              </a:p>
+              <a:p>
+                <a:endParaRPr lang="de-DE" dirty="0"/>
+              </a:p>
+            </p:txBody>
+          </p:sp>
+        </mc:Choice>
+        <mc:Fallback>
+          <p:sp>
+            <p:nvSpPr>
+              <p:cNvPr id="3" name="Inhaltsplatzhalter 2">
+                <a:extLst>
+                  <a:ext uri="{FF2B5EF4-FFF2-40B4-BE49-F238E27FC236}">
+                    <a16:creationId xmlns:a16="http://schemas.microsoft.com/office/drawing/2014/main" id="{B5186058-C979-4F4A-A468-5D9D3A7257CB}"/>
+                  </a:ext>
+                </a:extLst>
+              </p:cNvPr>
+              <p:cNvSpPr>
+                <a:spLocks noGrp="1" noRot="1" noChangeAspect="1" noMove="1" noResize="1" noEditPoints="1" noAdjustHandles="1" noChangeArrowheads="1" noChangeShapeType="1" noTextEdit="1"/>
+              </p:cNvSpPr>
+              <p:nvPr>
+                <p:ph idx="1"/>
+              </p:nvPr>
+            </p:nvSpPr>
+            <p:spPr>
+              <a:xfrm>
+                <a:off x="838200" y="1825625"/>
+                <a:ext cx="4818321" cy="4351338"/>
+              </a:xfrm>
+              <a:blipFill>
+                <a:blip r:embed="rId2"/>
+                <a:stretch>
+                  <a:fillRect l="-2278" t="-2241"/>
+                </a:stretch>
+              </a:blipFill>
+            </p:spPr>
+            <p:txBody>
+              <a:bodyPr/>
+              <a:lstStyle/>
+              <a:p>
+                <a:r>
+                  <a:rPr lang="de-DE">
+                    <a:noFill/>
+                  </a:rPr>
+                  <a:t> </a:t>
+                </a:r>
+              </a:p>
+            </p:txBody>
+          </p:sp>
+        </mc:Fallback>
+      </mc:AlternateContent>
+      <p:pic>
+        <p:nvPicPr>
+          <p:cNvPr id="5" name="Grafik 4">
+            <a:extLst>
+              <a:ext uri="{FF2B5EF4-FFF2-40B4-BE49-F238E27FC236}">
+                <a16:creationId xmlns:a16="http://schemas.microsoft.com/office/drawing/2014/main" id="{FDD0C044-87A7-473D-B8C0-ECB207F84948}"/>
+              </a:ext>
+            </a:extLst>
+          </p:cNvPr>
+          <p:cNvPicPr>
+            <a:picLocks noChangeAspect="1"/>
+          </p:cNvPicPr>
+          <p:nvPr/>
+        </p:nvPicPr>
+        <p:blipFill>
+          <a:blip r:embed="rId3">
+            <a:extLst>
+              <a:ext uri="{28A0092B-C50C-407E-A947-70E740481C1C}">
+                <a14:useLocalDpi xmlns:a14="http://schemas.microsoft.com/office/drawing/2010/main" val="0"/>
+              </a:ext>
+            </a:extLst>
+          </a:blip>
+          <a:stretch>
+            <a:fillRect/>
+          </a:stretch>
+        </p:blipFill>
+        <p:spPr>
+          <a:xfrm>
+            <a:off x="5486400" y="2256061"/>
+            <a:ext cx="6386010" cy="2826301"/>
+          </a:xfrm>
+          <a:prstGeom prst="rect">
+            <a:avLst/>
+          </a:prstGeom>
+        </p:spPr>
+      </p:pic>
+    </p:spTree>
+    <p:extLst>
+      <p:ext uri="{BB962C8B-B14F-4D97-AF65-F5344CB8AC3E}">
+        <p14:creationId xmlns:p14="http://schemas.microsoft.com/office/powerpoint/2010/main" val="760166839"/>
+      </p:ext>
+    </p:extLst>
+  </p:cSld>
+  <p:clrMapOvr>
+    <a:masterClrMapping/>
+  </p:clrMapOvr>
+</p:sld>
+</file>
+
+<file path=ppt/slides/slide11.xml><?xml version="1.0" encoding="utf-8"?>
+<p:sld xmlns:a="http://schemas.openxmlformats.org/drawingml/2006/main" xmlns:r="http://schemas.openxmlformats.org/officeDocument/2006/relationships" xmlns:p="http://schemas.openxmlformats.org/presentationml/2006/main">
+  <p:cSld>
+    <p:spTree>
+      <p:nvGrpSpPr>
+        <p:cNvPr id="1" name=""/>
+        <p:cNvGrpSpPr/>
+        <p:nvPr/>
+      </p:nvGrpSpPr>
+      <p:grpSpPr>
+        <a:xfrm>
+          <a:off x="0" y="0"/>
+          <a:ext cx="0" cy="0"/>
+          <a:chOff x="0" y="0"/>
+          <a:chExt cx="0" cy="0"/>
+        </a:xfrm>
+      </p:grpSpPr>
+      <p:sp>
+        <p:nvSpPr>
+          <p:cNvPr id="2" name="Titel 1">
+            <a:extLst>
+              <a:ext uri="{FF2B5EF4-FFF2-40B4-BE49-F238E27FC236}">
+                <a16:creationId xmlns:a16="http://schemas.microsoft.com/office/drawing/2014/main" id="{40B30099-4E79-43A9-9B94-F4F7561F6409}"/>
+              </a:ext>
+            </a:extLst>
+          </p:cNvPr>
+          <p:cNvSpPr>
+            <a:spLocks noGrp="1"/>
+          </p:cNvSpPr>
+          <p:nvPr>
+            <p:ph type="title"/>
+          </p:nvPr>
+        </p:nvSpPr>
+        <p:spPr/>
+        <p:txBody>
+          <a:bodyPr/>
+          <a:lstStyle/>
+          <a:p>
+            <a:r>
+              <a:rPr lang="de-DE" dirty="0"/>
+              <a:t>Rauschmessung Gitter</a:t>
+            </a:r>
+          </a:p>
+        </p:txBody>
+      </p:sp>
+      <p:pic>
+        <p:nvPicPr>
+          <p:cNvPr id="5" name="Inhaltsplatzhalter 4">
+            <a:extLst>
+              <a:ext uri="{FF2B5EF4-FFF2-40B4-BE49-F238E27FC236}">
+                <a16:creationId xmlns:a16="http://schemas.microsoft.com/office/drawing/2014/main" id="{1959F855-4DB0-43D3-A4A4-2B0C4B4A8A5C}"/>
+              </a:ext>
+            </a:extLst>
+          </p:cNvPr>
+          <p:cNvPicPr>
+            <a:picLocks noGrp="1" noChangeAspect="1"/>
+          </p:cNvPicPr>
+          <p:nvPr>
+            <p:ph idx="1"/>
+          </p:nvPr>
+        </p:nvPicPr>
+        <p:blipFill>
+          <a:blip r:embed="rId2">
+            <a:extLst>
+              <a:ext uri="{28A0092B-C50C-407E-A947-70E740481C1C}">
+                <a14:useLocalDpi xmlns:a14="http://schemas.microsoft.com/office/drawing/2010/main" val="0"/>
+              </a:ext>
+            </a:extLst>
+          </a:blip>
+          <a:stretch>
+            <a:fillRect/>
+          </a:stretch>
+        </p:blipFill>
+        <p:spPr>
+          <a:xfrm>
+            <a:off x="5572067" y="1690688"/>
+            <a:ext cx="5511252" cy="4116217"/>
+          </a:xfrm>
+        </p:spPr>
+      </p:pic>
+      <p:pic>
+        <p:nvPicPr>
+          <p:cNvPr id="7" name="Grafik 6">
+            <a:extLst>
+              <a:ext uri="{FF2B5EF4-FFF2-40B4-BE49-F238E27FC236}">
+                <a16:creationId xmlns:a16="http://schemas.microsoft.com/office/drawing/2014/main" id="{6E7070AE-3DF6-44AA-9AE6-BAB0AF6EBF9F}"/>
+              </a:ext>
+            </a:extLst>
+          </p:cNvPr>
+          <p:cNvPicPr>
+            <a:picLocks noChangeAspect="1"/>
+          </p:cNvPicPr>
+          <p:nvPr/>
+        </p:nvPicPr>
+        <p:blipFill>
+          <a:blip r:embed="rId3">
+            <a:extLst>
+              <a:ext uri="{28A0092B-C50C-407E-A947-70E740481C1C}">
+                <a14:useLocalDpi xmlns:a14="http://schemas.microsoft.com/office/drawing/2010/main" val="0"/>
+              </a:ext>
+            </a:extLst>
+          </a:blip>
+          <a:stretch>
+            <a:fillRect/>
+          </a:stretch>
+        </p:blipFill>
+        <p:spPr>
+          <a:xfrm>
+            <a:off x="900718" y="2322465"/>
+            <a:ext cx="1477695" cy="3484440"/>
+          </a:xfrm>
+          <a:prstGeom prst="rect">
+            <a:avLst/>
+          </a:prstGeom>
+        </p:spPr>
+      </p:pic>
+      <p:sp>
+        <p:nvSpPr>
+          <p:cNvPr id="8" name="Textfeld 7">
+            <a:extLst>
+              <a:ext uri="{FF2B5EF4-FFF2-40B4-BE49-F238E27FC236}">
+                <a16:creationId xmlns:a16="http://schemas.microsoft.com/office/drawing/2014/main" id="{CE0FD2F6-9C6A-467A-AA42-A0B0C4194F08}"/>
+              </a:ext>
+            </a:extLst>
+          </p:cNvPr>
+          <p:cNvSpPr txBox="1"/>
+          <p:nvPr/>
+        </p:nvSpPr>
+        <p:spPr>
+          <a:xfrm>
+            <a:off x="2720051" y="2322465"/>
+            <a:ext cx="1302151" cy="646331"/>
+          </a:xfrm>
+          <a:prstGeom prst="rect">
+            <a:avLst/>
+          </a:prstGeom>
+          <a:noFill/>
+        </p:spPr>
+        <p:txBody>
+          <a:bodyPr wrap="none" rtlCol="0">
+            <a:spAutoFit/>
+          </a:bodyPr>
+          <a:lstStyle/>
+          <a:p>
+            <a:r>
+              <a:rPr lang="de-DE" dirty="0"/>
+              <a:t>Mittelwert: </a:t>
+            </a:r>
+          </a:p>
+          <a:p>
+            <a:r>
+              <a:rPr lang="de-DE" dirty="0"/>
+              <a:t>84° 32,5‘</a:t>
+            </a:r>
+          </a:p>
+        </p:txBody>
+      </p:sp>
+      <p:sp>
+        <p:nvSpPr>
+          <p:cNvPr id="9" name="Textfeld 8">
+            <a:extLst>
+              <a:ext uri="{FF2B5EF4-FFF2-40B4-BE49-F238E27FC236}">
+                <a16:creationId xmlns:a16="http://schemas.microsoft.com/office/drawing/2014/main" id="{66F478C3-4518-4A18-8AF7-C78327C75CFC}"/>
+              </a:ext>
+            </a:extLst>
+          </p:cNvPr>
+          <p:cNvSpPr txBox="1"/>
+          <p:nvPr/>
+        </p:nvSpPr>
+        <p:spPr>
+          <a:xfrm>
+            <a:off x="2720051" y="3600573"/>
+            <a:ext cx="2278637" cy="646331"/>
+          </a:xfrm>
+          <a:prstGeom prst="rect">
+            <a:avLst/>
+          </a:prstGeom>
+          <a:noFill/>
+        </p:spPr>
+        <p:txBody>
+          <a:bodyPr wrap="none" rtlCol="0">
+            <a:spAutoFit/>
+          </a:bodyPr>
+          <a:lstStyle/>
+          <a:p>
+            <a:r>
+              <a:rPr lang="de-DE" dirty="0"/>
+              <a:t>Standardabweichung: </a:t>
+            </a:r>
+          </a:p>
+          <a:p>
+            <a:r>
+              <a:rPr lang="de-DE" dirty="0"/>
+              <a:t>1,02‘</a:t>
+            </a:r>
+          </a:p>
+        </p:txBody>
+      </p:sp>
+    </p:spTree>
+    <p:extLst>
+      <p:ext uri="{BB962C8B-B14F-4D97-AF65-F5344CB8AC3E}">
+        <p14:creationId xmlns:p14="http://schemas.microsoft.com/office/powerpoint/2010/main" val="1398053305"/>
+      </p:ext>
+    </p:extLst>
+  </p:cSld>
+  <p:clrMapOvr>
+    <a:masterClrMapping/>
+  </p:clrMapOvr>
+</p:sld>
+</file>
+
+<file path=ppt/slides/slide12.xml><?xml version="1.0" encoding="utf-8"?>
+<p:sld xmlns:a="http://schemas.openxmlformats.org/drawingml/2006/main" xmlns:r="http://schemas.openxmlformats.org/officeDocument/2006/relationships" xmlns:p="http://schemas.openxmlformats.org/presentationml/2006/main">
+  <p:cSld>
+    <p:spTree>
+      <p:nvGrpSpPr>
+        <p:cNvPr id="1" name=""/>
+        <p:cNvGrpSpPr/>
+        <p:nvPr/>
+      </p:nvGrpSpPr>
+      <p:grpSpPr>
+        <a:xfrm>
+          <a:off x="0" y="0"/>
+          <a:ext cx="0" cy="0"/>
+          <a:chOff x="0" y="0"/>
+          <a:chExt cx="0" cy="0"/>
+        </a:xfrm>
+      </p:grpSpPr>
+      <p:sp>
+        <p:nvSpPr>
+          <p:cNvPr id="2" name="Titel 1">
+            <a:extLst>
+              <a:ext uri="{FF2B5EF4-FFF2-40B4-BE49-F238E27FC236}">
+                <a16:creationId xmlns:a16="http://schemas.microsoft.com/office/drawing/2014/main" id="{AF311394-781D-4BF3-8CCD-B3078CBCE3BA}"/>
+              </a:ext>
+            </a:extLst>
+          </p:cNvPr>
+          <p:cNvSpPr>
+            <a:spLocks noGrp="1"/>
+          </p:cNvSpPr>
+          <p:nvPr>
+            <p:ph type="title"/>
+          </p:nvPr>
+        </p:nvSpPr>
+        <p:spPr/>
+        <p:txBody>
+          <a:bodyPr/>
+          <a:lstStyle/>
+          <a:p>
+            <a:r>
+              <a:rPr lang="de-DE" dirty="0"/>
+              <a:t>Bestimmung der Gitterkonstanten</a:t>
+            </a:r>
+          </a:p>
+        </p:txBody>
+      </p:sp>
+      <mc:AlternateContent xmlns:mc="http://schemas.openxmlformats.org/markup-compatibility/2006">
+        <mc:Choice xmlns:a14="http://schemas.microsoft.com/office/drawing/2010/main" Requires="a14">
+          <p:sp>
+            <p:nvSpPr>
+              <p:cNvPr id="3" name="Inhaltsplatzhalter 2">
+                <a:extLst>
+                  <a:ext uri="{FF2B5EF4-FFF2-40B4-BE49-F238E27FC236}">
+                    <a16:creationId xmlns:a16="http://schemas.microsoft.com/office/drawing/2014/main" id="{01B812A4-ABDF-4219-BC9E-B895BDBA4062}"/>
+                  </a:ext>
+                </a:extLst>
+              </p:cNvPr>
+              <p:cNvSpPr>
+                <a:spLocks noGrp="1"/>
+              </p:cNvSpPr>
+              <p:nvPr>
+                <p:ph idx="1"/>
+              </p:nvPr>
+            </p:nvSpPr>
+            <p:spPr>
+              <a:xfrm>
+                <a:off x="838199" y="1825625"/>
+                <a:ext cx="4150489" cy="4351338"/>
+              </a:xfrm>
+            </p:spPr>
+            <p:txBody>
+              <a:bodyPr/>
+              <a:lstStyle/>
+              <a:p>
+                <a:r>
+                  <a:rPr lang="de-DE" dirty="0"/>
+                  <a:t>Fit ohne Winkelkorrektur</a:t>
+                </a:r>
+              </a:p>
+              <a:p>
+                <a:endParaRPr lang="de-DE" dirty="0"/>
+              </a:p>
+              <a:p>
+                <a:r>
+                  <a:rPr lang="de-DE" dirty="0"/>
+                  <a:t>klare Systematik</a:t>
+                </a:r>
+              </a:p>
+              <a:p>
+                <a:endParaRPr lang="de-DE" dirty="0"/>
+              </a:p>
+              <a:p>
+                <a:r>
+                  <a:rPr lang="de-DE" dirty="0"/>
+                  <a:t>großes </a:t>
+                </a:r>
+                <a14:m>
+                  <m:oMath xmlns:m="http://schemas.openxmlformats.org/officeDocument/2006/math">
+                    <m:sSup>
+                      <m:sSupPr>
+                        <m:ctrlPr>
+                          <a:rPr lang="de-DE" b="0" i="1" smtClean="0">
+                            <a:latin typeface="Cambria Math" panose="02040503050406030204" pitchFamily="18" charset="0"/>
+                          </a:rPr>
+                        </m:ctrlPr>
+                      </m:sSupPr>
+                      <m:e>
+                        <m:r>
+                          <a:rPr lang="de-DE" b="0" i="1" smtClean="0">
+                            <a:latin typeface="Cambria Math" panose="02040503050406030204" pitchFamily="18" charset="0"/>
+                          </a:rPr>
+                          <m:t>𝜒</m:t>
+                        </m:r>
+                      </m:e>
+                      <m:sup>
+                        <m:r>
+                          <a:rPr lang="de-DE" b="0" i="1" smtClean="0">
+                            <a:latin typeface="Cambria Math" panose="02040503050406030204" pitchFamily="18" charset="0"/>
+                          </a:rPr>
+                          <m:t>2</m:t>
+                        </m:r>
+                      </m:sup>
+                    </m:sSup>
+                  </m:oMath>
+                </a14:m>
+                <a:endParaRPr lang="de-DE" dirty="0"/>
+              </a:p>
+            </p:txBody>
+          </p:sp>
+        </mc:Choice>
+        <mc:Fallback>
+          <p:sp>
+            <p:nvSpPr>
+              <p:cNvPr id="3" name="Inhaltsplatzhalter 2">
+                <a:extLst>
+                  <a:ext uri="{FF2B5EF4-FFF2-40B4-BE49-F238E27FC236}">
+                    <a16:creationId xmlns:a16="http://schemas.microsoft.com/office/drawing/2014/main" id="{01B812A4-ABDF-4219-BC9E-B895BDBA4062}"/>
+                  </a:ext>
+                </a:extLst>
+              </p:cNvPr>
+              <p:cNvSpPr>
+                <a:spLocks noGrp="1" noRot="1" noChangeAspect="1" noMove="1" noResize="1" noEditPoints="1" noAdjustHandles="1" noChangeArrowheads="1" noChangeShapeType="1" noTextEdit="1"/>
+              </p:cNvSpPr>
+              <p:nvPr>
+                <p:ph idx="1"/>
+              </p:nvPr>
+            </p:nvSpPr>
+            <p:spPr>
+              <a:xfrm>
+                <a:off x="838199" y="1825625"/>
+                <a:ext cx="4150489" cy="4351338"/>
+              </a:xfrm>
+              <a:blipFill>
+                <a:blip r:embed="rId2"/>
+                <a:stretch>
+                  <a:fillRect l="-2496" t="-2241"/>
+                </a:stretch>
+              </a:blipFill>
+            </p:spPr>
+            <p:txBody>
+              <a:bodyPr/>
+              <a:lstStyle/>
+              <a:p>
+                <a:r>
+                  <a:rPr lang="de-DE">
+                    <a:noFill/>
+                  </a:rPr>
+                  <a:t> </a:t>
+                </a:r>
+              </a:p>
+            </p:txBody>
+          </p:sp>
+        </mc:Fallback>
+      </mc:AlternateContent>
+      <p:pic>
+        <p:nvPicPr>
+          <p:cNvPr id="7" name="Grafik 6">
+            <a:extLst>
+              <a:ext uri="{FF2B5EF4-FFF2-40B4-BE49-F238E27FC236}">
+                <a16:creationId xmlns:a16="http://schemas.microsoft.com/office/drawing/2014/main" id="{BD8C2CD5-08C5-43B2-A9F1-20D15BF02C2D}"/>
+              </a:ext>
+            </a:extLst>
+          </p:cNvPr>
+          <p:cNvPicPr>
+            <a:picLocks noChangeAspect="1"/>
+          </p:cNvPicPr>
+          <p:nvPr/>
+        </p:nvPicPr>
+        <p:blipFill>
+          <a:blip r:embed="rId3">
+            <a:extLst>
+              <a:ext uri="{28A0092B-C50C-407E-A947-70E740481C1C}">
+                <a14:useLocalDpi xmlns:a14="http://schemas.microsoft.com/office/drawing/2010/main" val="0"/>
+              </a:ext>
+            </a:extLst>
+          </a:blip>
+          <a:stretch>
+            <a:fillRect/>
+          </a:stretch>
+        </p:blipFill>
+        <p:spPr>
+          <a:xfrm>
+            <a:off x="5623746" y="1486647"/>
+            <a:ext cx="6279921" cy="4690316"/>
+          </a:xfrm>
+          <a:prstGeom prst="rect">
+            <a:avLst/>
+          </a:prstGeom>
+        </p:spPr>
+      </p:pic>
+    </p:spTree>
+    <p:extLst>
+      <p:ext uri="{BB962C8B-B14F-4D97-AF65-F5344CB8AC3E}">
+        <p14:creationId xmlns:p14="http://schemas.microsoft.com/office/powerpoint/2010/main" val="703287718"/>
+      </p:ext>
+    </p:extLst>
+  </p:cSld>
+  <p:clrMapOvr>
+    <a:masterClrMapping/>
+  </p:clrMapOvr>
+</p:sld>
+</file>
+
+<file path=ppt/slides/slide13.xml><?xml version="1.0" encoding="utf-8"?>
+<p:sld xmlns:a="http://schemas.openxmlformats.org/drawingml/2006/main" xmlns:r="http://schemas.openxmlformats.org/officeDocument/2006/relationships" xmlns:p="http://schemas.openxmlformats.org/presentationml/2006/main">
+  <p:cSld>
+    <p:spTree>
+      <p:nvGrpSpPr>
+        <p:cNvPr id="1" name=""/>
+        <p:cNvGrpSpPr/>
+        <p:nvPr/>
+      </p:nvGrpSpPr>
+      <p:grpSpPr>
+        <a:xfrm>
+          <a:off x="0" y="0"/>
+          <a:ext cx="0" cy="0"/>
+          <a:chOff x="0" y="0"/>
+          <a:chExt cx="0" cy="0"/>
+        </a:xfrm>
+      </p:grpSpPr>
+      <p:sp>
+        <p:nvSpPr>
+          <p:cNvPr id="2" name="Titel 1">
+            <a:extLst>
+              <a:ext uri="{FF2B5EF4-FFF2-40B4-BE49-F238E27FC236}">
+                <a16:creationId xmlns:a16="http://schemas.microsoft.com/office/drawing/2014/main" id="{8F9B582B-7F42-4822-A4D4-7D26D621B192}"/>
+              </a:ext>
+            </a:extLst>
+          </p:cNvPr>
+          <p:cNvSpPr>
+            <a:spLocks noGrp="1"/>
+          </p:cNvSpPr>
+          <p:nvPr>
+            <p:ph type="title"/>
+          </p:nvPr>
+        </p:nvSpPr>
+        <p:spPr/>
+        <p:txBody>
+          <a:bodyPr/>
+          <a:lstStyle/>
+          <a:p>
+            <a:r>
+              <a:rPr lang="de-DE" dirty="0"/>
+              <a:t>Bestimmung der Gitterkonstanten</a:t>
+            </a:r>
+          </a:p>
+        </p:txBody>
+      </p:sp>
+      <mc:AlternateContent xmlns:mc="http://schemas.openxmlformats.org/markup-compatibility/2006">
+        <mc:Choice xmlns:a14="http://schemas.microsoft.com/office/drawing/2010/main" Requires="a14">
+          <p:sp>
+            <p:nvSpPr>
+              <p:cNvPr id="3" name="Inhaltsplatzhalter 2">
+                <a:extLst>
+                  <a:ext uri="{FF2B5EF4-FFF2-40B4-BE49-F238E27FC236}">
+                    <a16:creationId xmlns:a16="http://schemas.microsoft.com/office/drawing/2014/main" id="{A9EA2230-2903-46E6-89D9-2FBF48B57FFB}"/>
+                  </a:ext>
+                </a:extLst>
+              </p:cNvPr>
+              <p:cNvSpPr>
+                <a:spLocks noGrp="1"/>
+              </p:cNvSpPr>
+              <p:nvPr>
+                <p:ph idx="1"/>
+              </p:nvPr>
+            </p:nvSpPr>
+            <p:spPr>
+              <a:xfrm>
+                <a:off x="838200" y="1825625"/>
+                <a:ext cx="5284808" cy="4351338"/>
+              </a:xfrm>
+            </p:spPr>
+            <p:txBody>
+              <a:bodyPr/>
+              <a:lstStyle/>
+              <a:p>
+                <a14:m>
+                  <m:oMath xmlns:m="http://schemas.openxmlformats.org/officeDocument/2006/math">
+                    <m:r>
+                      <a:rPr lang="de-DE" b="0" i="1" smtClean="0">
+                        <a:latin typeface="Cambria Math" panose="02040503050406030204" pitchFamily="18" charset="0"/>
+                      </a:rPr>
+                      <m:t>𝑑</m:t>
+                    </m:r>
+                    <m:r>
+                      <a:rPr lang="de-DE" b="0" i="1" smtClean="0">
+                        <a:latin typeface="Cambria Math" panose="02040503050406030204" pitchFamily="18" charset="0"/>
+                      </a:rPr>
+                      <m:t>= </m:t>
+                    </m:r>
+                    <m:f>
+                      <m:fPr>
+                        <m:ctrlPr>
+                          <a:rPr lang="de-DE" b="0" i="1" smtClean="0">
+                            <a:latin typeface="Cambria Math" panose="02040503050406030204" pitchFamily="18" charset="0"/>
+                          </a:rPr>
+                        </m:ctrlPr>
+                      </m:fPr>
+                      <m:num>
+                        <m:r>
+                          <a:rPr lang="de-DE" b="0" i="1" smtClean="0">
+                            <a:latin typeface="Cambria Math" panose="02040503050406030204" pitchFamily="18" charset="0"/>
+                          </a:rPr>
+                          <m:t>1</m:t>
+                        </m:r>
+                      </m:num>
+                      <m:den>
+                        <m:r>
+                          <a:rPr lang="de-DE" b="0" i="1" smtClean="0">
+                            <a:latin typeface="Cambria Math" panose="02040503050406030204" pitchFamily="18" charset="0"/>
+                          </a:rPr>
+                          <m:t>𝑎</m:t>
+                        </m:r>
+                      </m:den>
+                    </m:f>
+                    <m:r>
+                      <a:rPr lang="de-DE" b="0" i="1" smtClean="0">
+                        <a:latin typeface="Cambria Math" panose="02040503050406030204" pitchFamily="18" charset="0"/>
+                      </a:rPr>
+                      <m:t>≈1658,9 </m:t>
+                    </m:r>
+                    <m:r>
+                      <a:rPr lang="de-DE" b="0" i="1" smtClean="0">
+                        <a:latin typeface="Cambria Math" panose="02040503050406030204" pitchFamily="18" charset="0"/>
+                      </a:rPr>
+                      <m:t>𝑛𝑚</m:t>
+                    </m:r>
+                  </m:oMath>
+                </a14:m>
+                <a:endParaRPr lang="de-DE" dirty="0"/>
+              </a:p>
+              <a:p>
+                <a:endParaRPr lang="de-DE" dirty="0"/>
+              </a:p>
+              <a:p>
+                <a14:m>
+                  <m:oMath xmlns:m="http://schemas.openxmlformats.org/officeDocument/2006/math">
+                    <m:sSub>
+                      <m:sSubPr>
+                        <m:ctrlPr>
+                          <a:rPr lang="de-DE" b="0" i="1" smtClean="0">
+                            <a:latin typeface="Cambria Math" panose="02040503050406030204" pitchFamily="18" charset="0"/>
+                          </a:rPr>
+                        </m:ctrlPr>
+                      </m:sSubPr>
+                      <m:e>
+                        <m:r>
+                          <a:rPr lang="de-DE" b="0" i="1" smtClean="0">
+                            <a:latin typeface="Cambria Math" panose="02040503050406030204" pitchFamily="18" charset="0"/>
+                          </a:rPr>
+                          <m:t>𝜎</m:t>
+                        </m:r>
+                      </m:e>
+                      <m:sub>
+                        <m:r>
+                          <a:rPr lang="de-DE" b="0" i="1" smtClean="0">
+                            <a:latin typeface="Cambria Math" panose="02040503050406030204" pitchFamily="18" charset="0"/>
+                          </a:rPr>
+                          <m:t>𝑑</m:t>
+                        </m:r>
+                      </m:sub>
+                    </m:sSub>
+                    <m:r>
+                      <a:rPr lang="de-DE" b="0" i="1" smtClean="0">
+                        <a:latin typeface="Cambria Math" panose="02040503050406030204" pitchFamily="18" charset="0"/>
+                      </a:rPr>
+                      <m:t>=</m:t>
+                    </m:r>
+                    <m:sSub>
+                      <m:sSubPr>
+                        <m:ctrlPr>
+                          <a:rPr lang="de-DE" b="0" i="1" smtClean="0">
+                            <a:latin typeface="Cambria Math" panose="02040503050406030204" pitchFamily="18" charset="0"/>
+                          </a:rPr>
+                        </m:ctrlPr>
+                      </m:sSubPr>
+                      <m:e>
+                        <m:r>
+                          <a:rPr lang="de-DE" b="0" i="1" smtClean="0">
+                            <a:latin typeface="Cambria Math" panose="02040503050406030204" pitchFamily="18" charset="0"/>
+                          </a:rPr>
+                          <m:t>𝜎</m:t>
+                        </m:r>
+                      </m:e>
+                      <m:sub>
+                        <m:r>
+                          <a:rPr lang="de-DE" b="0" i="1" smtClean="0">
+                            <a:latin typeface="Cambria Math" panose="02040503050406030204" pitchFamily="18" charset="0"/>
+                          </a:rPr>
+                          <m:t>𝑎</m:t>
+                        </m:r>
+                      </m:sub>
+                    </m:sSub>
+                    <m:r>
+                      <a:rPr lang="de-DE" b="0" i="1" smtClean="0">
+                        <a:latin typeface="Cambria Math" panose="02040503050406030204" pitchFamily="18" charset="0"/>
+                      </a:rPr>
+                      <m:t>⋅</m:t>
+                    </m:r>
+                    <m:f>
+                      <m:fPr>
+                        <m:ctrlPr>
+                          <a:rPr lang="de-DE" b="0" i="1" smtClean="0">
+                            <a:latin typeface="Cambria Math" panose="02040503050406030204" pitchFamily="18" charset="0"/>
+                          </a:rPr>
+                        </m:ctrlPr>
+                      </m:fPr>
+                      <m:num>
+                        <m:r>
+                          <a:rPr lang="de-DE" b="0" i="1" smtClean="0">
+                            <a:latin typeface="Cambria Math" panose="02040503050406030204" pitchFamily="18" charset="0"/>
+                          </a:rPr>
+                          <m:t>𝑑</m:t>
+                        </m:r>
+                      </m:num>
+                      <m:den>
+                        <m:r>
+                          <a:rPr lang="de-DE" b="0" i="1" smtClean="0">
+                            <a:latin typeface="Cambria Math" panose="02040503050406030204" pitchFamily="18" charset="0"/>
+                          </a:rPr>
+                          <m:t>𝑎</m:t>
+                        </m:r>
+                      </m:den>
+                    </m:f>
+                    <m:r>
+                      <a:rPr lang="de-DE" b="0" i="1" smtClean="0">
+                        <a:latin typeface="Cambria Math" panose="02040503050406030204" pitchFamily="18" charset="0"/>
+                      </a:rPr>
+                      <m:t>≈0.34 </m:t>
+                    </m:r>
+                    <m:r>
+                      <a:rPr lang="de-DE" b="0" i="1" smtClean="0">
+                        <a:latin typeface="Cambria Math" panose="02040503050406030204" pitchFamily="18" charset="0"/>
+                      </a:rPr>
+                      <m:t>𝑛𝑚</m:t>
+                    </m:r>
+                  </m:oMath>
+                </a14:m>
+                <a:endParaRPr lang="de-DE" dirty="0"/>
+              </a:p>
+              <a:p>
+                <a:endParaRPr lang="de-DE" dirty="0"/>
+              </a:p>
+              <a:p>
+                <a:r>
+                  <a:rPr lang="de-DE" dirty="0"/>
+                  <a:t>Herstellerangabe:</a:t>
+                </a:r>
+              </a:p>
+              <a:p>
+                <a:pPr marL="0" indent="0">
+                  <a:buNone/>
+                </a:pPr>
+                <a14:m>
+                  <m:oMathPara xmlns:m="http://schemas.openxmlformats.org/officeDocument/2006/math">
+                    <m:oMathParaPr>
+                      <m:jc m:val="centerGroup"/>
+                    </m:oMathParaPr>
+                    <m:oMath xmlns:m="http://schemas.openxmlformats.org/officeDocument/2006/math">
+                      <m:sSub>
+                        <m:sSubPr>
+                          <m:ctrlPr>
+                            <a:rPr lang="de-DE" b="0" i="1" smtClean="0">
+                              <a:latin typeface="Cambria Math" panose="02040503050406030204" pitchFamily="18" charset="0"/>
+                            </a:rPr>
+                          </m:ctrlPr>
+                        </m:sSubPr>
+                        <m:e>
+                          <m:r>
+                            <a:rPr lang="de-DE" b="0" i="1" smtClean="0">
+                              <a:latin typeface="Cambria Math" panose="02040503050406030204" pitchFamily="18" charset="0"/>
+                            </a:rPr>
+                            <m:t>𝑑</m:t>
+                          </m:r>
+                        </m:e>
+                        <m:sub>
+                          <m:r>
+                            <a:rPr lang="de-DE" b="0" i="1" smtClean="0">
+                              <a:latin typeface="Cambria Math" panose="02040503050406030204" pitchFamily="18" charset="0"/>
+                            </a:rPr>
+                            <m:t>𝐻𝑒𝑟𝑠𝑡𝑒𝑙𝑙𝑒𝑟</m:t>
+                          </m:r>
+                        </m:sub>
+                      </m:sSub>
+                      <m:r>
+                        <a:rPr lang="de-DE" b="0" i="1" smtClean="0">
+                          <a:latin typeface="Cambria Math" panose="02040503050406030204" pitchFamily="18" charset="0"/>
+                        </a:rPr>
+                        <m:t>≈1666,67 </m:t>
+                      </m:r>
+                      <m:r>
+                        <a:rPr lang="de-DE" b="0" i="1" smtClean="0">
+                          <a:latin typeface="Cambria Math" panose="02040503050406030204" pitchFamily="18" charset="0"/>
+                        </a:rPr>
+                        <m:t>𝑛𝑚</m:t>
+                      </m:r>
+                    </m:oMath>
+                  </m:oMathPara>
+                </a14:m>
+                <a:endParaRPr lang="de-DE" dirty="0"/>
+              </a:p>
+            </p:txBody>
+          </p:sp>
+        </mc:Choice>
+        <mc:Fallback>
+          <p:sp>
+            <p:nvSpPr>
+              <p:cNvPr id="3" name="Inhaltsplatzhalter 2">
+                <a:extLst>
+                  <a:ext uri="{FF2B5EF4-FFF2-40B4-BE49-F238E27FC236}">
+                    <a16:creationId xmlns:a16="http://schemas.microsoft.com/office/drawing/2014/main" id="{A9EA2230-2903-46E6-89D9-2FBF48B57FFB}"/>
+                  </a:ext>
+                </a:extLst>
+              </p:cNvPr>
+              <p:cNvSpPr>
+                <a:spLocks noGrp="1" noRot="1" noChangeAspect="1" noMove="1" noResize="1" noEditPoints="1" noAdjustHandles="1" noChangeArrowheads="1" noChangeShapeType="1" noTextEdit="1"/>
+              </p:cNvSpPr>
+              <p:nvPr>
+                <p:ph idx="1"/>
+              </p:nvPr>
+            </p:nvSpPr>
+            <p:spPr>
+              <a:xfrm>
+                <a:off x="838200" y="1825625"/>
+                <a:ext cx="5284808" cy="4351338"/>
+              </a:xfrm>
+              <a:blipFill>
+                <a:blip r:embed="rId2"/>
+                <a:stretch>
+                  <a:fillRect l="-2079"/>
+                </a:stretch>
+              </a:blipFill>
+            </p:spPr>
+            <p:txBody>
+              <a:bodyPr/>
+              <a:lstStyle/>
+              <a:p>
+                <a:r>
+                  <a:rPr lang="de-DE">
+                    <a:noFill/>
+                  </a:rPr>
+                  <a:t> </a:t>
+                </a:r>
+              </a:p>
+            </p:txBody>
+          </p:sp>
+        </mc:Fallback>
+      </mc:AlternateContent>
+      <p:pic>
+        <p:nvPicPr>
+          <p:cNvPr id="5" name="Grafik 4">
+            <a:extLst>
+              <a:ext uri="{FF2B5EF4-FFF2-40B4-BE49-F238E27FC236}">
+                <a16:creationId xmlns:a16="http://schemas.microsoft.com/office/drawing/2014/main" id="{8A2460AB-886A-4359-B8F5-D80A391D596A}"/>
+              </a:ext>
+            </a:extLst>
+          </p:cNvPr>
+          <p:cNvPicPr>
+            <a:picLocks noChangeAspect="1"/>
+          </p:cNvPicPr>
+          <p:nvPr/>
+        </p:nvPicPr>
+        <p:blipFill>
+          <a:blip r:embed="rId3">
+            <a:extLst>
+              <a:ext uri="{28A0092B-C50C-407E-A947-70E740481C1C}">
+                <a14:useLocalDpi xmlns:a14="http://schemas.microsoft.com/office/drawing/2010/main" val="0"/>
+              </a:ext>
+            </a:extLst>
+          </a:blip>
+          <a:stretch>
+            <a:fillRect/>
+          </a:stretch>
+        </p:blipFill>
+        <p:spPr>
+          <a:xfrm>
+            <a:off x="6339828" y="1243579"/>
+            <a:ext cx="5852172" cy="4370841"/>
+          </a:xfrm>
+          <a:prstGeom prst="rect">
+            <a:avLst/>
+          </a:prstGeom>
+        </p:spPr>
+      </p:pic>
+    </p:spTree>
+    <p:extLst>
+      <p:ext uri="{BB962C8B-B14F-4D97-AF65-F5344CB8AC3E}">
+        <p14:creationId xmlns:p14="http://schemas.microsoft.com/office/powerpoint/2010/main" val="2285038374"/>
       </p:ext>
     </p:extLst>
   </p:cSld>

--- a/grundpraktikum2/Optik 1/Optik I.pptx
+++ b/grundpraktikum2/Optik 1/Optik I.pptx
@@ -12,7 +12,7 @@
     <p:sldId id="260" r:id="rId6"/>
     <p:sldId id="262" r:id="rId7"/>
     <p:sldId id="263" r:id="rId8"/>
-    <p:sldId id="264" r:id="rId9"/>
+    <p:sldId id="270" r:id="rId9"/>
     <p:sldId id="265" r:id="rId10"/>
     <p:sldId id="266" r:id="rId11"/>
     <p:sldId id="267" r:id="rId12"/>
@@ -3478,8 +3478,8 @@
           </a:p>
         </p:txBody>
       </p:sp>
-      <mc:AlternateContent xmlns:mc="http://schemas.openxmlformats.org/markup-compatibility/2006">
-        <mc:Choice xmlns:a14="http://schemas.microsoft.com/office/drawing/2010/main" Requires="a14">
+      <mc:AlternateContent xmlns:mc="http://schemas.openxmlformats.org/markup-compatibility/2006" xmlns:a14="http://schemas.microsoft.com/office/drawing/2010/main">
+        <mc:Choice Requires="a14">
           <p:sp>
             <p:nvSpPr>
               <p:cNvPr id="3" name="Inhaltsplatzhalter 2">
@@ -3821,7 +3821,7 @@
             </p:txBody>
           </p:sp>
         </mc:Choice>
-        <mc:Fallback>
+        <mc:Fallback xmlns="">
           <p:sp>
             <p:nvSpPr>
               <p:cNvPr id="3" name="Inhaltsplatzhalter 2">
@@ -4170,8 +4170,8 @@
           </a:p>
         </p:txBody>
       </p:sp>
-      <mc:AlternateContent xmlns:mc="http://schemas.openxmlformats.org/markup-compatibility/2006">
-        <mc:Choice xmlns:a14="http://schemas.microsoft.com/office/drawing/2010/main" Requires="a14">
+      <mc:AlternateContent xmlns:mc="http://schemas.openxmlformats.org/markup-compatibility/2006" xmlns:a14="http://schemas.microsoft.com/office/drawing/2010/main">
+        <mc:Choice Requires="a14">
           <p:sp>
             <p:nvSpPr>
               <p:cNvPr id="3" name="Inhaltsplatzhalter 2">
@@ -4254,7 +4254,7 @@
             </p:txBody>
           </p:sp>
         </mc:Choice>
-        <mc:Fallback>
+        <mc:Fallback xmlns="">
           <p:sp>
             <p:nvSpPr>
               <p:cNvPr id="3" name="Inhaltsplatzhalter 2">
@@ -4392,8 +4392,8 @@
           </a:p>
         </p:txBody>
       </p:sp>
-      <mc:AlternateContent xmlns:mc="http://schemas.openxmlformats.org/markup-compatibility/2006">
-        <mc:Choice xmlns:a14="http://schemas.microsoft.com/office/drawing/2010/main" Requires="a14">
+      <mc:AlternateContent xmlns:mc="http://schemas.openxmlformats.org/markup-compatibility/2006" xmlns:a14="http://schemas.microsoft.com/office/drawing/2010/main">
+        <mc:Choice Requires="a14">
           <p:sp>
             <p:nvSpPr>
               <p:cNvPr id="3" name="Inhaltsplatzhalter 2">
@@ -4648,7 +4648,7 @@
             </p:txBody>
           </p:sp>
         </mc:Choice>
-        <mc:Fallback>
+        <mc:Fallback xmlns="">
           <p:sp>
             <p:nvSpPr>
               <p:cNvPr id="3" name="Inhaltsplatzhalter 2">
@@ -6019,64 +6019,283 @@
           <a:bodyPr/>
           <a:lstStyle/>
           <a:p>
-            <a:endParaRPr lang="de-DE"/>
-          </a:p>
-        </p:txBody>
-      </p:sp>
-      <p:sp>
-        <p:nvSpPr>
-          <p:cNvPr id="3" name="Inhaltsplatzhalter 2">
-            <a:extLst>
-              <a:ext uri="{FF2B5EF4-FFF2-40B4-BE49-F238E27FC236}">
-                <a16:creationId xmlns:a16="http://schemas.microsoft.com/office/drawing/2014/main" id="{138EEECA-953B-43D7-9993-CA4243917A9B}"/>
-              </a:ext>
-            </a:extLst>
-          </p:cNvPr>
-          <p:cNvSpPr>
-            <a:spLocks noGrp="1"/>
-          </p:cNvSpPr>
-          <p:nvPr>
-            <p:ph sz="half" idx="1"/>
-          </p:nvPr>
-        </p:nvSpPr>
-        <p:spPr/>
-        <p:txBody>
-          <a:bodyPr/>
-          <a:lstStyle/>
-          <a:p>
-            <a:endParaRPr lang="de-DE"/>
-          </a:p>
-        </p:txBody>
-      </p:sp>
-      <p:sp>
-        <p:nvSpPr>
-          <p:cNvPr id="4" name="Inhaltsplatzhalter 3">
-            <a:extLst>
-              <a:ext uri="{FF2B5EF4-FFF2-40B4-BE49-F238E27FC236}">
-                <a16:creationId xmlns:a16="http://schemas.microsoft.com/office/drawing/2014/main" id="{F88F9DE8-D78E-4C73-933E-4B598B4E37D2}"/>
-              </a:ext>
-            </a:extLst>
-          </p:cNvPr>
-          <p:cNvSpPr>
-            <a:spLocks noGrp="1"/>
-          </p:cNvSpPr>
-          <p:nvPr>
-            <p:ph sz="half" idx="2"/>
-          </p:nvPr>
-        </p:nvSpPr>
-        <p:spPr/>
-        <p:txBody>
-          <a:bodyPr/>
-          <a:lstStyle/>
-          <a:p>
-            <a:endParaRPr lang="de-DE"/>
-          </a:p>
-        </p:txBody>
-      </p:sp>
+            <a:r>
+              <a:rPr lang="de-DE" dirty="0"/>
+              <a:t>Bestimmung des Spektrums (Zink)</a:t>
+            </a:r>
+          </a:p>
+        </p:txBody>
+      </p:sp>
+      <mc:AlternateContent xmlns:mc="http://schemas.openxmlformats.org/markup-compatibility/2006" xmlns:a14="http://schemas.microsoft.com/office/drawing/2010/main">
+        <mc:Choice Requires="a14">
+          <p:sp>
+            <p:nvSpPr>
+              <p:cNvPr id="3" name="Inhaltsplatzhalter 2">
+                <a:extLst>
+                  <a:ext uri="{FF2B5EF4-FFF2-40B4-BE49-F238E27FC236}">
+                    <a16:creationId xmlns:a16="http://schemas.microsoft.com/office/drawing/2014/main" id="{138EEECA-953B-43D7-9993-CA4243917A9B}"/>
+                  </a:ext>
+                </a:extLst>
+              </p:cNvPr>
+              <p:cNvSpPr>
+                <a:spLocks noGrp="1"/>
+              </p:cNvSpPr>
+              <p:nvPr>
+                <p:ph sz="half" idx="1"/>
+              </p:nvPr>
+            </p:nvSpPr>
+            <p:spPr>
+              <a:xfrm>
+                <a:off x="428625" y="2073275"/>
+                <a:ext cx="5181600" cy="4351338"/>
+              </a:xfrm>
+            </p:spPr>
+            <p:txBody>
+              <a:bodyPr/>
+              <a:lstStyle/>
+              <a:p>
+                <a:endParaRPr lang="de-DE" b="0" i="1" dirty="0">
+                  <a:latin typeface="Cambria Math" panose="02040503050406030204" pitchFamily="18" charset="0"/>
+                </a:endParaRPr>
+              </a:p>
+              <a:p>
+                <a:endParaRPr lang="de-DE" b="0" i="1" dirty="0">
+                  <a:latin typeface="Cambria Math" panose="02040503050406030204" pitchFamily="18" charset="0"/>
+                </a:endParaRPr>
+              </a:p>
+              <a:p>
+                <a:endParaRPr lang="de-DE" b="0" i="1" dirty="0">
+                  <a:latin typeface="Cambria Math" panose="02040503050406030204" pitchFamily="18" charset="0"/>
+                </a:endParaRPr>
+              </a:p>
+              <a:p>
+                <a14:m>
+                  <m:oMath xmlns:m="http://schemas.openxmlformats.org/officeDocument/2006/math">
+                    <m:r>
+                      <a:rPr lang="de-DE" b="0" i="1" smtClean="0">
+                        <a:latin typeface="Cambria Math" panose="02040503050406030204" pitchFamily="18" charset="0"/>
+                      </a:rPr>
+                      <m:t>𝜆</m:t>
+                    </m:r>
+                    <m:r>
+                      <a:rPr lang="de-DE" b="0" i="1" smtClean="0">
+                        <a:latin typeface="Cambria Math" panose="02040503050406030204" pitchFamily="18" charset="0"/>
+                      </a:rPr>
+                      <m:t>=</m:t>
+                    </m:r>
+                    <m:rad>
+                      <m:radPr>
+                        <m:degHide m:val="on"/>
+                        <m:ctrlPr>
+                          <a:rPr lang="de-DE" b="0" i="1" smtClean="0">
+                            <a:latin typeface="Cambria Math" panose="02040503050406030204" pitchFamily="18" charset="0"/>
+                          </a:rPr>
+                        </m:ctrlPr>
+                      </m:radPr>
+                      <m:deg/>
+                      <m:e>
+                        <m:f>
+                          <m:fPr>
+                            <m:ctrlPr>
+                              <a:rPr lang="de-DE" b="0" i="1" smtClean="0">
+                                <a:latin typeface="Cambria Math" panose="02040503050406030204" pitchFamily="18" charset="0"/>
+                              </a:rPr>
+                            </m:ctrlPr>
+                          </m:fPr>
+                          <m:num>
+                            <m:r>
+                              <a:rPr lang="de-DE" b="0" i="1" smtClean="0">
+                                <a:latin typeface="Cambria Math" panose="02040503050406030204" pitchFamily="18" charset="0"/>
+                              </a:rPr>
+                              <m:t>𝑎</m:t>
+                            </m:r>
+                          </m:num>
+                          <m:den>
+                            <m:r>
+                              <a:rPr lang="de-DE" b="0" i="1" smtClean="0">
+                                <a:latin typeface="Cambria Math" panose="02040503050406030204" pitchFamily="18" charset="0"/>
+                              </a:rPr>
+                              <m:t>𝑛</m:t>
+                            </m:r>
+                            <m:r>
+                              <a:rPr lang="de-DE" b="0" i="1" smtClean="0">
+                                <a:latin typeface="Cambria Math" panose="02040503050406030204" pitchFamily="18" charset="0"/>
+                              </a:rPr>
+                              <m:t>−</m:t>
+                            </m:r>
+                            <m:r>
+                              <a:rPr lang="de-DE" b="0" i="1" smtClean="0">
+                                <a:latin typeface="Cambria Math" panose="02040503050406030204" pitchFamily="18" charset="0"/>
+                              </a:rPr>
+                              <m:t>𝑏</m:t>
+                            </m:r>
+                          </m:den>
+                        </m:f>
+                      </m:e>
+                    </m:rad>
+                  </m:oMath>
+                </a14:m>
+                <a:endParaRPr lang="de-DE" dirty="0"/>
+              </a:p>
+            </p:txBody>
+          </p:sp>
+        </mc:Choice>
+        <mc:Fallback xmlns="">
+          <p:sp>
+            <p:nvSpPr>
+              <p:cNvPr id="3" name="Inhaltsplatzhalter 2">
+                <a:extLst>
+                  <a:ext uri="{FF2B5EF4-FFF2-40B4-BE49-F238E27FC236}">
+                    <a16:creationId xmlns:a16="http://schemas.microsoft.com/office/drawing/2014/main" id="{138EEECA-953B-43D7-9993-CA4243917A9B}"/>
+                  </a:ext>
+                </a:extLst>
+              </p:cNvPr>
+              <p:cNvSpPr>
+                <a:spLocks noGrp="1" noRot="1" noChangeAspect="1" noMove="1" noResize="1" noEditPoints="1" noAdjustHandles="1" noChangeArrowheads="1" noChangeShapeType="1" noTextEdit="1"/>
+              </p:cNvSpPr>
+              <p:nvPr>
+                <p:ph sz="half" idx="1"/>
+              </p:nvPr>
+            </p:nvSpPr>
+            <p:spPr>
+              <a:xfrm>
+                <a:off x="428625" y="2073275"/>
+                <a:ext cx="5181600" cy="4351338"/>
+              </a:xfrm>
+              <a:blipFill>
+                <a:blip r:embed="rId2"/>
+                <a:stretch>
+                  <a:fillRect/>
+                </a:stretch>
+              </a:blipFill>
+            </p:spPr>
+            <p:txBody>
+              <a:bodyPr/>
+              <a:lstStyle/>
+              <a:p>
+                <a:r>
+                  <a:rPr lang="de-DE">
+                    <a:noFill/>
+                  </a:rPr>
+                  <a:t> </a:t>
+                </a:r>
+              </a:p>
+            </p:txBody>
+          </p:sp>
+        </mc:Fallback>
+      </mc:AlternateContent>
+      <p:pic>
+        <p:nvPicPr>
+          <p:cNvPr id="5" name="Grafik 4">
+            <a:extLst>
+              <a:ext uri="{FF2B5EF4-FFF2-40B4-BE49-F238E27FC236}">
+                <a16:creationId xmlns:a16="http://schemas.microsoft.com/office/drawing/2014/main" id="{B8AA7B14-38B3-45D5-BA84-4A47AF0A6355}"/>
+              </a:ext>
+            </a:extLst>
+          </p:cNvPr>
+          <p:cNvPicPr>
+            <a:picLocks noChangeAspect="1"/>
+          </p:cNvPicPr>
+          <p:nvPr/>
+        </p:nvPicPr>
+        <p:blipFill>
+          <a:blip r:embed="rId3">
+            <a:extLst>
+              <a:ext uri="{28A0092B-C50C-407E-A947-70E740481C1C}">
+                <a14:useLocalDpi xmlns:a14="http://schemas.microsoft.com/office/drawing/2010/main" val="0"/>
+              </a:ext>
+            </a:extLst>
+          </a:blip>
+          <a:stretch>
+            <a:fillRect/>
+          </a:stretch>
+        </p:blipFill>
+        <p:spPr>
+          <a:xfrm>
+            <a:off x="838200" y="1812925"/>
+            <a:ext cx="9544050" cy="1062124"/>
+          </a:xfrm>
+          <a:prstGeom prst="rect">
+            <a:avLst/>
+          </a:prstGeom>
+        </p:spPr>
+      </p:pic>
+      <p:pic>
+        <p:nvPicPr>
+          <p:cNvPr id="7" name="Grafik 6">
+            <a:extLst>
+              <a:ext uri="{FF2B5EF4-FFF2-40B4-BE49-F238E27FC236}">
+                <a16:creationId xmlns:a16="http://schemas.microsoft.com/office/drawing/2014/main" id="{A6D5D754-6C2E-4BE6-B6C3-EBCA0E3E02C9}"/>
+              </a:ext>
+            </a:extLst>
+          </p:cNvPr>
+          <p:cNvPicPr>
+            <a:picLocks noChangeAspect="1"/>
+          </p:cNvPicPr>
+          <p:nvPr/>
+        </p:nvPicPr>
+        <p:blipFill>
+          <a:blip r:embed="rId4">
+            <a:extLst>
+              <a:ext uri="{28A0092B-C50C-407E-A947-70E740481C1C}">
+                <a14:useLocalDpi xmlns:a14="http://schemas.microsoft.com/office/drawing/2010/main" val="0"/>
+              </a:ext>
+            </a:extLst>
+          </a:blip>
+          <a:stretch>
+            <a:fillRect/>
+          </a:stretch>
+        </p:blipFill>
+        <p:spPr>
+          <a:xfrm>
+            <a:off x="2831976" y="3229788"/>
+            <a:ext cx="9019713" cy="1296218"/>
+          </a:xfrm>
+          <a:prstGeom prst="rect">
+            <a:avLst/>
+          </a:prstGeom>
+        </p:spPr>
+      </p:pic>
+      <p:pic>
+        <p:nvPicPr>
+          <p:cNvPr id="11" name="Grafik 10">
+            <a:extLst>
+              <a:ext uri="{FF2B5EF4-FFF2-40B4-BE49-F238E27FC236}">
+                <a16:creationId xmlns:a16="http://schemas.microsoft.com/office/drawing/2014/main" id="{B2BE85F0-ADA6-42D8-889C-21F58CA93FA8}"/>
+              </a:ext>
+            </a:extLst>
+          </p:cNvPr>
+          <p:cNvPicPr>
+            <a:picLocks noChangeAspect="1"/>
+          </p:cNvPicPr>
+          <p:nvPr/>
+        </p:nvPicPr>
+        <p:blipFill>
+          <a:blip r:embed="rId5">
+            <a:extLst>
+              <a:ext uri="{28A0092B-C50C-407E-A947-70E740481C1C}">
+                <a14:useLocalDpi xmlns:a14="http://schemas.microsoft.com/office/drawing/2010/main" val="0"/>
+              </a:ext>
+            </a:extLst>
+          </a:blip>
+          <a:stretch>
+            <a:fillRect/>
+          </a:stretch>
+        </p:blipFill>
+        <p:spPr>
+          <a:xfrm>
+            <a:off x="2476191" y="4641301"/>
+            <a:ext cx="8344209" cy="2043662"/>
+          </a:xfrm>
+          <a:prstGeom prst="rect">
+            <a:avLst/>
+          </a:prstGeom>
+        </p:spPr>
+      </p:pic>
     </p:spTree>
     <p:extLst>
       <p:ext uri="{BB962C8B-B14F-4D97-AF65-F5344CB8AC3E}">
-        <p14:creationId xmlns:p14="http://schemas.microsoft.com/office/powerpoint/2010/main" val="1678480497"/>
+        <p14:creationId xmlns:p14="http://schemas.microsoft.com/office/powerpoint/2010/main" val="340857070"/>
       </p:ext>
     </p:extLst>
   </p:cSld>

--- a/grundpraktikum2/Optik 1/Optik I.pptx
+++ b/grundpraktikum2/Optik 1/Optik I.pptx
@@ -18,6 +18,9 @@
     <p:sldId id="267" r:id="rId12"/>
     <p:sldId id="268" r:id="rId13"/>
     <p:sldId id="269" r:id="rId14"/>
+    <p:sldId id="272" r:id="rId15"/>
+    <p:sldId id="273" r:id="rId16"/>
+    <p:sldId id="274" r:id="rId17"/>
   </p:sldIdLst>
   <p:sldSz cx="12192000" cy="6858000"/>
   <p:notesSz cx="6858000" cy="9144000"/>
@@ -3402,7 +3405,7 @@
           </a:p>
           <a:p>
             <a:r>
-              <a:rPr lang="de-DE" dirty="0"/>
+              <a:rPr lang="de-DE" u="sng" dirty="0"/>
               <a:t>Tim Herbermann</a:t>
             </a:r>
           </a:p>
@@ -3989,8 +3992,8 @@
         </p:blipFill>
         <p:spPr>
           <a:xfrm>
-            <a:off x="5572067" y="1690688"/>
-            <a:ext cx="5511252" cy="4116217"/>
+            <a:off x="5340326" y="1524000"/>
+            <a:ext cx="5966174" cy="4455987"/>
           </a:xfrm>
         </p:spPr>
       </p:pic>
@@ -4741,6 +4744,541 @@
 </p:sld>
 </file>
 
+<file path=ppt/slides/slide14.xml><?xml version="1.0" encoding="utf-8"?>
+<p:sld xmlns:a="http://schemas.openxmlformats.org/drawingml/2006/main" xmlns:r="http://schemas.openxmlformats.org/officeDocument/2006/relationships" xmlns:p="http://schemas.openxmlformats.org/presentationml/2006/main">
+  <p:cSld>
+    <p:spTree>
+      <p:nvGrpSpPr>
+        <p:cNvPr id="1" name=""/>
+        <p:cNvGrpSpPr/>
+        <p:nvPr/>
+      </p:nvGrpSpPr>
+      <p:grpSpPr>
+        <a:xfrm>
+          <a:off x="0" y="0"/>
+          <a:ext cx="0" cy="0"/>
+          <a:chOff x="0" y="0"/>
+          <a:chExt cx="0" cy="0"/>
+        </a:xfrm>
+      </p:grpSpPr>
+      <p:sp>
+        <p:nvSpPr>
+          <p:cNvPr id="2" name="Titel 1"/>
+          <p:cNvSpPr>
+            <a:spLocks noGrp="1"/>
+          </p:cNvSpPr>
+          <p:nvPr>
+            <p:ph type="title"/>
+          </p:nvPr>
+        </p:nvSpPr>
+        <p:spPr/>
+        <p:txBody>
+          <a:bodyPr/>
+          <a:lstStyle/>
+          <a:p>
+            <a:r>
+              <a:rPr lang="de-DE" dirty="0"/>
+              <a:t>Bestimmung Spektrallinien</a:t>
+            </a:r>
+          </a:p>
+        </p:txBody>
+      </p:sp>
+      <mc:AlternateContent xmlns:mc="http://schemas.openxmlformats.org/markup-compatibility/2006">
+        <mc:Choice xmlns:a14="http://schemas.microsoft.com/office/drawing/2010/main" Requires="a14">
+          <p:sp>
+            <p:nvSpPr>
+              <p:cNvPr id="3" name="Inhaltsplatzhalter 2"/>
+              <p:cNvSpPr>
+                <a:spLocks noGrp="1"/>
+              </p:cNvSpPr>
+              <p:nvPr>
+                <p:ph idx="1"/>
+              </p:nvPr>
+            </p:nvSpPr>
+            <p:spPr>
+              <a:xfrm>
+                <a:off x="1257004" y="2238976"/>
+                <a:ext cx="4687957" cy="771801"/>
+              </a:xfrm>
+            </p:spPr>
+            <p:txBody>
+              <a:bodyPr/>
+              <a:lstStyle/>
+              <a:p>
+                <a:r>
+                  <a:rPr lang="de-DE" dirty="0"/>
+                  <a:t>d sin </a:t>
+                </a:r>
+                <a14:m>
+                  <m:oMath xmlns:m="http://schemas.openxmlformats.org/officeDocument/2006/math">
+                    <m:r>
+                      <m:rPr>
+                        <m:sty m:val="p"/>
+                      </m:rPr>
+                      <a:rPr lang="de-DE" b="0" i="1" smtClean="0">
+                        <a:latin typeface="Cambria Math" panose="02040503050406030204" pitchFamily="18" charset="0"/>
+                      </a:rPr>
+                      <m:t>θ</m:t>
+                    </m:r>
+                    <m:r>
+                      <a:rPr lang="de-DE" b="0" i="1" smtClean="0">
+                        <a:latin typeface="Cambria Math" panose="02040503050406030204" pitchFamily="18" charset="0"/>
+                      </a:rPr>
+                      <m:t>=</m:t>
+                    </m:r>
+                    <m:r>
+                      <a:rPr lang="de-DE" b="0" i="1" smtClean="0">
+                        <a:latin typeface="Cambria Math" panose="02040503050406030204" pitchFamily="18" charset="0"/>
+                      </a:rPr>
+                      <m:t>𝑛</m:t>
+                    </m:r>
+                    <m:r>
+                      <a:rPr lang="de-DE" b="0" i="1" smtClean="0">
+                        <a:latin typeface="Cambria Math" panose="02040503050406030204" pitchFamily="18" charset="0"/>
+                      </a:rPr>
+                      <m:t> </m:t>
+                    </m:r>
+                    <m:r>
+                      <m:rPr>
+                        <m:sty m:val="p"/>
+                      </m:rPr>
+                      <a:rPr lang="de-DE" b="0" i="1" smtClean="0">
+                        <a:latin typeface="Cambria Math" panose="02040503050406030204" pitchFamily="18" charset="0"/>
+                      </a:rPr>
+                      <m:t>λ</m:t>
+                    </m:r>
+                  </m:oMath>
+                </a14:m>
+                <a:endParaRPr lang="de-DE" b="0" dirty="0"/>
+              </a:p>
+              <a:p>
+                <a:endParaRPr lang="de-DE" b="0" dirty="0"/>
+              </a:p>
+              <a:p>
+                <a:endParaRPr lang="de-DE" dirty="0"/>
+              </a:p>
+            </p:txBody>
+          </p:sp>
+        </mc:Choice>
+        <mc:Fallback>
+          <p:sp>
+            <p:nvSpPr>
+              <p:cNvPr id="3" name="Inhaltsplatzhalter 2"/>
+              <p:cNvSpPr>
+                <a:spLocks noGrp="1" noRot="1" noChangeAspect="1" noMove="1" noResize="1" noEditPoints="1" noAdjustHandles="1" noChangeArrowheads="1" noChangeShapeType="1" noTextEdit="1"/>
+              </p:cNvSpPr>
+              <p:nvPr>
+                <p:ph idx="1"/>
+              </p:nvPr>
+            </p:nvSpPr>
+            <p:spPr>
+              <a:xfrm>
+                <a:off x="1257004" y="2238976"/>
+                <a:ext cx="4687957" cy="771801"/>
+              </a:xfrm>
+              <a:blipFill>
+                <a:blip r:embed="rId2"/>
+                <a:stretch>
+                  <a:fillRect l="-2341" t="-12598"/>
+                </a:stretch>
+              </a:blipFill>
+            </p:spPr>
+            <p:txBody>
+              <a:bodyPr/>
+              <a:lstStyle/>
+              <a:p>
+                <a:r>
+                  <a:rPr lang="de-DE">
+                    <a:noFill/>
+                  </a:rPr>
+                  <a:t> </a:t>
+                </a:r>
+              </a:p>
+            </p:txBody>
+          </p:sp>
+        </mc:Fallback>
+      </mc:AlternateContent>
+      <p:pic>
+        <p:nvPicPr>
+          <p:cNvPr id="4" name="Grafik 3"/>
+          <p:cNvPicPr>
+            <a:picLocks noChangeAspect="1"/>
+          </p:cNvPicPr>
+          <p:nvPr/>
+        </p:nvPicPr>
+        <p:blipFill>
+          <a:blip r:embed="rId3">
+            <a:extLst>
+              <a:ext uri="{28A0092B-C50C-407E-A947-70E740481C1C}">
+                <a14:useLocalDpi xmlns:a14="http://schemas.microsoft.com/office/drawing/2010/main" val="0"/>
+              </a:ext>
+            </a:extLst>
+          </a:blip>
+          <a:stretch>
+            <a:fillRect/>
+          </a:stretch>
+        </p:blipFill>
+        <p:spPr>
+          <a:xfrm>
+            <a:off x="6363764" y="1690688"/>
+            <a:ext cx="6013767" cy="4373218"/>
+          </a:xfrm>
+          <a:prstGeom prst="rect">
+            <a:avLst/>
+          </a:prstGeom>
+        </p:spPr>
+      </p:pic>
+      <p:pic>
+        <p:nvPicPr>
+          <p:cNvPr id="7" name="Grafik 6"/>
+          <p:cNvPicPr>
+            <a:picLocks noChangeAspect="1"/>
+          </p:cNvPicPr>
+          <p:nvPr/>
+        </p:nvPicPr>
+        <p:blipFill>
+          <a:blip r:embed="rId4">
+            <a:extLst>
+              <a:ext uri="{28A0092B-C50C-407E-A947-70E740481C1C}">
+                <a14:useLocalDpi xmlns:a14="http://schemas.microsoft.com/office/drawing/2010/main" val="0"/>
+              </a:ext>
+            </a:extLst>
+          </a:blip>
+          <a:stretch>
+            <a:fillRect/>
+          </a:stretch>
+        </p:blipFill>
+        <p:spPr>
+          <a:xfrm>
+            <a:off x="838200" y="4012815"/>
+            <a:ext cx="5525564" cy="1687509"/>
+          </a:xfrm>
+          <a:prstGeom prst="rect">
+            <a:avLst/>
+          </a:prstGeom>
+        </p:spPr>
+      </p:pic>
+    </p:spTree>
+    <p:extLst>
+      <p:ext uri="{BB962C8B-B14F-4D97-AF65-F5344CB8AC3E}">
+        <p14:creationId xmlns:p14="http://schemas.microsoft.com/office/powerpoint/2010/main" val="4113033868"/>
+      </p:ext>
+    </p:extLst>
+  </p:cSld>
+  <p:clrMapOvr>
+    <a:masterClrMapping/>
+  </p:clrMapOvr>
+</p:sld>
+</file>
+
+<file path=ppt/slides/slide15.xml><?xml version="1.0" encoding="utf-8"?>
+<p:sld xmlns:a="http://schemas.openxmlformats.org/drawingml/2006/main" xmlns:r="http://schemas.openxmlformats.org/officeDocument/2006/relationships" xmlns:p="http://schemas.openxmlformats.org/presentationml/2006/main">
+  <p:cSld>
+    <p:spTree>
+      <p:nvGrpSpPr>
+        <p:cNvPr id="1" name=""/>
+        <p:cNvGrpSpPr/>
+        <p:nvPr/>
+      </p:nvGrpSpPr>
+      <p:grpSpPr>
+        <a:xfrm>
+          <a:off x="0" y="0"/>
+          <a:ext cx="0" cy="0"/>
+          <a:chOff x="0" y="0"/>
+          <a:chExt cx="0" cy="0"/>
+        </a:xfrm>
+      </p:grpSpPr>
+      <p:sp>
+        <p:nvSpPr>
+          <p:cNvPr id="2" name="Titel 1"/>
+          <p:cNvSpPr>
+            <a:spLocks noGrp="1"/>
+          </p:cNvSpPr>
+          <p:nvPr>
+            <p:ph type="title"/>
+          </p:nvPr>
+        </p:nvSpPr>
+        <p:spPr/>
+        <p:txBody>
+          <a:bodyPr/>
+          <a:lstStyle/>
+          <a:p>
+            <a:r>
+              <a:rPr lang="de-DE" dirty="0"/>
+              <a:t>Gitter - Auflösungsvermögen</a:t>
+            </a:r>
+          </a:p>
+        </p:txBody>
+      </p:sp>
+      <mc:AlternateContent xmlns:mc="http://schemas.openxmlformats.org/markup-compatibility/2006">
+        <mc:Choice xmlns:a14="http://schemas.microsoft.com/office/drawing/2010/main" Requires="a14">
+          <p:sp>
+            <p:nvSpPr>
+              <p:cNvPr id="6" name="Inhaltsplatzhalter 5"/>
+              <p:cNvSpPr>
+                <a:spLocks noGrp="1"/>
+              </p:cNvSpPr>
+              <p:nvPr>
+                <p:ph idx="1"/>
+              </p:nvPr>
+            </p:nvSpPr>
+            <p:spPr/>
+            <p:txBody>
+              <a:bodyPr/>
+              <a:lstStyle/>
+              <a:p>
+                <a:r>
+                  <a:rPr lang="de-DE" dirty="0"/>
+                  <a:t>Natrium D Doppellinie: 589 </a:t>
+                </a:r>
+                <a:r>
+                  <a:rPr lang="de-DE" dirty="0" err="1"/>
+                  <a:t>nm</a:t>
+                </a:r>
+                <a:r>
+                  <a:rPr lang="de-DE" dirty="0"/>
+                  <a:t>  und 589.59 </a:t>
+                </a:r>
+                <a:r>
+                  <a:rPr lang="de-DE" dirty="0" err="1"/>
+                  <a:t>nm</a:t>
+                </a:r>
+                <a:endParaRPr lang="de-DE" dirty="0"/>
+              </a:p>
+              <a:p>
+                <a:r>
+                  <a:rPr lang="de-DE" dirty="0"/>
+                  <a:t>Erfordert </a:t>
+                </a:r>
+                <a14:m>
+                  <m:oMath xmlns:m="http://schemas.openxmlformats.org/officeDocument/2006/math">
+                    <m:r>
+                      <a:rPr lang="de-DE" b="0" i="1" smtClean="0">
+                        <a:latin typeface="Cambria Math" panose="02040503050406030204" pitchFamily="18" charset="0"/>
+                      </a:rPr>
+                      <m:t>𝐴</m:t>
+                    </m:r>
+                    <m:r>
+                      <a:rPr lang="de-DE" b="0" i="1" smtClean="0">
+                        <a:latin typeface="Cambria Math" panose="02040503050406030204" pitchFamily="18" charset="0"/>
+                      </a:rPr>
+                      <m:t>=</m:t>
+                    </m:r>
+                    <m:box>
+                      <m:boxPr>
+                        <m:ctrlPr>
+                          <a:rPr lang="de-DE" b="0" i="1" smtClean="0">
+                            <a:latin typeface="Cambria Math" panose="02040503050406030204" pitchFamily="18" charset="0"/>
+                          </a:rPr>
+                        </m:ctrlPr>
+                      </m:boxPr>
+                      <m:e>
+                        <m:argPr>
+                          <m:argSz m:val="-1"/>
+                        </m:argPr>
+                        <m:f>
+                          <m:fPr>
+                            <m:ctrlPr>
+                              <a:rPr lang="de-DE" b="0" i="1" smtClean="0">
+                                <a:latin typeface="Cambria Math" panose="02040503050406030204" pitchFamily="18" charset="0"/>
+                              </a:rPr>
+                            </m:ctrlPr>
+                          </m:fPr>
+                          <m:num>
+                            <m:r>
+                              <a:rPr lang="de-DE" b="0" i="1" smtClean="0">
+                                <a:latin typeface="Cambria Math" panose="02040503050406030204" pitchFamily="18" charset="0"/>
+                              </a:rPr>
+                              <m:t>𝜆</m:t>
+                            </m:r>
+                          </m:num>
+                          <m:den>
+                            <m:r>
+                              <m:rPr>
+                                <m:sty m:val="p"/>
+                              </m:rPr>
+                              <a:rPr lang="de-DE" b="0" i="0" smtClean="0">
+                                <a:latin typeface="Cambria Math" panose="02040503050406030204" pitchFamily="18" charset="0"/>
+                              </a:rPr>
+                              <m:t>Δ</m:t>
+                            </m:r>
+                            <m:r>
+                              <a:rPr lang="de-DE" b="0" i="1" smtClean="0">
+                                <a:latin typeface="Cambria Math" panose="02040503050406030204" pitchFamily="18" charset="0"/>
+                              </a:rPr>
+                              <m:t>𝜆</m:t>
+                            </m:r>
+                          </m:den>
+                        </m:f>
+                      </m:e>
+                    </m:box>
+                    <m:r>
+                      <a:rPr lang="de-DE" b="0" i="1" smtClean="0">
+                        <a:latin typeface="Cambria Math" panose="02040503050406030204" pitchFamily="18" charset="0"/>
+                      </a:rPr>
+                      <m:t>≈1000</m:t>
+                    </m:r>
+                  </m:oMath>
+                </a14:m>
+                <a:endParaRPr lang="de-DE" b="0" dirty="0"/>
+              </a:p>
+              <a:p>
+                <a:endParaRPr lang="de-DE" b="0" dirty="0"/>
+              </a:p>
+              <a:p>
+                <a:endParaRPr lang="de-DE" dirty="0"/>
+              </a:p>
+            </p:txBody>
+          </p:sp>
+        </mc:Choice>
+        <mc:Fallback>
+          <p:sp>
+            <p:nvSpPr>
+              <p:cNvPr id="6" name="Inhaltsplatzhalter 5"/>
+              <p:cNvSpPr>
+                <a:spLocks noGrp="1" noRot="1" noChangeAspect="1" noMove="1" noResize="1" noEditPoints="1" noAdjustHandles="1" noChangeArrowheads="1" noChangeShapeType="1" noTextEdit="1"/>
+              </p:cNvSpPr>
+              <p:nvPr>
+                <p:ph idx="1"/>
+              </p:nvPr>
+            </p:nvSpPr>
+            <p:spPr>
+              <a:blipFill>
+                <a:blip r:embed="rId2"/>
+                <a:stretch>
+                  <a:fillRect l="-1043" t="-2241"/>
+                </a:stretch>
+              </a:blipFill>
+            </p:spPr>
+            <p:txBody>
+              <a:bodyPr/>
+              <a:lstStyle/>
+              <a:p>
+                <a:r>
+                  <a:rPr lang="de-DE">
+                    <a:noFill/>
+                  </a:rPr>
+                  <a:t> </a:t>
+                </a:r>
+              </a:p>
+            </p:txBody>
+          </p:sp>
+        </mc:Fallback>
+      </mc:AlternateContent>
+      <p:pic>
+        <p:nvPicPr>
+          <p:cNvPr id="7" name="Inhaltsplatzhalter 4"/>
+          <p:cNvPicPr>
+            <a:picLocks noChangeAspect="1"/>
+          </p:cNvPicPr>
+          <p:nvPr/>
+        </p:nvPicPr>
+        <p:blipFill>
+          <a:blip r:embed="rId3">
+            <a:extLst>
+              <a:ext uri="{28A0092B-C50C-407E-A947-70E740481C1C}">
+                <a14:useLocalDpi xmlns:a14="http://schemas.microsoft.com/office/drawing/2010/main" val="0"/>
+              </a:ext>
+            </a:extLst>
+          </a:blip>
+          <a:stretch>
+            <a:fillRect/>
+          </a:stretch>
+        </p:blipFill>
+        <p:spPr>
+          <a:xfrm>
+            <a:off x="3016753" y="3503427"/>
+            <a:ext cx="6158493" cy="1521222"/>
+          </a:xfrm>
+          <a:prstGeom prst="rect">
+            <a:avLst/>
+          </a:prstGeom>
+        </p:spPr>
+      </p:pic>
+    </p:spTree>
+    <p:extLst>
+      <p:ext uri="{BB962C8B-B14F-4D97-AF65-F5344CB8AC3E}">
+        <p14:creationId xmlns:p14="http://schemas.microsoft.com/office/powerpoint/2010/main" val="2855210707"/>
+      </p:ext>
+    </p:extLst>
+  </p:cSld>
+  <p:clrMapOvr>
+    <a:masterClrMapping/>
+  </p:clrMapOvr>
+</p:sld>
+</file>
+
+<file path=ppt/slides/slide16.xml><?xml version="1.0" encoding="utf-8"?>
+<p:sld xmlns:a="http://schemas.openxmlformats.org/drawingml/2006/main" xmlns:r="http://schemas.openxmlformats.org/officeDocument/2006/relationships" xmlns:p="http://schemas.openxmlformats.org/presentationml/2006/main">
+  <p:cSld>
+    <p:spTree>
+      <p:nvGrpSpPr>
+        <p:cNvPr id="1" name=""/>
+        <p:cNvGrpSpPr/>
+        <p:nvPr/>
+      </p:nvGrpSpPr>
+      <p:grpSpPr>
+        <a:xfrm>
+          <a:off x="0" y="0"/>
+          <a:ext cx="0" cy="0"/>
+          <a:chOff x="0" y="0"/>
+          <a:chExt cx="0" cy="0"/>
+        </a:xfrm>
+      </p:grpSpPr>
+      <p:sp>
+        <p:nvSpPr>
+          <p:cNvPr id="2" name="Titel 1"/>
+          <p:cNvSpPr>
+            <a:spLocks noGrp="1"/>
+          </p:cNvSpPr>
+          <p:nvPr>
+            <p:ph type="title"/>
+          </p:nvPr>
+        </p:nvSpPr>
+        <p:spPr/>
+        <p:txBody>
+          <a:bodyPr/>
+          <a:lstStyle/>
+          <a:p>
+            <a:r>
+              <a:rPr lang="de-DE" dirty="0"/>
+              <a:t>Fazit</a:t>
+            </a:r>
+          </a:p>
+        </p:txBody>
+      </p:sp>
+      <p:sp>
+        <p:nvSpPr>
+          <p:cNvPr id="3" name="Inhaltsplatzhalter 2"/>
+          <p:cNvSpPr>
+            <a:spLocks noGrp="1"/>
+          </p:cNvSpPr>
+          <p:nvPr>
+            <p:ph idx="1"/>
+          </p:nvPr>
+        </p:nvSpPr>
+        <p:spPr/>
+        <p:txBody>
+          <a:bodyPr/>
+          <a:lstStyle/>
+          <a:p>
+            <a:endParaRPr lang="de-DE" dirty="0"/>
+          </a:p>
+        </p:txBody>
+      </p:sp>
+    </p:spTree>
+    <p:extLst>
+      <p:ext uri="{BB962C8B-B14F-4D97-AF65-F5344CB8AC3E}">
+        <p14:creationId xmlns:p14="http://schemas.microsoft.com/office/powerpoint/2010/main" val="3781518738"/>
+      </p:ext>
+    </p:extLst>
+  </p:cSld>
+  <p:clrMapOvr>
+    <a:masterClrMapping/>
+  </p:clrMapOvr>
+</p:sld>
+</file>
+
 <file path=ppt/slides/slide2.xml><?xml version="1.0" encoding="utf-8"?>
 <p:sld xmlns:a="http://schemas.openxmlformats.org/drawingml/2006/main" xmlns:r="http://schemas.openxmlformats.org/officeDocument/2006/relationships" xmlns:p="http://schemas.openxmlformats.org/presentationml/2006/main">
   <p:cSld>
@@ -4807,10 +5345,84 @@
           <a:bodyPr/>
           <a:lstStyle/>
           <a:p>
-            <a:pPr marL="0" indent="0">
-              <a:buNone/>
+            <a:pPr>
+              <a:buFontTx/>
+              <a:buChar char="-"/>
             </a:pPr>
-            <a:endParaRPr lang="de-DE" dirty="0"/>
+            <a:r>
+              <a:rPr lang="de-DE" dirty="0"/>
+              <a:t>Versuchsaufbau und Durchführung</a:t>
+            </a:r>
+          </a:p>
+          <a:p>
+            <a:pPr>
+              <a:buFontTx/>
+              <a:buChar char="-"/>
+            </a:pPr>
+            <a:r>
+              <a:rPr lang="de-DE" dirty="0"/>
+              <a:t>Prisma</a:t>
+            </a:r>
+          </a:p>
+          <a:p>
+            <a:pPr lvl="1">
+              <a:buFontTx/>
+              <a:buChar char="-"/>
+            </a:pPr>
+            <a:r>
+              <a:rPr lang="de-DE" dirty="0"/>
+              <a:t>Grundlagen</a:t>
+            </a:r>
+          </a:p>
+          <a:p>
+            <a:pPr lvl="1">
+              <a:buFontTx/>
+              <a:buChar char="-"/>
+            </a:pPr>
+            <a:r>
+              <a:rPr lang="de-DE" dirty="0"/>
+              <a:t>Auswertung</a:t>
+            </a:r>
+          </a:p>
+          <a:p>
+            <a:pPr>
+              <a:buFontTx/>
+              <a:buChar char="-"/>
+            </a:pPr>
+            <a:r>
+              <a:rPr lang="de-DE" dirty="0"/>
+              <a:t>Gitter</a:t>
+            </a:r>
+          </a:p>
+          <a:p>
+            <a:pPr lvl="1">
+              <a:buFontTx/>
+              <a:buChar char="-"/>
+            </a:pPr>
+            <a:r>
+              <a:rPr lang="de-DE" dirty="0"/>
+              <a:t>Grundlagen</a:t>
+            </a:r>
+          </a:p>
+          <a:p>
+            <a:pPr lvl="1">
+              <a:buFontTx/>
+              <a:buChar char="-"/>
+            </a:pPr>
+            <a:r>
+              <a:rPr lang="de-DE" dirty="0"/>
+              <a:t>Auswertung</a:t>
+            </a:r>
+          </a:p>
+          <a:p>
+            <a:pPr>
+              <a:buFontTx/>
+              <a:buChar char="-"/>
+            </a:pPr>
+            <a:r>
+              <a:rPr lang="de-DE" dirty="0"/>
+              <a:t>Fazit</a:t>
+            </a:r>
           </a:p>
         </p:txBody>
       </p:sp>
@@ -5531,8 +6143,8 @@
         </p:blipFill>
         <p:spPr>
           <a:xfrm>
-            <a:off x="2019567" y="2463003"/>
-            <a:ext cx="885369" cy="3444193"/>
+            <a:off x="2676939" y="1669773"/>
+            <a:ext cx="1046922" cy="4785293"/>
           </a:xfrm>
         </p:spPr>
       </p:pic>
@@ -5963,7 +6575,7 @@
         </p:blipFill>
         <p:spPr>
           <a:xfrm>
-            <a:off x="5267739" y="984738"/>
+            <a:off x="5188226" y="984738"/>
             <a:ext cx="7157455" cy="5345724"/>
           </a:xfrm>
         </p:spPr>

--- a/grundpraktikum2/Optik 1/Optik I.pptx
+++ b/grundpraktikum2/Optik 1/Optik I.pptx
@@ -278,7 +278,7 @@
           <a:p>
             <a:fld id="{A699E63E-1EA8-42F0-88E9-982EFAD32576}" type="datetimeFigureOut">
               <a:rPr lang="de-DE" smtClean="0"/>
-              <a:t>05.09.2017</a:t>
+              <a:t>06.09.2017</a:t>
             </a:fld>
             <a:endParaRPr lang="de-DE"/>
           </a:p>
@@ -476,7 +476,7 @@
           <a:p>
             <a:fld id="{A699E63E-1EA8-42F0-88E9-982EFAD32576}" type="datetimeFigureOut">
               <a:rPr lang="de-DE" smtClean="0"/>
-              <a:t>05.09.2017</a:t>
+              <a:t>06.09.2017</a:t>
             </a:fld>
             <a:endParaRPr lang="de-DE"/>
           </a:p>
@@ -684,7 +684,7 @@
           <a:p>
             <a:fld id="{A699E63E-1EA8-42F0-88E9-982EFAD32576}" type="datetimeFigureOut">
               <a:rPr lang="de-DE" smtClean="0"/>
-              <a:t>05.09.2017</a:t>
+              <a:t>06.09.2017</a:t>
             </a:fld>
             <a:endParaRPr lang="de-DE"/>
           </a:p>
@@ -882,7 +882,7 @@
           <a:p>
             <a:fld id="{A699E63E-1EA8-42F0-88E9-982EFAD32576}" type="datetimeFigureOut">
               <a:rPr lang="de-DE" smtClean="0"/>
-              <a:t>05.09.2017</a:t>
+              <a:t>06.09.2017</a:t>
             </a:fld>
             <a:endParaRPr lang="de-DE"/>
           </a:p>
@@ -1157,7 +1157,7 @@
           <a:p>
             <a:fld id="{A699E63E-1EA8-42F0-88E9-982EFAD32576}" type="datetimeFigureOut">
               <a:rPr lang="de-DE" smtClean="0"/>
-              <a:t>05.09.2017</a:t>
+              <a:t>06.09.2017</a:t>
             </a:fld>
             <a:endParaRPr lang="de-DE"/>
           </a:p>
@@ -1422,7 +1422,7 @@
           <a:p>
             <a:fld id="{A699E63E-1EA8-42F0-88E9-982EFAD32576}" type="datetimeFigureOut">
               <a:rPr lang="de-DE" smtClean="0"/>
-              <a:t>05.09.2017</a:t>
+              <a:t>06.09.2017</a:t>
             </a:fld>
             <a:endParaRPr lang="de-DE"/>
           </a:p>
@@ -1834,7 +1834,7 @@
           <a:p>
             <a:fld id="{A699E63E-1EA8-42F0-88E9-982EFAD32576}" type="datetimeFigureOut">
               <a:rPr lang="de-DE" smtClean="0"/>
-              <a:t>05.09.2017</a:t>
+              <a:t>06.09.2017</a:t>
             </a:fld>
             <a:endParaRPr lang="de-DE"/>
           </a:p>
@@ -1975,7 +1975,7 @@
           <a:p>
             <a:fld id="{A699E63E-1EA8-42F0-88E9-982EFAD32576}" type="datetimeFigureOut">
               <a:rPr lang="de-DE" smtClean="0"/>
-              <a:t>05.09.2017</a:t>
+              <a:t>06.09.2017</a:t>
             </a:fld>
             <a:endParaRPr lang="de-DE"/>
           </a:p>
@@ -2088,7 +2088,7 @@
           <a:p>
             <a:fld id="{A699E63E-1EA8-42F0-88E9-982EFAD32576}" type="datetimeFigureOut">
               <a:rPr lang="de-DE" smtClean="0"/>
-              <a:t>05.09.2017</a:t>
+              <a:t>06.09.2017</a:t>
             </a:fld>
             <a:endParaRPr lang="de-DE"/>
           </a:p>
@@ -2399,7 +2399,7 @@
           <a:p>
             <a:fld id="{A699E63E-1EA8-42F0-88E9-982EFAD32576}" type="datetimeFigureOut">
               <a:rPr lang="de-DE" smtClean="0"/>
-              <a:t>05.09.2017</a:t>
+              <a:t>06.09.2017</a:t>
             </a:fld>
             <a:endParaRPr lang="de-DE"/>
           </a:p>
@@ -2687,7 +2687,7 @@
           <a:p>
             <a:fld id="{A699E63E-1EA8-42F0-88E9-982EFAD32576}" type="datetimeFigureOut">
               <a:rPr lang="de-DE" smtClean="0"/>
-              <a:t>05.09.2017</a:t>
+              <a:t>06.09.2017</a:t>
             </a:fld>
             <a:endParaRPr lang="de-DE"/>
           </a:p>
@@ -2928,7 +2928,7 @@
           <a:p>
             <a:fld id="{A699E63E-1EA8-42F0-88E9-982EFAD32576}" type="datetimeFigureOut">
               <a:rPr lang="de-DE" smtClean="0"/>
-              <a:t>05.09.2017</a:t>
+              <a:t>06.09.2017</a:t>
             </a:fld>
             <a:endParaRPr lang="de-DE"/>
           </a:p>
@@ -4783,8 +4783,8 @@
           </a:p>
         </p:txBody>
       </p:sp>
-      <mc:AlternateContent xmlns:mc="http://schemas.openxmlformats.org/markup-compatibility/2006">
-        <mc:Choice xmlns:a14="http://schemas.microsoft.com/office/drawing/2010/main" Requires="a14">
+      <mc:AlternateContent xmlns:mc="http://schemas.openxmlformats.org/markup-compatibility/2006" xmlns:a14="http://schemas.microsoft.com/office/drawing/2010/main">
+        <mc:Choice Requires="a14">
           <p:sp>
             <p:nvSpPr>
               <p:cNvPr id="3" name="Inhaltsplatzhalter 2"/>
@@ -4860,7 +4860,7 @@
             </p:txBody>
           </p:sp>
         </mc:Choice>
-        <mc:Fallback>
+        <mc:Fallback xmlns="">
           <p:sp>
             <p:nvSpPr>
               <p:cNvPr id="3" name="Inhaltsplatzhalter 2"/>
@@ -5010,8 +5010,8 @@
           </a:p>
         </p:txBody>
       </p:sp>
-      <mc:AlternateContent xmlns:mc="http://schemas.openxmlformats.org/markup-compatibility/2006">
-        <mc:Choice xmlns:a14="http://schemas.microsoft.com/office/drawing/2010/main" Requires="a14">
+      <mc:AlternateContent xmlns:mc="http://schemas.openxmlformats.org/markup-compatibility/2006" xmlns:a14="http://schemas.microsoft.com/office/drawing/2010/main">
+        <mc:Choice Requires="a14">
           <p:sp>
             <p:nvSpPr>
               <p:cNvPr id="6" name="Inhaltsplatzhalter 5"/>
@@ -5131,7 +5131,7 @@
             </p:txBody>
           </p:sp>
         </mc:Choice>
-        <mc:Fallback>
+        <mc:Fallback xmlns="">
           <p:sp>
             <p:nvSpPr>
               <p:cNvPr id="6" name="Inhaltsplatzhalter 5"/>
@@ -5582,8 +5582,8 @@
           </a:p>
         </p:txBody>
       </p:sp>
-      <mc:AlternateContent xmlns:mc="http://schemas.openxmlformats.org/markup-compatibility/2006" xmlns:a14="http://schemas.microsoft.com/office/drawing/2010/main">
-        <mc:Choice Requires="a14">
+      <mc:AlternateContent xmlns:mc="http://schemas.openxmlformats.org/markup-compatibility/2006">
+        <mc:Choice xmlns:a14="http://schemas.microsoft.com/office/drawing/2010/main" Requires="a14">
           <p:sp>
             <p:nvSpPr>
               <p:cNvPr id="4" name="Inhaltsplatzhalter 3">
@@ -5602,7 +5602,9 @@
             </p:nvSpPr>
             <p:spPr/>
             <p:txBody>
-              <a:bodyPr/>
+              <a:bodyPr>
+                <a:normAutofit fontScale="92500"/>
+              </a:bodyPr>
               <a:lstStyle/>
               <a:p>
                 <a:r>
@@ -5932,6 +5934,62 @@
                 <a:endParaRPr lang="de-DE" sz="3600" dirty="0"/>
               </a:p>
               <a:p>
+                <a:endParaRPr lang="de-DE" sz="3600" dirty="0"/>
+              </a:p>
+              <a:p>
+                <a14:m>
+                  <m:oMath xmlns:m="http://schemas.openxmlformats.org/officeDocument/2006/math">
+                    <m:r>
+                      <a:rPr lang="de-DE" sz="3600" i="1">
+                        <a:latin typeface="Cambria Math" panose="02040503050406030204" pitchFamily="18" charset="0"/>
+                      </a:rPr>
+                      <m:t>𝐴</m:t>
+                    </m:r>
+                    <m:r>
+                      <a:rPr lang="de-DE" sz="3600" i="1">
+                        <a:latin typeface="Cambria Math" panose="02040503050406030204" pitchFamily="18" charset="0"/>
+                      </a:rPr>
+                      <m:t>= </m:t>
+                    </m:r>
+                    <m:f>
+                      <m:fPr>
+                        <m:ctrlPr>
+                          <a:rPr lang="de-DE" sz="3600" i="1">
+                            <a:latin typeface="Cambria Math" panose="02040503050406030204" pitchFamily="18" charset="0"/>
+                          </a:rPr>
+                        </m:ctrlPr>
+                      </m:fPr>
+                      <m:num>
+                        <m:r>
+                          <a:rPr lang="de-DE" sz="3600" i="1">
+                            <a:latin typeface="Cambria Math" panose="02040503050406030204" pitchFamily="18" charset="0"/>
+                          </a:rPr>
+                          <m:t>𝜆</m:t>
+                        </m:r>
+                      </m:num>
+                      <m:den>
+                        <m:r>
+                          <m:rPr>
+                            <m:sty m:val="p"/>
+                          </m:rPr>
+                          <a:rPr lang="de-DE" sz="3600">
+                            <a:latin typeface="Cambria Math" panose="02040503050406030204" pitchFamily="18" charset="0"/>
+                          </a:rPr>
+                          <m:t>Δ</m:t>
+                        </m:r>
+                        <m:r>
+                          <a:rPr lang="de-DE" sz="3600" i="1">
+                            <a:latin typeface="Cambria Math" panose="02040503050406030204" pitchFamily="18" charset="0"/>
+                          </a:rPr>
+                          <m:t>𝜆</m:t>
+                        </m:r>
+                      </m:den>
+                    </m:f>
+                  </m:oMath>
+                </a14:m>
+                <a:endParaRPr lang="de-DE" sz="3600" dirty="0"/>
+              </a:p>
+              <a:p>
                 <a:endParaRPr lang="de-DE" dirty="0"/>
               </a:p>
               <a:p>
@@ -5943,7 +6001,7 @@
             </p:txBody>
           </p:sp>
         </mc:Choice>
-        <mc:Fallback xmlns="">
+        <mc:Fallback>
           <p:sp>
             <p:nvSpPr>
               <p:cNvPr id="4" name="Inhaltsplatzhalter 3">
@@ -5964,7 +6022,7 @@
               <a:blipFill>
                 <a:blip r:embed="rId2"/>
                 <a:stretch>
-                  <a:fillRect l="-2118" t="-2241"/>
+                  <a:fillRect l="-1882" t="-2101"/>
                 </a:stretch>
               </a:blipFill>
             </p:spPr>
@@ -6834,10 +6892,10 @@
       </p:pic>
       <p:pic>
         <p:nvPicPr>
-          <p:cNvPr id="7" name="Grafik 6">
-            <a:extLst>
-              <a:ext uri="{FF2B5EF4-FFF2-40B4-BE49-F238E27FC236}">
-                <a16:creationId xmlns:a16="http://schemas.microsoft.com/office/drawing/2014/main" id="{A6D5D754-6C2E-4BE6-B6C3-EBCA0E3E02C9}"/>
+          <p:cNvPr id="6" name="Grafik 5">
+            <a:extLst>
+              <a:ext uri="{FF2B5EF4-FFF2-40B4-BE49-F238E27FC236}">
+                <a16:creationId xmlns:a16="http://schemas.microsoft.com/office/drawing/2014/main" id="{F3064B6A-1E32-455C-B152-C38B80D5B05D}"/>
               </a:ext>
             </a:extLst>
           </p:cNvPr>
@@ -6860,8 +6918,8 @@
         </p:blipFill>
         <p:spPr>
           <a:xfrm>
-            <a:off x="2831976" y="3229788"/>
-            <a:ext cx="9019713" cy="1296218"/>
+            <a:off x="2776831" y="4555394"/>
+            <a:ext cx="7605419" cy="1988992"/>
           </a:xfrm>
           <a:prstGeom prst="rect">
             <a:avLst/>
@@ -6870,10 +6928,10 @@
       </p:pic>
       <p:pic>
         <p:nvPicPr>
-          <p:cNvPr id="11" name="Grafik 10">
-            <a:extLst>
-              <a:ext uri="{FF2B5EF4-FFF2-40B4-BE49-F238E27FC236}">
-                <a16:creationId xmlns:a16="http://schemas.microsoft.com/office/drawing/2014/main" id="{B2BE85F0-ADA6-42D8-889C-21F58CA93FA8}"/>
+          <p:cNvPr id="9" name="Grafik 8">
+            <a:extLst>
+              <a:ext uri="{FF2B5EF4-FFF2-40B4-BE49-F238E27FC236}">
+                <a16:creationId xmlns:a16="http://schemas.microsoft.com/office/drawing/2014/main" id="{94175D85-91B5-46A4-8687-7B4C20F0D336}"/>
               </a:ext>
             </a:extLst>
           </p:cNvPr>
@@ -6896,8 +6954,8 @@
         </p:blipFill>
         <p:spPr>
           <a:xfrm>
-            <a:off x="2476191" y="4641301"/>
-            <a:ext cx="8344209" cy="2043662"/>
+            <a:off x="2340821" y="3132241"/>
+            <a:ext cx="9777307" cy="1165961"/>
           </a:xfrm>
           <a:prstGeom prst="rect">
             <a:avLst/>
@@ -6962,8 +7020,8 @@
           </a:p>
         </p:txBody>
       </p:sp>
-      <mc:AlternateContent xmlns:mc="http://schemas.openxmlformats.org/markup-compatibility/2006" xmlns:a14="http://schemas.microsoft.com/office/drawing/2010/main">
-        <mc:Choice Requires="a14">
+      <mc:AlternateContent xmlns:mc="http://schemas.openxmlformats.org/markup-compatibility/2006">
+        <mc:Choice xmlns:a14="http://schemas.microsoft.com/office/drawing/2010/main" Requires="a14">
           <p:sp>
             <p:nvSpPr>
               <p:cNvPr id="5" name="Inhaltsplatzhalter 4">
@@ -6987,7 +7045,9 @@
               </a:xfrm>
             </p:spPr>
             <p:txBody>
-              <a:bodyPr/>
+              <a:bodyPr>
+                <a:normAutofit fontScale="92500" lnSpcReduction="20000"/>
+              </a:bodyPr>
               <a:lstStyle/>
               <a:p>
                 <a:r>
@@ -7016,6 +7076,238 @@
                     </m:r>
                   </m:oMath>
                 </a14:m>
+                <a:endParaRPr lang="de-DE" dirty="0"/>
+              </a:p>
+              <a:p>
+                <a14:m>
+                  <m:oMath xmlns:m="http://schemas.openxmlformats.org/officeDocument/2006/math">
+                    <m:r>
+                      <a:rPr lang="de-DE" b="0" i="1" smtClean="0">
+                        <a:latin typeface="Cambria Math" panose="02040503050406030204" pitchFamily="18" charset="0"/>
+                      </a:rPr>
+                      <m:t>𝐴</m:t>
+                    </m:r>
+                    <m:r>
+                      <a:rPr lang="de-DE" b="0" i="1" smtClean="0">
+                        <a:latin typeface="Cambria Math" panose="02040503050406030204" pitchFamily="18" charset="0"/>
+                      </a:rPr>
+                      <m:t>=</m:t>
+                    </m:r>
+                    <m:f>
+                      <m:fPr>
+                        <m:ctrlPr>
+                          <a:rPr lang="de-DE" b="0" i="1" smtClean="0">
+                            <a:latin typeface="Cambria Math" panose="02040503050406030204" pitchFamily="18" charset="0"/>
+                          </a:rPr>
+                        </m:ctrlPr>
+                      </m:fPr>
+                      <m:num>
+                        <m:r>
+                          <a:rPr lang="de-DE" b="0" i="1" smtClean="0">
+                            <a:latin typeface="Cambria Math" panose="02040503050406030204" pitchFamily="18" charset="0"/>
+                          </a:rPr>
+                          <m:t>𝑑𝑛</m:t>
+                        </m:r>
+                      </m:num>
+                      <m:den>
+                        <m:r>
+                          <a:rPr lang="de-DE" b="0" i="1" smtClean="0">
+                            <a:latin typeface="Cambria Math" panose="02040503050406030204" pitchFamily="18" charset="0"/>
+                          </a:rPr>
+                          <m:t>𝑑</m:t>
+                        </m:r>
+                        <m:r>
+                          <a:rPr lang="de-DE" b="0" i="1" smtClean="0">
+                            <a:latin typeface="Cambria Math" panose="02040503050406030204" pitchFamily="18" charset="0"/>
+                          </a:rPr>
+                          <m:t>𝜆</m:t>
+                        </m:r>
+                      </m:den>
+                    </m:f>
+                    <m:r>
+                      <a:rPr lang="de-DE" b="0" i="1" smtClean="0">
+                        <a:latin typeface="Cambria Math" panose="02040503050406030204" pitchFamily="18" charset="0"/>
+                      </a:rPr>
+                      <m:t>⋅2</m:t>
+                    </m:r>
+                    <m:r>
+                      <a:rPr lang="de-DE" b="0" i="1" smtClean="0">
+                        <a:latin typeface="Cambria Math" panose="02040503050406030204" pitchFamily="18" charset="0"/>
+                      </a:rPr>
+                      <m:t>𝑎</m:t>
+                    </m:r>
+                    <m:r>
+                      <a:rPr lang="de-DE" b="0" i="1" smtClean="0">
+                        <a:latin typeface="Cambria Math" panose="02040503050406030204" pitchFamily="18" charset="0"/>
+                      </a:rPr>
+                      <m:t>⋅</m:t>
+                    </m:r>
+                    <m:f>
+                      <m:fPr>
+                        <m:ctrlPr>
+                          <a:rPr lang="de-DE" b="0" i="1" smtClean="0">
+                            <a:latin typeface="Cambria Math" panose="02040503050406030204" pitchFamily="18" charset="0"/>
+                          </a:rPr>
+                        </m:ctrlPr>
+                      </m:fPr>
+                      <m:num>
+                        <m:r>
+                          <m:rPr>
+                            <m:sty m:val="p"/>
+                          </m:rPr>
+                          <a:rPr lang="de-DE" b="0" i="0" smtClean="0">
+                            <a:latin typeface="Cambria Math" panose="02040503050406030204" pitchFamily="18" charset="0"/>
+                          </a:rPr>
+                          <m:t>sin</m:t>
+                        </m:r>
+                        <m:r>
+                          <a:rPr lang="de-DE" b="0" i="1" smtClean="0">
+                            <a:latin typeface="Cambria Math" panose="02040503050406030204" pitchFamily="18" charset="0"/>
+                          </a:rPr>
+                          <m:t>⁡(</m:t>
+                        </m:r>
+                        <m:f>
+                          <m:fPr>
+                            <m:ctrlPr>
+                              <a:rPr lang="de-DE" b="0" i="1" smtClean="0">
+                                <a:latin typeface="Cambria Math" panose="02040503050406030204" pitchFamily="18" charset="0"/>
+                              </a:rPr>
+                            </m:ctrlPr>
+                          </m:fPr>
+                          <m:num>
+                            <m:r>
+                              <a:rPr lang="de-DE" i="1">
+                                <a:latin typeface="Cambria Math" panose="02040503050406030204" pitchFamily="18" charset="0"/>
+                              </a:rPr>
+                              <m:t>𝜖</m:t>
+                            </m:r>
+                          </m:num>
+                          <m:den>
+                            <m:r>
+                              <a:rPr lang="de-DE" b="0" i="1" smtClean="0">
+                                <a:latin typeface="Cambria Math" panose="02040503050406030204" pitchFamily="18" charset="0"/>
+                              </a:rPr>
+                              <m:t>2</m:t>
+                            </m:r>
+                          </m:den>
+                        </m:f>
+                        <m:r>
+                          <a:rPr lang="de-DE" b="0" i="1" smtClean="0">
+                            <a:latin typeface="Cambria Math" panose="02040503050406030204" pitchFamily="18" charset="0"/>
+                          </a:rPr>
+                          <m:t>)</m:t>
+                        </m:r>
+                      </m:num>
+                      <m:den>
+                        <m:r>
+                          <m:rPr>
+                            <m:sty m:val="p"/>
+                          </m:rPr>
+                          <a:rPr lang="de-DE" b="0" i="0" smtClean="0">
+                            <a:latin typeface="Cambria Math" panose="02040503050406030204" pitchFamily="18" charset="0"/>
+                          </a:rPr>
+                          <m:t>cos</m:t>
+                        </m:r>
+                        <m:r>
+                          <a:rPr lang="de-DE" b="0" i="1" smtClean="0">
+                            <a:latin typeface="Cambria Math" panose="02040503050406030204" pitchFamily="18" charset="0"/>
+                          </a:rPr>
+                          <m:t>⁡(</m:t>
+                        </m:r>
+                        <m:f>
+                          <m:fPr>
+                            <m:ctrlPr>
+                              <a:rPr lang="de-DE" b="0" i="1" smtClean="0">
+                                <a:latin typeface="Cambria Math" panose="02040503050406030204" pitchFamily="18" charset="0"/>
+                              </a:rPr>
+                            </m:ctrlPr>
+                          </m:fPr>
+                          <m:num>
+                            <m:r>
+                              <a:rPr lang="de-DE" b="0" i="1" smtClean="0">
+                                <a:latin typeface="Cambria Math" panose="02040503050406030204" pitchFamily="18" charset="0"/>
+                              </a:rPr>
+                              <m:t>𝛿</m:t>
+                            </m:r>
+                            <m:r>
+                              <a:rPr lang="de-DE" b="0" i="1" smtClean="0">
+                                <a:latin typeface="Cambria Math" panose="02040503050406030204" pitchFamily="18" charset="0"/>
+                              </a:rPr>
+                              <m:t>+</m:t>
+                            </m:r>
+                            <m:r>
+                              <a:rPr lang="de-DE" b="0" i="1" smtClean="0">
+                                <a:latin typeface="Cambria Math" panose="02040503050406030204" pitchFamily="18" charset="0"/>
+                              </a:rPr>
+                              <m:t>𝜖</m:t>
+                            </m:r>
+                          </m:num>
+                          <m:den>
+                            <m:r>
+                              <a:rPr lang="de-DE" b="0" i="1" smtClean="0">
+                                <a:latin typeface="Cambria Math" panose="02040503050406030204" pitchFamily="18" charset="0"/>
+                              </a:rPr>
+                              <m:t>2</m:t>
+                            </m:r>
+                          </m:den>
+                        </m:f>
+                        <m:r>
+                          <a:rPr lang="de-DE" b="0" i="1" smtClean="0">
+                            <a:latin typeface="Cambria Math" panose="02040503050406030204" pitchFamily="18" charset="0"/>
+                          </a:rPr>
+                          <m:t>)</m:t>
+                        </m:r>
+                      </m:den>
+                    </m:f>
+                  </m:oMath>
+                </a14:m>
+                <a:endParaRPr lang="de-DE" dirty="0"/>
+              </a:p>
+              <a:p>
+                <a:r>
+                  <a:rPr lang="de-DE" dirty="0"/>
+                  <a:t>Experimentelles Ergebnis:</a:t>
+                </a:r>
+              </a:p>
+              <a:p>
+                <a:pPr marL="457200" lvl="1" indent="0">
+                  <a:buNone/>
+                </a:pPr>
+                <a:r>
+                  <a:rPr lang="de-DE" dirty="0"/>
+                  <a:t>				</a:t>
+                </a:r>
+              </a:p>
+              <a:p>
+                <a:pPr marL="457200" lvl="1" indent="0">
+                  <a:buNone/>
+                </a:pPr>
+                <a:r>
+                  <a:rPr lang="de-DE" dirty="0"/>
+                  <a:t>				</a:t>
+                </a:r>
+                <a14:m>
+                  <m:oMath xmlns:m="http://schemas.openxmlformats.org/officeDocument/2006/math">
+                    <m:r>
+                      <a:rPr lang="de-DE" i="1">
+                        <a:latin typeface="Cambria Math" panose="02040503050406030204" pitchFamily="18" charset="0"/>
+                      </a:rPr>
+                      <m:t>𝐴</m:t>
+                    </m:r>
+                    <m:r>
+                      <a:rPr lang="de-DE" i="1">
+                        <a:latin typeface="Cambria Math" panose="02040503050406030204" pitchFamily="18" charset="0"/>
+                      </a:rPr>
+                      <m:t>≈286</m:t>
+                    </m:r>
+                  </m:oMath>
+                </a14:m>
+                <a:endParaRPr lang="de-DE" dirty="0"/>
+              </a:p>
+              <a:p>
+                <a:pPr marL="0" indent="0">
+                  <a:buNone/>
+                </a:pPr>
                 <a:endParaRPr lang="de-DE" dirty="0"/>
               </a:p>
               <a:p>
@@ -7101,47 +7393,6 @@
                 <a:endParaRPr lang="de-DE" dirty="0"/>
               </a:p>
               <a:p>
-                <a:r>
-                  <a:rPr lang="de-DE" dirty="0"/>
-                  <a:t>Experimentelles Ergebnis:</a:t>
-                </a:r>
-              </a:p>
-              <a:p>
-                <a:pPr marL="457200" lvl="1" indent="0">
-                  <a:buNone/>
-                </a:pPr>
-                <a:r>
-                  <a:rPr lang="de-DE" dirty="0"/>
-                  <a:t>				</a:t>
-                </a:r>
-              </a:p>
-              <a:p>
-                <a:pPr marL="457200" lvl="1" indent="0">
-                  <a:buNone/>
-                </a:pPr>
-                <a:r>
-                  <a:rPr lang="de-DE" dirty="0"/>
-                  <a:t>				</a:t>
-                </a:r>
-                <a14:m>
-                  <m:oMath xmlns:m="http://schemas.openxmlformats.org/officeDocument/2006/math">
-                    <m:r>
-                      <a:rPr lang="de-DE" b="0" i="1" smtClean="0">
-                        <a:latin typeface="Cambria Math" panose="02040503050406030204" pitchFamily="18" charset="0"/>
-                      </a:rPr>
-                      <m:t>𝐴</m:t>
-                    </m:r>
-                    <m:r>
-                      <a:rPr lang="de-DE" b="0" i="1" smtClean="0">
-                        <a:latin typeface="Cambria Math" panose="02040503050406030204" pitchFamily="18" charset="0"/>
-                      </a:rPr>
-                      <m:t>≈286</m:t>
-                    </m:r>
-                  </m:oMath>
-                </a14:m>
-                <a:endParaRPr lang="de-DE" dirty="0"/>
-              </a:p>
-              <a:p>
                 <a:endParaRPr lang="de-DE" dirty="0"/>
               </a:p>
               <a:p>
@@ -7174,7 +7425,7 @@
             </p:txBody>
           </p:sp>
         </mc:Choice>
-        <mc:Fallback xmlns="">
+        <mc:Fallback>
           <p:sp>
             <p:nvSpPr>
               <p:cNvPr id="5" name="Inhaltsplatzhalter 4">
@@ -7199,7 +7450,7 @@
               <a:blipFill>
                 <a:blip r:embed="rId2"/>
                 <a:stretch>
-                  <a:fillRect l="-1043" t="-2241"/>
+                  <a:fillRect l="-870" t="-3501"/>
                 </a:stretch>
               </a:blipFill>
             </p:spPr>

--- a/grundpraktikum2/Optik 1/Optik I.pptx
+++ b/grundpraktikum2/Optik 1/Optik I.pptx
@@ -1,9 +1,12 @@
 
 <file path=ppt/presentation.xml><?xml version="1.0" encoding="utf-8"?>
-<p:presentation xmlns:a="http://schemas.openxmlformats.org/drawingml/2006/main" xmlns:r="http://schemas.openxmlformats.org/officeDocument/2006/relationships" xmlns:p="http://schemas.openxmlformats.org/presentationml/2006/main" saveSubsetFonts="1">
+<p:presentation xmlns:a="http://schemas.openxmlformats.org/drawingml/2006/main" xmlns:r="http://schemas.openxmlformats.org/officeDocument/2006/relationships" xmlns:p="http://schemas.openxmlformats.org/presentationml/2006/main" showSpecialPlsOnTitleSld="0" saveSubsetFonts="1">
   <p:sldMasterIdLst>
     <p:sldMasterId id="2147483648" r:id="rId1"/>
   </p:sldMasterIdLst>
+  <p:notesMasterIdLst>
+    <p:notesMasterId r:id="rId18"/>
+  </p:notesMasterIdLst>
   <p:sldIdLst>
     <p:sldId id="256" r:id="rId2"/>
     <p:sldId id="257" r:id="rId3"/>
@@ -131,6 +134,355 @@
 <p1510:revInfo xmlns:a="http://schemas.openxmlformats.org/drawingml/2006/main" xmlns:r="http://schemas.openxmlformats.org/officeDocument/2006/relationships" xmlns:p1510="http://schemas.microsoft.com/office/powerpoint/2015/10/main"/>
 </file>
 
+<file path=ppt/notesMasters/notesMaster1.xml><?xml version="1.0" encoding="utf-8"?>
+<p:notesMaster xmlns:a="http://schemas.openxmlformats.org/drawingml/2006/main" xmlns:r="http://schemas.openxmlformats.org/officeDocument/2006/relationships" xmlns:p="http://schemas.openxmlformats.org/presentationml/2006/main">
+  <p:cSld>
+    <p:bg>
+      <p:bgRef idx="1001">
+        <a:schemeClr val="bg1"/>
+      </p:bgRef>
+    </p:bg>
+    <p:spTree>
+      <p:nvGrpSpPr>
+        <p:cNvPr id="1" name=""/>
+        <p:cNvGrpSpPr/>
+        <p:nvPr/>
+      </p:nvGrpSpPr>
+      <p:grpSpPr>
+        <a:xfrm>
+          <a:off x="0" y="0"/>
+          <a:ext cx="0" cy="0"/>
+          <a:chOff x="0" y="0"/>
+          <a:chExt cx="0" cy="0"/>
+        </a:xfrm>
+      </p:grpSpPr>
+      <p:sp>
+        <p:nvSpPr>
+          <p:cNvPr id="2" name="Kopfzeilenplatzhalter 1"/>
+          <p:cNvSpPr>
+            <a:spLocks noGrp="1"/>
+          </p:cNvSpPr>
+          <p:nvPr>
+            <p:ph type="hdr" sz="quarter"/>
+          </p:nvPr>
+        </p:nvSpPr>
+        <p:spPr>
+          <a:xfrm>
+            <a:off x="0" y="0"/>
+            <a:ext cx="2971800" cy="458788"/>
+          </a:xfrm>
+          <a:prstGeom prst="rect">
+            <a:avLst/>
+          </a:prstGeom>
+        </p:spPr>
+        <p:txBody>
+          <a:bodyPr vert="horz" lIns="91440" tIns="45720" rIns="91440" bIns="45720" rtlCol="0"/>
+          <a:lstStyle>
+            <a:lvl1pPr algn="l">
+              <a:defRPr sz="1200"/>
+            </a:lvl1pPr>
+          </a:lstStyle>
+          <a:p>
+            <a:endParaRPr lang="de-DE"/>
+          </a:p>
+        </p:txBody>
+      </p:sp>
+      <p:sp>
+        <p:nvSpPr>
+          <p:cNvPr id="3" name="Datumsplatzhalter 2"/>
+          <p:cNvSpPr>
+            <a:spLocks noGrp="1"/>
+          </p:cNvSpPr>
+          <p:nvPr>
+            <p:ph type="dt" idx="1"/>
+          </p:nvPr>
+        </p:nvSpPr>
+        <p:spPr>
+          <a:xfrm>
+            <a:off x="3884613" y="0"/>
+            <a:ext cx="2971800" cy="458788"/>
+          </a:xfrm>
+          <a:prstGeom prst="rect">
+            <a:avLst/>
+          </a:prstGeom>
+        </p:spPr>
+        <p:txBody>
+          <a:bodyPr vert="horz" lIns="91440" tIns="45720" rIns="91440" bIns="45720" rtlCol="0"/>
+          <a:lstStyle>
+            <a:lvl1pPr algn="r">
+              <a:defRPr sz="1200"/>
+            </a:lvl1pPr>
+          </a:lstStyle>
+          <a:p>
+            <a:fld id="{73585DEA-4B60-4D13-BD18-04E6FCEDE338}" type="datetimeFigureOut">
+              <a:rPr lang="de-DE" smtClean="0"/>
+              <a:t>06.09.2017</a:t>
+            </a:fld>
+            <a:endParaRPr lang="de-DE"/>
+          </a:p>
+        </p:txBody>
+      </p:sp>
+      <p:sp>
+        <p:nvSpPr>
+          <p:cNvPr id="4" name="Folienbildplatzhalter 3"/>
+          <p:cNvSpPr>
+            <a:spLocks noGrp="1" noRot="1" noChangeAspect="1"/>
+          </p:cNvSpPr>
+          <p:nvPr>
+            <p:ph type="sldImg" idx="2"/>
+          </p:nvPr>
+        </p:nvSpPr>
+        <p:spPr>
+          <a:xfrm>
+            <a:off x="685800" y="1143000"/>
+            <a:ext cx="5486400" cy="3086100"/>
+          </a:xfrm>
+          <a:prstGeom prst="rect">
+            <a:avLst/>
+          </a:prstGeom>
+          <a:noFill/>
+          <a:ln w="12700">
+            <a:solidFill>
+              <a:prstClr val="black"/>
+            </a:solidFill>
+          </a:ln>
+        </p:spPr>
+        <p:txBody>
+          <a:bodyPr vert="horz" lIns="91440" tIns="45720" rIns="91440" bIns="45720" rtlCol="0" anchor="ctr"/>
+          <a:lstStyle/>
+          <a:p>
+            <a:endParaRPr lang="de-DE"/>
+          </a:p>
+        </p:txBody>
+      </p:sp>
+      <p:sp>
+        <p:nvSpPr>
+          <p:cNvPr id="5" name="Notizenplatzhalter 4"/>
+          <p:cNvSpPr>
+            <a:spLocks noGrp="1"/>
+          </p:cNvSpPr>
+          <p:nvPr>
+            <p:ph type="body" sz="quarter" idx="3"/>
+          </p:nvPr>
+        </p:nvSpPr>
+        <p:spPr>
+          <a:xfrm>
+            <a:off x="685800" y="4400550"/>
+            <a:ext cx="5486400" cy="3600450"/>
+          </a:xfrm>
+          <a:prstGeom prst="rect">
+            <a:avLst/>
+          </a:prstGeom>
+        </p:spPr>
+        <p:txBody>
+          <a:bodyPr vert="horz" lIns="91440" tIns="45720" rIns="91440" bIns="45720" rtlCol="0"/>
+          <a:lstStyle/>
+          <a:p>
+            <a:pPr lvl="0"/>
+            <a:r>
+              <a:rPr lang="de-DE"/>
+              <a:t>Formatvorlagen des Textmasters bearbeiten</a:t>
+            </a:r>
+          </a:p>
+          <a:p>
+            <a:pPr lvl="1"/>
+            <a:r>
+              <a:rPr lang="de-DE"/>
+              <a:t>Zweite Ebene</a:t>
+            </a:r>
+          </a:p>
+          <a:p>
+            <a:pPr lvl="2"/>
+            <a:r>
+              <a:rPr lang="de-DE"/>
+              <a:t>Dritte Ebene</a:t>
+            </a:r>
+          </a:p>
+          <a:p>
+            <a:pPr lvl="3"/>
+            <a:r>
+              <a:rPr lang="de-DE"/>
+              <a:t>Vierte Ebene</a:t>
+            </a:r>
+          </a:p>
+          <a:p>
+            <a:pPr lvl="4"/>
+            <a:r>
+              <a:rPr lang="de-DE"/>
+              <a:t>Fünfte Ebene</a:t>
+            </a:r>
+          </a:p>
+        </p:txBody>
+      </p:sp>
+      <p:sp>
+        <p:nvSpPr>
+          <p:cNvPr id="6" name="Fußzeilenplatzhalter 5"/>
+          <p:cNvSpPr>
+            <a:spLocks noGrp="1"/>
+          </p:cNvSpPr>
+          <p:nvPr>
+            <p:ph type="ftr" sz="quarter" idx="4"/>
+          </p:nvPr>
+        </p:nvSpPr>
+        <p:spPr>
+          <a:xfrm>
+            <a:off x="0" y="8685213"/>
+            <a:ext cx="2971800" cy="458787"/>
+          </a:xfrm>
+          <a:prstGeom prst="rect">
+            <a:avLst/>
+          </a:prstGeom>
+        </p:spPr>
+        <p:txBody>
+          <a:bodyPr vert="horz" lIns="91440" tIns="45720" rIns="91440" bIns="45720" rtlCol="0" anchor="b"/>
+          <a:lstStyle>
+            <a:lvl1pPr algn="l">
+              <a:defRPr sz="1200"/>
+            </a:lvl1pPr>
+          </a:lstStyle>
+          <a:p>
+            <a:endParaRPr lang="de-DE"/>
+          </a:p>
+        </p:txBody>
+      </p:sp>
+      <p:sp>
+        <p:nvSpPr>
+          <p:cNvPr id="7" name="Foliennummernplatzhalter 6"/>
+          <p:cNvSpPr>
+            <a:spLocks noGrp="1"/>
+          </p:cNvSpPr>
+          <p:nvPr>
+            <p:ph type="sldNum" sz="quarter" idx="5"/>
+          </p:nvPr>
+        </p:nvSpPr>
+        <p:spPr>
+          <a:xfrm>
+            <a:off x="3884613" y="8685213"/>
+            <a:ext cx="2971800" cy="458787"/>
+          </a:xfrm>
+          <a:prstGeom prst="rect">
+            <a:avLst/>
+          </a:prstGeom>
+        </p:spPr>
+        <p:txBody>
+          <a:bodyPr vert="horz" lIns="91440" tIns="45720" rIns="91440" bIns="45720" rtlCol="0" anchor="b"/>
+          <a:lstStyle>
+            <a:lvl1pPr algn="r">
+              <a:defRPr sz="1200"/>
+            </a:lvl1pPr>
+          </a:lstStyle>
+          <a:p>
+            <a:fld id="{4A47F861-95AB-4172-8860-EC515153E941}" type="slidenum">
+              <a:rPr lang="de-DE" smtClean="0"/>
+              <a:t>‹Nr.›</a:t>
+            </a:fld>
+            <a:endParaRPr lang="de-DE"/>
+          </a:p>
+        </p:txBody>
+      </p:sp>
+    </p:spTree>
+    <p:extLst>
+      <p:ext uri="{BB962C8B-B14F-4D97-AF65-F5344CB8AC3E}">
+        <p14:creationId xmlns:p14="http://schemas.microsoft.com/office/powerpoint/2010/main" val="1087685584"/>
+      </p:ext>
+    </p:extLst>
+  </p:cSld>
+  <p:clrMap bg1="lt1" tx1="dk1" bg2="lt2" tx2="dk2" accent1="accent1" accent2="accent2" accent3="accent3" accent4="accent4" accent5="accent5" accent6="accent6" hlink="hlink" folHlink="folHlink"/>
+  <p:notesStyle>
+    <a:lvl1pPr marL="0" algn="l" defTabSz="914400" rtl="0" eaLnBrk="1" latinLnBrk="0" hangingPunct="1">
+      <a:defRPr sz="1200" kern="1200">
+        <a:solidFill>
+          <a:schemeClr val="tx1"/>
+        </a:solidFill>
+        <a:latin typeface="+mn-lt"/>
+        <a:ea typeface="+mn-ea"/>
+        <a:cs typeface="+mn-cs"/>
+      </a:defRPr>
+    </a:lvl1pPr>
+    <a:lvl2pPr marL="457200" algn="l" defTabSz="914400" rtl="0" eaLnBrk="1" latinLnBrk="0" hangingPunct="1">
+      <a:defRPr sz="1200" kern="1200">
+        <a:solidFill>
+          <a:schemeClr val="tx1"/>
+        </a:solidFill>
+        <a:latin typeface="+mn-lt"/>
+        <a:ea typeface="+mn-ea"/>
+        <a:cs typeface="+mn-cs"/>
+      </a:defRPr>
+    </a:lvl2pPr>
+    <a:lvl3pPr marL="914400" algn="l" defTabSz="914400" rtl="0" eaLnBrk="1" latinLnBrk="0" hangingPunct="1">
+      <a:defRPr sz="1200" kern="1200">
+        <a:solidFill>
+          <a:schemeClr val="tx1"/>
+        </a:solidFill>
+        <a:latin typeface="+mn-lt"/>
+        <a:ea typeface="+mn-ea"/>
+        <a:cs typeface="+mn-cs"/>
+      </a:defRPr>
+    </a:lvl3pPr>
+    <a:lvl4pPr marL="1371600" algn="l" defTabSz="914400" rtl="0" eaLnBrk="1" latinLnBrk="0" hangingPunct="1">
+      <a:defRPr sz="1200" kern="1200">
+        <a:solidFill>
+          <a:schemeClr val="tx1"/>
+        </a:solidFill>
+        <a:latin typeface="+mn-lt"/>
+        <a:ea typeface="+mn-ea"/>
+        <a:cs typeface="+mn-cs"/>
+      </a:defRPr>
+    </a:lvl4pPr>
+    <a:lvl5pPr marL="1828800" algn="l" defTabSz="914400" rtl="0" eaLnBrk="1" latinLnBrk="0" hangingPunct="1">
+      <a:defRPr sz="1200" kern="1200">
+        <a:solidFill>
+          <a:schemeClr val="tx1"/>
+        </a:solidFill>
+        <a:latin typeface="+mn-lt"/>
+        <a:ea typeface="+mn-ea"/>
+        <a:cs typeface="+mn-cs"/>
+      </a:defRPr>
+    </a:lvl5pPr>
+    <a:lvl6pPr marL="2286000" algn="l" defTabSz="914400" rtl="0" eaLnBrk="1" latinLnBrk="0" hangingPunct="1">
+      <a:defRPr sz="1200" kern="1200">
+        <a:solidFill>
+          <a:schemeClr val="tx1"/>
+        </a:solidFill>
+        <a:latin typeface="+mn-lt"/>
+        <a:ea typeface="+mn-ea"/>
+        <a:cs typeface="+mn-cs"/>
+      </a:defRPr>
+    </a:lvl6pPr>
+    <a:lvl7pPr marL="2743200" algn="l" defTabSz="914400" rtl="0" eaLnBrk="1" latinLnBrk="0" hangingPunct="1">
+      <a:defRPr sz="1200" kern="1200">
+        <a:solidFill>
+          <a:schemeClr val="tx1"/>
+        </a:solidFill>
+        <a:latin typeface="+mn-lt"/>
+        <a:ea typeface="+mn-ea"/>
+        <a:cs typeface="+mn-cs"/>
+      </a:defRPr>
+    </a:lvl7pPr>
+    <a:lvl8pPr marL="3200400" algn="l" defTabSz="914400" rtl="0" eaLnBrk="1" latinLnBrk="0" hangingPunct="1">
+      <a:defRPr sz="1200" kern="1200">
+        <a:solidFill>
+          <a:schemeClr val="tx1"/>
+        </a:solidFill>
+        <a:latin typeface="+mn-lt"/>
+        <a:ea typeface="+mn-ea"/>
+        <a:cs typeface="+mn-cs"/>
+      </a:defRPr>
+    </a:lvl8pPr>
+    <a:lvl9pPr marL="3657600" algn="l" defTabSz="914400" rtl="0" eaLnBrk="1" latinLnBrk="0" hangingPunct="1">
+      <a:defRPr sz="1200" kern="1200">
+        <a:solidFill>
+          <a:schemeClr val="tx1"/>
+        </a:solidFill>
+        <a:latin typeface="+mn-lt"/>
+        <a:ea typeface="+mn-ea"/>
+        <a:cs typeface="+mn-cs"/>
+      </a:defRPr>
+    </a:lvl9pPr>
+  </p:notesStyle>
+</p:notesMaster>
+</file>
+
 <file path=ppt/slideLayouts/slideLayout1.xml><?xml version="1.0" encoding="utf-8"?>
 <p:sldLayout xmlns:a="http://schemas.openxmlformats.org/drawingml/2006/main" xmlns:r="http://schemas.openxmlformats.org/officeDocument/2006/relationships" xmlns:p="http://schemas.openxmlformats.org/presentationml/2006/main" type="title" preserve="1">
   <p:cSld name="Titelfolie">
@@ -276,7 +628,7 @@
           <a:bodyPr/>
           <a:lstStyle/>
           <a:p>
-            <a:fld id="{A699E63E-1EA8-42F0-88E9-982EFAD32576}" type="datetimeFigureOut">
+            <a:fld id="{F39A8FCD-1A1F-4DE2-A466-712314E3C38E}" type="datetime1">
               <a:rPr lang="de-DE" smtClean="0"/>
               <a:t>06.09.2017</a:t>
             </a:fld>
@@ -474,7 +826,7 @@
           <a:bodyPr/>
           <a:lstStyle/>
           <a:p>
-            <a:fld id="{A699E63E-1EA8-42F0-88E9-982EFAD32576}" type="datetimeFigureOut">
+            <a:fld id="{9DD51E70-B48D-4BF0-9142-90E29720033B}" type="datetime1">
               <a:rPr lang="de-DE" smtClean="0"/>
               <a:t>06.09.2017</a:t>
             </a:fld>
@@ -682,7 +1034,7 @@
           <a:bodyPr/>
           <a:lstStyle/>
           <a:p>
-            <a:fld id="{A699E63E-1EA8-42F0-88E9-982EFAD32576}" type="datetimeFigureOut">
+            <a:fld id="{11586144-571F-4485-8069-3D26424F2F84}" type="datetime1">
               <a:rPr lang="de-DE" smtClean="0"/>
               <a:t>06.09.2017</a:t>
             </a:fld>
@@ -880,7 +1232,7 @@
           <a:bodyPr/>
           <a:lstStyle/>
           <a:p>
-            <a:fld id="{A699E63E-1EA8-42F0-88E9-982EFAD32576}" type="datetimeFigureOut">
+            <a:fld id="{06C01FE6-01CE-4D24-A8D7-12920EFC0552}" type="datetime1">
               <a:rPr lang="de-DE" smtClean="0"/>
               <a:t>06.09.2017</a:t>
             </a:fld>
@@ -1155,7 +1507,7 @@
           <a:bodyPr/>
           <a:lstStyle/>
           <a:p>
-            <a:fld id="{A699E63E-1EA8-42F0-88E9-982EFAD32576}" type="datetimeFigureOut">
+            <a:fld id="{EB9E36CB-DD63-475B-BF6E-AB38B91D108D}" type="datetime1">
               <a:rPr lang="de-DE" smtClean="0"/>
               <a:t>06.09.2017</a:t>
             </a:fld>
@@ -1420,7 +1772,7 @@
           <a:bodyPr/>
           <a:lstStyle/>
           <a:p>
-            <a:fld id="{A699E63E-1EA8-42F0-88E9-982EFAD32576}" type="datetimeFigureOut">
+            <a:fld id="{C5BB342E-A2CE-4BB9-A979-7B0285EBC924}" type="datetime1">
               <a:rPr lang="de-DE" smtClean="0"/>
               <a:t>06.09.2017</a:t>
             </a:fld>
@@ -1832,7 +2184,7 @@
           <a:bodyPr/>
           <a:lstStyle/>
           <a:p>
-            <a:fld id="{A699E63E-1EA8-42F0-88E9-982EFAD32576}" type="datetimeFigureOut">
+            <a:fld id="{F7923B09-DA55-4921-9419-68DC46108F1A}" type="datetime1">
               <a:rPr lang="de-DE" smtClean="0"/>
               <a:t>06.09.2017</a:t>
             </a:fld>
@@ -1973,7 +2325,7 @@
           <a:bodyPr/>
           <a:lstStyle/>
           <a:p>
-            <a:fld id="{A699E63E-1EA8-42F0-88E9-982EFAD32576}" type="datetimeFigureOut">
+            <a:fld id="{3BBCEA1C-2A48-4DCE-A33C-9F3DF0233F4D}" type="datetime1">
               <a:rPr lang="de-DE" smtClean="0"/>
               <a:t>06.09.2017</a:t>
             </a:fld>
@@ -2086,7 +2438,7 @@
           <a:bodyPr/>
           <a:lstStyle/>
           <a:p>
-            <a:fld id="{A699E63E-1EA8-42F0-88E9-982EFAD32576}" type="datetimeFigureOut">
+            <a:fld id="{FD4C3015-ED91-420B-88A8-D2A0C0C46BB0}" type="datetime1">
               <a:rPr lang="de-DE" smtClean="0"/>
               <a:t>06.09.2017</a:t>
             </a:fld>
@@ -2397,7 +2749,7 @@
           <a:bodyPr/>
           <a:lstStyle/>
           <a:p>
-            <a:fld id="{A699E63E-1EA8-42F0-88E9-982EFAD32576}" type="datetimeFigureOut">
+            <a:fld id="{B96D3694-60B1-4402-8E2B-693BCC6AB4F2}" type="datetime1">
               <a:rPr lang="de-DE" smtClean="0"/>
               <a:t>06.09.2017</a:t>
             </a:fld>
@@ -2685,7 +3037,7 @@
           <a:bodyPr/>
           <a:lstStyle/>
           <a:p>
-            <a:fld id="{A699E63E-1EA8-42F0-88E9-982EFAD32576}" type="datetimeFigureOut">
+            <a:fld id="{443DF103-9942-4CA0-AF51-31C11AE7A864}" type="datetime1">
               <a:rPr lang="de-DE" smtClean="0"/>
               <a:t>06.09.2017</a:t>
             </a:fld>
@@ -2926,7 +3278,7 @@
             </a:lvl1pPr>
           </a:lstStyle>
           <a:p>
-            <a:fld id="{A699E63E-1EA8-42F0-88E9-982EFAD32576}" type="datetimeFigureOut">
+            <a:fld id="{0746809F-7CBD-452F-BEA2-2ED0E7ED619A}" type="datetime1">
               <a:rPr lang="de-DE" smtClean="0"/>
               <a:t>06.09.2017</a:t>
             </a:fld>
@@ -3045,6 +3397,7 @@
     <p:sldLayoutId id="2147483658" r:id="rId10"/>
     <p:sldLayoutId id="2147483659" r:id="rId11"/>
   </p:sldLayoutIdLst>
+  <p:hf hdr="0" ftr="0" dt="0"/>
   <p:txStyles>
     <p:titleStyle>
       <a:lvl1pPr algn="l" defTabSz="914400" rtl="0" eaLnBrk="1" latinLnBrk="0" hangingPunct="1">
@@ -3904,6 +4257,35 @@
           </a:prstGeom>
         </p:spPr>
       </p:pic>
+      <p:sp>
+        <p:nvSpPr>
+          <p:cNvPr id="4" name="Foliennummernplatzhalter 3">
+            <a:extLst>
+              <a:ext uri="{FF2B5EF4-FFF2-40B4-BE49-F238E27FC236}">
+                <a16:creationId xmlns:a16="http://schemas.microsoft.com/office/drawing/2014/main" id="{62EA9C80-3740-489F-829E-D2355DB433E3}"/>
+              </a:ext>
+            </a:extLst>
+          </p:cNvPr>
+          <p:cNvSpPr>
+            <a:spLocks noGrp="1"/>
+          </p:cNvSpPr>
+          <p:nvPr>
+            <p:ph type="sldNum" sz="quarter" idx="12"/>
+          </p:nvPr>
+        </p:nvSpPr>
+        <p:spPr/>
+        <p:txBody>
+          <a:bodyPr/>
+          <a:lstStyle/>
+          <a:p>
+            <a:fld id="{1B67AEDF-9D2A-44BC-82ED-191619495E37}" type="slidenum">
+              <a:rPr lang="de-DE" smtClean="0"/>
+              <a:t>10</a:t>
+            </a:fld>
+            <a:endParaRPr lang="de-DE"/>
+          </a:p>
+        </p:txBody>
+      </p:sp>
     </p:spTree>
     <p:extLst>
       <p:ext uri="{BB962C8B-B14F-4D97-AF65-F5344CB8AC3E}">
@@ -4112,6 +4494,35 @@
               <a:rPr lang="de-DE" dirty="0"/>
               <a:t>1,02‘</a:t>
             </a:r>
+          </a:p>
+        </p:txBody>
+      </p:sp>
+      <p:sp>
+        <p:nvSpPr>
+          <p:cNvPr id="3" name="Foliennummernplatzhalter 2">
+            <a:extLst>
+              <a:ext uri="{FF2B5EF4-FFF2-40B4-BE49-F238E27FC236}">
+                <a16:creationId xmlns:a16="http://schemas.microsoft.com/office/drawing/2014/main" id="{2E190CD5-3D2B-40F7-96D4-AECFDB84C0D0}"/>
+              </a:ext>
+            </a:extLst>
+          </p:cNvPr>
+          <p:cNvSpPr>
+            <a:spLocks noGrp="1"/>
+          </p:cNvSpPr>
+          <p:nvPr>
+            <p:ph type="sldNum" sz="quarter" idx="12"/>
+          </p:nvPr>
+        </p:nvSpPr>
+        <p:spPr/>
+        <p:txBody>
+          <a:bodyPr/>
+          <a:lstStyle/>
+          <a:p>
+            <a:fld id="{1B67AEDF-9D2A-44BC-82ED-191619495E37}" type="slidenum">
+              <a:rPr lang="de-DE" smtClean="0"/>
+              <a:t>11</a:t>
+            </a:fld>
+            <a:endParaRPr lang="de-DE"/>
           </a:p>
         </p:txBody>
       </p:sp>
@@ -4337,6 +4748,35 @@
           </a:prstGeom>
         </p:spPr>
       </p:pic>
+      <p:sp>
+        <p:nvSpPr>
+          <p:cNvPr id="4" name="Foliennummernplatzhalter 3">
+            <a:extLst>
+              <a:ext uri="{FF2B5EF4-FFF2-40B4-BE49-F238E27FC236}">
+                <a16:creationId xmlns:a16="http://schemas.microsoft.com/office/drawing/2014/main" id="{8B69CAEB-6374-4E81-B468-0B01343A4787}"/>
+              </a:ext>
+            </a:extLst>
+          </p:cNvPr>
+          <p:cNvSpPr>
+            <a:spLocks noGrp="1"/>
+          </p:cNvSpPr>
+          <p:nvPr>
+            <p:ph type="sldNum" sz="quarter" idx="12"/>
+          </p:nvPr>
+        </p:nvSpPr>
+        <p:spPr/>
+        <p:txBody>
+          <a:bodyPr/>
+          <a:lstStyle/>
+          <a:p>
+            <a:fld id="{1B67AEDF-9D2A-44BC-82ED-191619495E37}" type="slidenum">
+              <a:rPr lang="de-DE" smtClean="0"/>
+              <a:t>12</a:t>
+            </a:fld>
+            <a:endParaRPr lang="de-DE"/>
+          </a:p>
+        </p:txBody>
+      </p:sp>
     </p:spTree>
     <p:extLst>
       <p:ext uri="{BB962C8B-B14F-4D97-AF65-F5344CB8AC3E}">
@@ -4731,6 +5171,35 @@
           </a:prstGeom>
         </p:spPr>
       </p:pic>
+      <p:sp>
+        <p:nvSpPr>
+          <p:cNvPr id="4" name="Foliennummernplatzhalter 3">
+            <a:extLst>
+              <a:ext uri="{FF2B5EF4-FFF2-40B4-BE49-F238E27FC236}">
+                <a16:creationId xmlns:a16="http://schemas.microsoft.com/office/drawing/2014/main" id="{2BA79C14-191E-4C3B-A02D-E5635562F667}"/>
+              </a:ext>
+            </a:extLst>
+          </p:cNvPr>
+          <p:cNvSpPr>
+            <a:spLocks noGrp="1"/>
+          </p:cNvSpPr>
+          <p:nvPr>
+            <p:ph type="sldNum" sz="quarter" idx="12"/>
+          </p:nvPr>
+        </p:nvSpPr>
+        <p:spPr/>
+        <p:txBody>
+          <a:bodyPr/>
+          <a:lstStyle/>
+          <a:p>
+            <a:fld id="{1B67AEDF-9D2A-44BC-82ED-191619495E37}" type="slidenum">
+              <a:rPr lang="de-DE" smtClean="0"/>
+              <a:t>13</a:t>
+            </a:fld>
+            <a:endParaRPr lang="de-DE"/>
+          </a:p>
+        </p:txBody>
+      </p:sp>
     </p:spTree>
     <p:extLst>
       <p:ext uri="{BB962C8B-B14F-4D97-AF65-F5344CB8AC3E}">
@@ -4778,13 +5247,13 @@
           <a:p>
             <a:r>
               <a:rPr lang="de-DE" dirty="0"/>
-              <a:t>Bestimmung Spektrallinien</a:t>
-            </a:r>
-          </a:p>
-        </p:txBody>
-      </p:sp>
-      <mc:AlternateContent xmlns:mc="http://schemas.openxmlformats.org/markup-compatibility/2006" xmlns:a14="http://schemas.microsoft.com/office/drawing/2010/main">
-        <mc:Choice Requires="a14">
+              <a:t>Bestimmung Spektrallinie</a:t>
+            </a:r>
+          </a:p>
+        </p:txBody>
+      </p:sp>
+      <mc:AlternateContent xmlns:mc="http://schemas.openxmlformats.org/markup-compatibility/2006">
+        <mc:Choice xmlns:a14="http://schemas.microsoft.com/office/drawing/2010/main" Requires="a14">
           <p:sp>
             <p:nvSpPr>
               <p:cNvPr id="3" name="Inhaltsplatzhalter 2"/>
@@ -4797,28 +5266,128 @@
             </p:nvSpPr>
             <p:spPr>
               <a:xfrm>
-                <a:off x="1257004" y="2238976"/>
-                <a:ext cx="4687957" cy="771801"/>
+                <a:off x="838200" y="2107096"/>
+                <a:ext cx="5377070" cy="1542137"/>
               </a:xfrm>
             </p:spPr>
             <p:txBody>
-              <a:bodyPr/>
+              <a:bodyPr>
+                <a:normAutofit/>
+              </a:bodyPr>
               <a:lstStyle/>
               <a:p>
                 <a:r>
-                  <a:rPr lang="de-DE" dirty="0"/>
-                  <a:t>d sin </a:t>
+                  <a:rPr lang="de-DE" b="0" i="0" dirty="0" err="1">
+                    <a:latin typeface="Cambria Math" panose="02040503050406030204" pitchFamily="18" charset="0"/>
+                  </a:rPr>
+                  <a:t>HgCd</a:t>
                 </a:r>
+                <a:r>
+                  <a:rPr lang="de-DE" dirty="0">
+                    <a:latin typeface="Cambria Math" panose="02040503050406030204" pitchFamily="18" charset="0"/>
+                  </a:rPr>
+                  <a:t>-Lampe</a:t>
+                </a:r>
+                <a:endParaRPr lang="de-DE" b="0" i="0" dirty="0">
+                  <a:latin typeface="Cambria Math" panose="02040503050406030204" pitchFamily="18" charset="0"/>
+                </a:endParaRPr>
+              </a:p>
+              <a:p>
                 <a14:m>
                   <m:oMath xmlns:m="http://schemas.openxmlformats.org/officeDocument/2006/math">
                     <m:r>
                       <m:rPr>
                         <m:sty m:val="p"/>
                       </m:rPr>
+                      <a:rPr lang="de-DE" b="0" i="0" smtClean="0">
+                        <a:latin typeface="Cambria Math" panose="02040503050406030204" pitchFamily="18" charset="0"/>
+                      </a:rPr>
+                      <m:t>d</m:t>
+                    </m:r>
+                    <m:r>
+                      <a:rPr lang="de-DE" b="0" i="0" smtClean="0">
+                        <a:latin typeface="Cambria Math" panose="02040503050406030204" pitchFamily="18" charset="0"/>
+                      </a:rPr>
+                      <m:t> (</m:t>
+                    </m:r>
+                    <m:r>
+                      <m:rPr>
+                        <m:sty m:val="p"/>
+                      </m:rPr>
+                      <a:rPr lang="de-DE" b="0" i="0" smtClean="0">
+                        <a:latin typeface="Cambria Math" panose="02040503050406030204" pitchFamily="18" charset="0"/>
+                      </a:rPr>
+                      <m:t>sin</m:t>
+                    </m:r>
+                    <m:d>
+                      <m:dPr>
+                        <m:ctrlPr>
+                          <a:rPr lang="de-DE" b="0" i="0" smtClean="0">
+                            <a:latin typeface="Cambria Math" panose="02040503050406030204" pitchFamily="18" charset="0"/>
+                          </a:rPr>
+                        </m:ctrlPr>
+                      </m:dPr>
+                      <m:e>
+                        <m:r>
+                          <a:rPr lang="de-DE" b="0" i="1" smtClean="0">
+                            <a:latin typeface="Cambria Math" panose="02040503050406030204" pitchFamily="18" charset="0"/>
+                          </a:rPr>
+                          <m:t>𝜑</m:t>
+                        </m:r>
+                      </m:e>
+                    </m:d>
+                    <m:r>
                       <a:rPr lang="de-DE" b="0" i="1" smtClean="0">
                         <a:latin typeface="Cambria Math" panose="02040503050406030204" pitchFamily="18" charset="0"/>
                       </a:rPr>
-                      <m:t>θ</m:t>
+                      <m:t>+</m:t>
+                    </m:r>
+                    <m:r>
+                      <m:rPr>
+                        <m:sty m:val="p"/>
+                      </m:rPr>
+                      <a:rPr lang="de-DE" b="0" i="0" smtClean="0">
+                        <a:latin typeface="Cambria Math" panose="02040503050406030204" pitchFamily="18" charset="0"/>
+                      </a:rPr>
+                      <m:t>sin</m:t>
+                    </m:r>
+                    <m:d>
+                      <m:dPr>
+                        <m:ctrlPr>
+                          <a:rPr lang="de-DE" b="0" i="0" smtClean="0">
+                            <a:latin typeface="Cambria Math" panose="02040503050406030204" pitchFamily="18" charset="0"/>
+                          </a:rPr>
+                        </m:ctrlPr>
+                      </m:dPr>
+                      <m:e>
+                        <m:r>
+                          <m:rPr>
+                            <m:sty m:val="p"/>
+                          </m:rPr>
+                          <a:rPr lang="de-DE" b="0" i="1" smtClean="0">
+                            <a:latin typeface="Cambria Math" panose="02040503050406030204" pitchFamily="18" charset="0"/>
+                          </a:rPr>
+                          <m:t>θ</m:t>
+                        </m:r>
+                        <m:r>
+                          <a:rPr lang="de-DE" b="0" i="1" smtClean="0">
+                            <a:latin typeface="Cambria Math" panose="02040503050406030204" pitchFamily="18" charset="0"/>
+                          </a:rPr>
+                          <m:t>−</m:t>
+                        </m:r>
+                        <m:r>
+                          <a:rPr lang="de-DE" b="0" i="1" smtClean="0">
+                            <a:latin typeface="Cambria Math" panose="02040503050406030204" pitchFamily="18" charset="0"/>
+                          </a:rPr>
+                          <m:t>𝜑</m:t>
+                        </m:r>
+                      </m:e>
+                    </m:d>
+                    <m:r>
+                      <a:rPr lang="de-DE" b="0" i="1" smtClean="0">
+                        <a:latin typeface="Cambria Math" panose="02040503050406030204" pitchFamily="18" charset="0"/>
+                      </a:rPr>
+                      <m:t>)</m:t>
                     </m:r>
                     <m:r>
                       <a:rPr lang="de-DE" b="0" i="1" smtClean="0">
@@ -4852,6 +5421,22 @@
                 <a:endParaRPr lang="de-DE" b="0" dirty="0"/>
               </a:p>
               <a:p>
+                <a14:m>
+                  <m:oMath xmlns:m="http://schemas.openxmlformats.org/officeDocument/2006/math">
+                    <m:r>
+                      <a:rPr lang="de-DE" b="0" i="1" smtClean="0">
+                        <a:latin typeface="Cambria Math" panose="02040503050406030204" pitchFamily="18" charset="0"/>
+                      </a:rPr>
+                      <m:t>𝜑</m:t>
+                    </m:r>
+                    <m:r>
+                      <a:rPr lang="de-DE" b="0" i="1" smtClean="0">
+                        <a:latin typeface="Cambria Math" panose="02040503050406030204" pitchFamily="18" charset="0"/>
+                      </a:rPr>
+                      <m:t>≈1°</m:t>
+                    </m:r>
+                  </m:oMath>
+                </a14:m>
                 <a:endParaRPr lang="de-DE" b="0" dirty="0"/>
               </a:p>
               <a:p>
@@ -4860,7 +5445,7 @@
             </p:txBody>
           </p:sp>
         </mc:Choice>
-        <mc:Fallback xmlns="">
+        <mc:Fallback>
           <p:sp>
             <p:nvSpPr>
               <p:cNvPr id="3" name="Inhaltsplatzhalter 2"/>
@@ -4873,13 +5458,13 @@
             </p:nvSpPr>
             <p:spPr>
               <a:xfrm>
-                <a:off x="1257004" y="2238976"/>
-                <a:ext cx="4687957" cy="771801"/>
+                <a:off x="838200" y="2107096"/>
+                <a:ext cx="5377070" cy="1542137"/>
               </a:xfrm>
               <a:blipFill>
                 <a:blip r:embed="rId2"/>
                 <a:stretch>
-                  <a:fillRect l="-2341" t="-12598"/>
+                  <a:fillRect l="-2041" t="-7115"/>
                 </a:stretch>
               </a:blipFill>
             </p:spPr>
@@ -4958,6 +5543,35 @@
           </a:prstGeom>
         </p:spPr>
       </p:pic>
+      <p:sp>
+        <p:nvSpPr>
+          <p:cNvPr id="5" name="Foliennummernplatzhalter 4">
+            <a:extLst>
+              <a:ext uri="{FF2B5EF4-FFF2-40B4-BE49-F238E27FC236}">
+                <a16:creationId xmlns:a16="http://schemas.microsoft.com/office/drawing/2014/main" id="{CBEE3CDA-8571-4764-9B64-34210BBE4FDF}"/>
+              </a:ext>
+            </a:extLst>
+          </p:cNvPr>
+          <p:cNvSpPr>
+            <a:spLocks noGrp="1"/>
+          </p:cNvSpPr>
+          <p:nvPr>
+            <p:ph type="sldNum" sz="quarter" idx="12"/>
+          </p:nvPr>
+        </p:nvSpPr>
+        <p:spPr/>
+        <p:txBody>
+          <a:bodyPr/>
+          <a:lstStyle/>
+          <a:p>
+            <a:fld id="{1B67AEDF-9D2A-44BC-82ED-191619495E37}" type="slidenum">
+              <a:rPr lang="de-DE" smtClean="0"/>
+              <a:t>14</a:t>
+            </a:fld>
+            <a:endParaRPr lang="de-DE"/>
+          </a:p>
+        </p:txBody>
+      </p:sp>
     </p:spTree>
     <p:extLst>
       <p:ext uri="{BB962C8B-B14F-4D97-AF65-F5344CB8AC3E}">
@@ -5195,6 +5809,35 @@
           </a:prstGeom>
         </p:spPr>
       </p:pic>
+      <p:sp>
+        <p:nvSpPr>
+          <p:cNvPr id="3" name="Foliennummernplatzhalter 2">
+            <a:extLst>
+              <a:ext uri="{FF2B5EF4-FFF2-40B4-BE49-F238E27FC236}">
+                <a16:creationId xmlns:a16="http://schemas.microsoft.com/office/drawing/2014/main" id="{B21C2D6C-102F-443B-ADBD-192486B0EBFF}"/>
+              </a:ext>
+            </a:extLst>
+          </p:cNvPr>
+          <p:cNvSpPr>
+            <a:spLocks noGrp="1"/>
+          </p:cNvSpPr>
+          <p:nvPr>
+            <p:ph type="sldNum" sz="quarter" idx="12"/>
+          </p:nvPr>
+        </p:nvSpPr>
+        <p:spPr/>
+        <p:txBody>
+          <a:bodyPr/>
+          <a:lstStyle/>
+          <a:p>
+            <a:fld id="{1B67AEDF-9D2A-44BC-82ED-191619495E37}" type="slidenum">
+              <a:rPr lang="de-DE" smtClean="0"/>
+              <a:t>15</a:t>
+            </a:fld>
+            <a:endParaRPr lang="de-DE"/>
+          </a:p>
+        </p:txBody>
+      </p:sp>
     </p:spTree>
     <p:extLst>
       <p:ext uri="{BB962C8B-B14F-4D97-AF65-F5344CB8AC3E}">
@@ -5259,10 +5902,85 @@
         </p:nvSpPr>
         <p:spPr/>
         <p:txBody>
+          <a:bodyPr>
+            <a:normAutofit lnSpcReduction="10000"/>
+          </a:bodyPr>
+          <a:lstStyle/>
+          <a:p>
+            <a:r>
+              <a:rPr lang="de-DE" dirty="0"/>
+              <a:t>Anpassung an die Dispersionskurve gelungen</a:t>
+            </a:r>
+          </a:p>
+          <a:p>
+            <a:r>
+              <a:rPr lang="de-DE" dirty="0"/>
+              <a:t>Spektrum der Zinklampe erfolgreich vermessen</a:t>
+            </a:r>
+          </a:p>
+          <a:p>
+            <a:endParaRPr lang="de-DE" dirty="0"/>
+          </a:p>
+          <a:p>
+            <a:r>
+              <a:rPr lang="de-DE" dirty="0"/>
+              <a:t>Gitterkonstante sehr genau bestimmt</a:t>
+            </a:r>
+          </a:p>
+          <a:p>
+            <a:r>
+              <a:rPr lang="de-DE" dirty="0"/>
+              <a:t>Spektrum </a:t>
+            </a:r>
+            <a:r>
+              <a:rPr lang="de-DE" dirty="0" err="1"/>
+              <a:t>HgCd</a:t>
+            </a:r>
+            <a:r>
+              <a:rPr lang="de-DE" dirty="0"/>
+              <a:t>-Lampe erfolgreich vermessen</a:t>
+            </a:r>
+          </a:p>
+          <a:p>
+            <a:endParaRPr lang="de-DE" dirty="0"/>
+          </a:p>
+          <a:p>
+            <a:endParaRPr lang="de-DE" dirty="0"/>
+          </a:p>
+          <a:p>
+            <a:r>
+              <a:rPr lang="de-DE" dirty="0"/>
+              <a:t>Abschätzung der Auflösung entspricht in beiden Versuchen den Erwartungen</a:t>
+            </a:r>
+          </a:p>
+        </p:txBody>
+      </p:sp>
+      <p:sp>
+        <p:nvSpPr>
+          <p:cNvPr id="4" name="Foliennummernplatzhalter 3">
+            <a:extLst>
+              <a:ext uri="{FF2B5EF4-FFF2-40B4-BE49-F238E27FC236}">
+                <a16:creationId xmlns:a16="http://schemas.microsoft.com/office/drawing/2014/main" id="{65882608-A042-481C-9058-3964EA056083}"/>
+              </a:ext>
+            </a:extLst>
+          </p:cNvPr>
+          <p:cNvSpPr>
+            <a:spLocks noGrp="1"/>
+          </p:cNvSpPr>
+          <p:nvPr>
+            <p:ph type="sldNum" sz="quarter" idx="12"/>
+          </p:nvPr>
+        </p:nvSpPr>
+        <p:spPr/>
+        <p:txBody>
           <a:bodyPr/>
           <a:lstStyle/>
           <a:p>
-            <a:endParaRPr lang="de-DE" dirty="0"/>
+            <a:fld id="{1B67AEDF-9D2A-44BC-82ED-191619495E37}" type="slidenum">
+              <a:rPr lang="de-DE" smtClean="0"/>
+              <a:t>16</a:t>
+            </a:fld>
+            <a:endParaRPr lang="de-DE"/>
           </a:p>
         </p:txBody>
       </p:sp>
@@ -5426,6 +6144,35 @@
           </a:p>
         </p:txBody>
       </p:sp>
+      <p:sp>
+        <p:nvSpPr>
+          <p:cNvPr id="4" name="Foliennummernplatzhalter 3">
+            <a:extLst>
+              <a:ext uri="{FF2B5EF4-FFF2-40B4-BE49-F238E27FC236}">
+                <a16:creationId xmlns:a16="http://schemas.microsoft.com/office/drawing/2014/main" id="{885BDCD4-32C4-469C-82FC-638B96CF421F}"/>
+              </a:ext>
+            </a:extLst>
+          </p:cNvPr>
+          <p:cNvSpPr>
+            <a:spLocks noGrp="1"/>
+          </p:cNvSpPr>
+          <p:nvPr>
+            <p:ph type="sldNum" sz="quarter" idx="12"/>
+          </p:nvPr>
+        </p:nvSpPr>
+        <p:spPr/>
+        <p:txBody>
+          <a:bodyPr/>
+          <a:lstStyle/>
+          <a:p>
+            <a:fld id="{1B67AEDF-9D2A-44BC-82ED-191619495E37}" type="slidenum">
+              <a:rPr lang="de-DE" smtClean="0"/>
+              <a:t>2</a:t>
+            </a:fld>
+            <a:endParaRPr lang="de-DE"/>
+          </a:p>
+        </p:txBody>
+      </p:sp>
     </p:spTree>
     <p:extLst>
       <p:ext uri="{BB962C8B-B14F-4D97-AF65-F5344CB8AC3E}">
@@ -5472,19 +6219,14 @@
             <p:ph type="title"/>
           </p:nvPr>
         </p:nvSpPr>
-        <p:spPr>
-          <a:xfrm>
-            <a:off x="838200" y="365125"/>
-            <a:ext cx="10515600" cy="1325563"/>
-          </a:xfrm>
-        </p:spPr>
+        <p:spPr/>
         <p:txBody>
           <a:bodyPr/>
           <a:lstStyle/>
           <a:p>
             <a:r>
               <a:rPr lang="de-DE" dirty="0"/>
-              <a:t>Aufbau</a:t>
+              <a:t>Aufbau und Durchführung</a:t>
             </a:r>
           </a:p>
         </p:txBody>
@@ -5502,7 +6244,7 @@
             <a:picLocks noGrp="1" noChangeAspect="1"/>
           </p:cNvPicPr>
           <p:nvPr>
-            <p:ph idx="1"/>
+            <p:ph sz="half" idx="1"/>
           </p:nvPr>
         </p:nvPicPr>
         <p:blipFill>
@@ -5519,11 +6261,91 @@
         </p:blipFill>
         <p:spPr>
           <a:xfrm rot="5400000">
-            <a:off x="3759877" y="-95552"/>
-            <a:ext cx="5340629" cy="7587545"/>
+            <a:off x="7064964" y="975971"/>
+            <a:ext cx="3690443" cy="5780772"/>
           </a:xfrm>
         </p:spPr>
       </p:pic>
+      <p:sp>
+        <p:nvSpPr>
+          <p:cNvPr id="3" name="Inhaltsplatzhalter 2">
+            <a:extLst>
+              <a:ext uri="{FF2B5EF4-FFF2-40B4-BE49-F238E27FC236}">
+                <a16:creationId xmlns:a16="http://schemas.microsoft.com/office/drawing/2014/main" id="{115586E0-C368-4812-8C2D-B4505F12C0BA}"/>
+              </a:ext>
+            </a:extLst>
+          </p:cNvPr>
+          <p:cNvSpPr>
+            <a:spLocks noGrp="1"/>
+          </p:cNvSpPr>
+          <p:nvPr>
+            <p:ph sz="half" idx="2"/>
+          </p:nvPr>
+        </p:nvSpPr>
+        <p:spPr>
+          <a:xfrm>
+            <a:off x="838200" y="1690688"/>
+            <a:ext cx="5181600" cy="4351338"/>
+          </a:xfrm>
+        </p:spPr>
+        <p:txBody>
+          <a:bodyPr/>
+          <a:lstStyle/>
+          <a:p>
+            <a:r>
+              <a:rPr lang="de-DE" dirty="0"/>
+              <a:t>Prisma: Messung der Minimalablenkung</a:t>
+            </a:r>
+          </a:p>
+          <a:p>
+            <a:endParaRPr lang="de-DE" dirty="0"/>
+          </a:p>
+          <a:p>
+            <a:r>
+              <a:rPr lang="de-DE" dirty="0"/>
+              <a:t>Gitter: Messung der Beugungswinkel</a:t>
+            </a:r>
+          </a:p>
+          <a:p>
+            <a:endParaRPr lang="de-DE" dirty="0"/>
+          </a:p>
+          <a:p>
+            <a:r>
+              <a:rPr lang="de-DE" dirty="0"/>
+              <a:t>Auflösungsvermögen: Variation der beleuchten Fläche</a:t>
+            </a:r>
+          </a:p>
+        </p:txBody>
+      </p:sp>
+      <p:sp>
+        <p:nvSpPr>
+          <p:cNvPr id="4" name="Foliennummernplatzhalter 3">
+            <a:extLst>
+              <a:ext uri="{FF2B5EF4-FFF2-40B4-BE49-F238E27FC236}">
+                <a16:creationId xmlns:a16="http://schemas.microsoft.com/office/drawing/2014/main" id="{1416B571-BA09-427A-9C3B-5410457DE9FF}"/>
+              </a:ext>
+            </a:extLst>
+          </p:cNvPr>
+          <p:cNvSpPr>
+            <a:spLocks noGrp="1"/>
+          </p:cNvSpPr>
+          <p:nvPr>
+            <p:ph type="sldNum" sz="quarter" idx="12"/>
+          </p:nvPr>
+        </p:nvSpPr>
+        <p:spPr/>
+        <p:txBody>
+          <a:bodyPr/>
+          <a:lstStyle/>
+          <a:p>
+            <a:fld id="{1B67AEDF-9D2A-44BC-82ED-191619495E37}" type="slidenum">
+              <a:rPr lang="de-DE" smtClean="0"/>
+              <a:t>3</a:t>
+            </a:fld>
+            <a:endParaRPr lang="de-DE"/>
+          </a:p>
+        </p:txBody>
+      </p:sp>
     </p:spTree>
     <p:extLst>
       <p:ext uri="{BB962C8B-B14F-4D97-AF65-F5344CB8AC3E}">
@@ -5603,7 +6425,7 @@
             <p:spPr/>
             <p:txBody>
               <a:bodyPr>
-                <a:normAutofit fontScale="92500"/>
+                <a:normAutofit/>
               </a:bodyPr>
               <a:lstStyle/>
               <a:p>
@@ -5784,9 +6606,9 @@
                 <a:endParaRPr lang="de-DE" dirty="0"/>
               </a:p>
               <a:p>
-                <a:endParaRPr lang="de-DE" dirty="0"/>
-              </a:p>
-              <a:p>
+                <a:pPr marL="0" indent="0">
+                  <a:buNone/>
+                </a:pPr>
                 <a:endParaRPr lang="de-DE" dirty="0"/>
               </a:p>
               <a:p>
@@ -6022,7 +6844,7 @@
               <a:blipFill>
                 <a:blip r:embed="rId2"/>
                 <a:stretch>
-                  <a:fillRect l="-1882" t="-2101"/>
+                  <a:fillRect l="-2118" t="-2241"/>
                 </a:stretch>
               </a:blipFill>
             </p:spPr>
@@ -6076,6 +6898,35 @@
           </a:xfrm>
         </p:spPr>
       </p:pic>
+      <p:sp>
+        <p:nvSpPr>
+          <p:cNvPr id="3" name="Foliennummernplatzhalter 2">
+            <a:extLst>
+              <a:ext uri="{FF2B5EF4-FFF2-40B4-BE49-F238E27FC236}">
+                <a16:creationId xmlns:a16="http://schemas.microsoft.com/office/drawing/2014/main" id="{51962E2A-38FD-4688-ABB3-C08C5C28BFEF}"/>
+              </a:ext>
+            </a:extLst>
+          </p:cNvPr>
+          <p:cNvSpPr>
+            <a:spLocks noGrp="1"/>
+          </p:cNvSpPr>
+          <p:nvPr>
+            <p:ph type="sldNum" sz="quarter" idx="12"/>
+          </p:nvPr>
+        </p:nvSpPr>
+        <p:spPr/>
+        <p:txBody>
+          <a:bodyPr/>
+          <a:lstStyle/>
+          <a:p>
+            <a:fld id="{1B67AEDF-9D2A-44BC-82ED-191619495E37}" type="slidenum">
+              <a:rPr lang="de-DE" smtClean="0"/>
+              <a:t>4</a:t>
+            </a:fld>
+            <a:endParaRPr lang="de-DE"/>
+          </a:p>
+        </p:txBody>
+      </p:sp>
     </p:spTree>
     <p:extLst>
       <p:ext uri="{BB962C8B-B14F-4D97-AF65-F5344CB8AC3E}">
@@ -6106,36 +6957,6 @@
           <a:chExt cx="0" cy="0"/>
         </a:xfrm>
       </p:grpSpPr>
-      <p:pic>
-        <p:nvPicPr>
-          <p:cNvPr id="12" name="Inhaltsplatzhalter 4"/>
-          <p:cNvPicPr>
-            <a:picLocks noChangeAspect="1"/>
-          </p:cNvPicPr>
-          <p:nvPr/>
-        </p:nvPicPr>
-        <p:blipFill rotWithShape="1">
-          <a:blip r:embed="rId2">
-            <a:extLst>
-              <a:ext uri="{28A0092B-C50C-407E-A947-70E740481C1C}">
-                <a14:useLocalDpi xmlns:a14="http://schemas.microsoft.com/office/drawing/2010/main" val="0"/>
-              </a:ext>
-            </a:extLst>
-          </a:blip>
-          <a:srcRect r="7313"/>
-          <a:stretch/>
-        </p:blipFill>
-        <p:spPr>
-          <a:xfrm>
-            <a:off x="3910818" y="472131"/>
-            <a:ext cx="7849773" cy="6330635"/>
-          </a:xfrm>
-          <a:prstGeom prst="rect">
-            <a:avLst/>
-          </a:prstGeom>
-          <a:effectLst/>
-        </p:spPr>
-      </p:pic>
       <p:sp>
         <p:nvSpPr>
           <p:cNvPr id="2" name="Titel 1">
@@ -6152,12 +6973,7 @@
             <p:ph type="title"/>
           </p:nvPr>
         </p:nvSpPr>
-        <p:spPr>
-          <a:xfrm>
-            <a:off x="648929" y="629266"/>
-            <a:ext cx="3667039" cy="1676603"/>
-          </a:xfrm>
-        </p:spPr>
+        <p:spPr/>
         <p:txBody>
           <a:bodyPr>
             <a:normAutofit/>
@@ -6173,10 +6989,10 @@
       </p:sp>
       <p:pic>
         <p:nvPicPr>
-          <p:cNvPr id="6" name="Inhaltsplatzhalter 5">
-            <a:extLst>
-              <a:ext uri="{FF2B5EF4-FFF2-40B4-BE49-F238E27FC236}">
-                <a16:creationId xmlns:a16="http://schemas.microsoft.com/office/drawing/2014/main" id="{F3C77282-B968-44ED-A83E-0CD2019C520B}"/>
+          <p:cNvPr id="7" name="Inhaltsplatzhalter 6">
+            <a:extLst>
+              <a:ext uri="{FF2B5EF4-FFF2-40B4-BE49-F238E27FC236}">
+                <a16:creationId xmlns:a16="http://schemas.microsoft.com/office/drawing/2014/main" id="{902AA936-6D61-4955-9CDA-ABBFF7E52B8E}"/>
               </a:ext>
             </a:extLst>
           </p:cNvPr>
@@ -6188,7 +7004,7 @@
           </p:nvPr>
         </p:nvPicPr>
         <p:blipFill>
-          <a:blip r:embed="rId3">
+          <a:blip r:embed="rId2">
             <a:extLst>
               <a:ext uri="{28A0092B-C50C-407E-A947-70E740481C1C}">
                 <a14:useLocalDpi xmlns:a14="http://schemas.microsoft.com/office/drawing/2010/main" val="0"/>
@@ -6201,11 +7017,40 @@
         </p:blipFill>
         <p:spPr>
           <a:xfrm>
-            <a:off x="2676939" y="1669773"/>
-            <a:ext cx="1046922" cy="4785293"/>
+            <a:off x="3182970" y="1825625"/>
+            <a:ext cx="5826059" cy="4351338"/>
           </a:xfrm>
         </p:spPr>
       </p:pic>
+      <p:sp>
+        <p:nvSpPr>
+          <p:cNvPr id="8" name="Foliennummernplatzhalter 7">
+            <a:extLst>
+              <a:ext uri="{FF2B5EF4-FFF2-40B4-BE49-F238E27FC236}">
+                <a16:creationId xmlns:a16="http://schemas.microsoft.com/office/drawing/2014/main" id="{576833C0-4EDB-4FA5-BFDB-B931DBC76353}"/>
+              </a:ext>
+            </a:extLst>
+          </p:cNvPr>
+          <p:cNvSpPr>
+            <a:spLocks noGrp="1"/>
+          </p:cNvSpPr>
+          <p:nvPr>
+            <p:ph type="sldNum" sz="quarter" idx="12"/>
+          </p:nvPr>
+        </p:nvSpPr>
+        <p:spPr/>
+        <p:txBody>
+          <a:bodyPr/>
+          <a:lstStyle/>
+          <a:p>
+            <a:fld id="{1B67AEDF-9D2A-44BC-82ED-191619495E37}" type="slidenum">
+              <a:rPr lang="de-DE" smtClean="0"/>
+              <a:t>5</a:t>
+            </a:fld>
+            <a:endParaRPr lang="de-DE"/>
+          </a:p>
+        </p:txBody>
+      </p:sp>
     </p:spTree>
     <p:extLst>
       <p:ext uri="{BB962C8B-B14F-4D97-AF65-F5344CB8AC3E}">
@@ -6294,17 +7139,17 @@
         </p:blipFill>
         <p:spPr>
           <a:xfrm>
-            <a:off x="5424537" y="1389031"/>
-            <a:ext cx="6159177" cy="4600135"/>
+            <a:off x="5424537" y="1566972"/>
+            <a:ext cx="6595185" cy="4925778"/>
           </a:xfrm>
         </p:spPr>
       </p:pic>
       <p:pic>
         <p:nvPicPr>
-          <p:cNvPr id="5" name="Inhaltsplatzhalter 4">
-            <a:extLst>
-              <a:ext uri="{FF2B5EF4-FFF2-40B4-BE49-F238E27FC236}">
-                <a16:creationId xmlns:a16="http://schemas.microsoft.com/office/drawing/2014/main" id="{8541AB8B-AE87-41B5-BCC9-636CF58B8C99}"/>
+          <p:cNvPr id="6" name="Inhaltsplatzhalter 5">
+            <a:extLst>
+              <a:ext uri="{FF2B5EF4-FFF2-40B4-BE49-F238E27FC236}">
+                <a16:creationId xmlns:a16="http://schemas.microsoft.com/office/drawing/2014/main" id="{4E38003E-A32C-4E3D-A0B2-4D3060289C0B}"/>
               </a:ext>
             </a:extLst>
           </p:cNvPr>
@@ -6329,11 +7174,222 @@
         </p:blipFill>
         <p:spPr>
           <a:xfrm>
-            <a:off x="294194" y="2714594"/>
-            <a:ext cx="5130343" cy="2384436"/>
+            <a:off x="345623" y="3135282"/>
+            <a:ext cx="5078914" cy="2626502"/>
           </a:xfrm>
         </p:spPr>
       </p:pic>
+      <p:sp>
+        <p:nvSpPr>
+          <p:cNvPr id="7" name="Foliennummernplatzhalter 6">
+            <a:extLst>
+              <a:ext uri="{FF2B5EF4-FFF2-40B4-BE49-F238E27FC236}">
+                <a16:creationId xmlns:a16="http://schemas.microsoft.com/office/drawing/2014/main" id="{13B69A16-FB38-4CCA-BA0D-3D00C06263B6}"/>
+              </a:ext>
+            </a:extLst>
+          </p:cNvPr>
+          <p:cNvSpPr>
+            <a:spLocks noGrp="1"/>
+          </p:cNvSpPr>
+          <p:nvPr>
+            <p:ph type="sldNum" sz="quarter" idx="12"/>
+          </p:nvPr>
+        </p:nvSpPr>
+        <p:spPr/>
+        <p:txBody>
+          <a:bodyPr/>
+          <a:lstStyle/>
+          <a:p>
+            <a:fld id="{1B67AEDF-9D2A-44BC-82ED-191619495E37}" type="slidenum">
+              <a:rPr lang="de-DE" smtClean="0"/>
+              <a:t>6</a:t>
+            </a:fld>
+            <a:endParaRPr lang="de-DE"/>
+          </a:p>
+        </p:txBody>
+      </p:sp>
+      <mc:AlternateContent xmlns:mc="http://schemas.openxmlformats.org/markup-compatibility/2006">
+        <mc:Choice xmlns:a14="http://schemas.microsoft.com/office/drawing/2010/main" Requires="a14">
+          <p:sp>
+            <p:nvSpPr>
+              <p:cNvPr id="8" name="Textfeld 7">
+                <a:extLst>
+                  <a:ext uri="{FF2B5EF4-FFF2-40B4-BE49-F238E27FC236}">
+                    <a16:creationId xmlns:a16="http://schemas.microsoft.com/office/drawing/2014/main" id="{06F520DB-3E93-4D19-A92F-7C6D34B7EA45}"/>
+                  </a:ext>
+                </a:extLst>
+              </p:cNvPr>
+              <p:cNvSpPr txBox="1"/>
+              <p:nvPr/>
+            </p:nvSpPr>
+            <p:spPr>
+              <a:xfrm>
+                <a:off x="345623" y="1911874"/>
+                <a:ext cx="5078914" cy="492443"/>
+              </a:xfrm>
+              <a:prstGeom prst="rect">
+                <a:avLst/>
+              </a:prstGeom>
+              <a:noFill/>
+            </p:spPr>
+            <p:txBody>
+              <a:bodyPr wrap="square" lIns="0" tIns="0" rIns="0" bIns="0" rtlCol="0">
+                <a:spAutoFit/>
+              </a:bodyPr>
+              <a:lstStyle/>
+              <a:p>
+                <a14:m>
+                  <m:oMathPara xmlns:m="http://schemas.openxmlformats.org/officeDocument/2006/math">
+                    <m:oMathParaPr>
+                      <m:jc m:val="centerGroup"/>
+                    </m:oMathParaPr>
+                    <m:oMath xmlns:m="http://schemas.openxmlformats.org/officeDocument/2006/math">
+                      <m:r>
+                        <a:rPr lang="de-DE" sz="3200" b="0" i="1" smtClean="0">
+                          <a:latin typeface="Cambria Math" panose="02040503050406030204" pitchFamily="18" charset="0"/>
+                        </a:rPr>
+                        <m:t>2</m:t>
+                      </m:r>
+                      <m:sSub>
+                        <m:sSubPr>
+                          <m:ctrlPr>
+                            <a:rPr lang="de-DE" sz="3200" b="0" i="1" smtClean="0">
+                              <a:latin typeface="Cambria Math" panose="02040503050406030204" pitchFamily="18" charset="0"/>
+                            </a:rPr>
+                          </m:ctrlPr>
+                        </m:sSubPr>
+                        <m:e>
+                          <m:r>
+                            <a:rPr lang="de-DE" sz="3200" b="0" i="1" smtClean="0">
+                              <a:latin typeface="Cambria Math" panose="02040503050406030204" pitchFamily="18" charset="0"/>
+                            </a:rPr>
+                            <m:t>𝛿</m:t>
+                          </m:r>
+                        </m:e>
+                        <m:sub>
+                          <m:r>
+                            <a:rPr lang="de-DE" sz="3200" b="0" i="1" smtClean="0">
+                              <a:latin typeface="Cambria Math" panose="02040503050406030204" pitchFamily="18" charset="0"/>
+                            </a:rPr>
+                            <m:t>𝑚𝑖𝑛</m:t>
+                          </m:r>
+                        </m:sub>
+                      </m:sSub>
+                      <m:r>
+                        <a:rPr lang="de-DE" sz="3200" b="0" i="1" smtClean="0">
+                          <a:latin typeface="Cambria Math" panose="02040503050406030204" pitchFamily="18" charset="0"/>
+                        </a:rPr>
+                        <m:t>=</m:t>
+                      </m:r>
+                      <m:sSub>
+                        <m:sSubPr>
+                          <m:ctrlPr>
+                            <a:rPr lang="de-DE" sz="3200" b="0" i="1" smtClean="0">
+                              <a:latin typeface="Cambria Math" panose="02040503050406030204" pitchFamily="18" charset="0"/>
+                            </a:rPr>
+                          </m:ctrlPr>
+                        </m:sSubPr>
+                        <m:e>
+                          <m:r>
+                            <a:rPr lang="de-DE" sz="3200" b="0" i="1" smtClean="0">
+                              <a:latin typeface="Cambria Math" panose="02040503050406030204" pitchFamily="18" charset="0"/>
+                            </a:rPr>
+                            <m:t>𝜓</m:t>
+                          </m:r>
+                        </m:e>
+                        <m:sub>
+                          <m:r>
+                            <a:rPr lang="de-DE" sz="3200" b="0" i="1" smtClean="0">
+                              <a:latin typeface="Cambria Math" panose="02040503050406030204" pitchFamily="18" charset="0"/>
+                            </a:rPr>
+                            <m:t>2</m:t>
+                          </m:r>
+                        </m:sub>
+                      </m:sSub>
+                      <m:r>
+                        <a:rPr lang="de-DE" sz="3200" b="0" i="1" smtClean="0">
+                          <a:latin typeface="Cambria Math" panose="02040503050406030204" pitchFamily="18" charset="0"/>
+                        </a:rPr>
+                        <m:t>−</m:t>
+                      </m:r>
+                      <m:sSub>
+                        <m:sSubPr>
+                          <m:ctrlPr>
+                            <a:rPr lang="de-DE" sz="3200" b="0" i="1" smtClean="0">
+                              <a:latin typeface="Cambria Math" panose="02040503050406030204" pitchFamily="18" charset="0"/>
+                            </a:rPr>
+                          </m:ctrlPr>
+                        </m:sSubPr>
+                        <m:e>
+                          <m:r>
+                            <a:rPr lang="de-DE" sz="3200" b="0" i="1" smtClean="0">
+                              <a:latin typeface="Cambria Math" panose="02040503050406030204" pitchFamily="18" charset="0"/>
+                            </a:rPr>
+                            <m:t>𝜓</m:t>
+                          </m:r>
+                        </m:e>
+                        <m:sub>
+                          <m:r>
+                            <a:rPr lang="de-DE" sz="3200" b="0" i="1" smtClean="0">
+                              <a:latin typeface="Cambria Math" panose="02040503050406030204" pitchFamily="18" charset="0"/>
+                            </a:rPr>
+                            <m:t>1</m:t>
+                          </m:r>
+                        </m:sub>
+                      </m:sSub>
+                    </m:oMath>
+                  </m:oMathPara>
+                </a14:m>
+                <a:endParaRPr lang="de-DE" sz="3200" dirty="0"/>
+              </a:p>
+            </p:txBody>
+          </p:sp>
+        </mc:Choice>
+        <mc:Fallback>
+          <p:sp>
+            <p:nvSpPr>
+              <p:cNvPr id="8" name="Textfeld 7">
+                <a:extLst>
+                  <a:ext uri="{FF2B5EF4-FFF2-40B4-BE49-F238E27FC236}">
+                    <a16:creationId xmlns:a16="http://schemas.microsoft.com/office/drawing/2014/main" id="{06F520DB-3E93-4D19-A92F-7C6D34B7EA45}"/>
+                  </a:ext>
+                </a:extLst>
+              </p:cNvPr>
+              <p:cNvSpPr txBox="1">
+                <a:spLocks noRot="1" noChangeAspect="1" noMove="1" noResize="1" noEditPoints="1" noAdjustHandles="1" noChangeArrowheads="1" noChangeShapeType="1" noTextEdit="1"/>
+              </p:cNvSpPr>
+              <p:nvPr/>
+            </p:nvSpPr>
+            <p:spPr>
+              <a:xfrm>
+                <a:off x="345623" y="1911874"/>
+                <a:ext cx="5078914" cy="492443"/>
+              </a:xfrm>
+              <a:prstGeom prst="rect">
+                <a:avLst/>
+              </a:prstGeom>
+              <a:blipFill>
+                <a:blip r:embed="rId4"/>
+                <a:stretch>
+                  <a:fillRect/>
+                </a:stretch>
+              </a:blipFill>
+            </p:spPr>
+            <p:txBody>
+              <a:bodyPr/>
+              <a:lstStyle/>
+              <a:p>
+                <a:r>
+                  <a:rPr lang="de-DE">
+                    <a:noFill/>
+                  </a:rPr>
+                  <a:t> </a:t>
+                </a:r>
+              </a:p>
+            </p:txBody>
+          </p:sp>
+        </mc:Fallback>
+      </mc:AlternateContent>
     </p:spTree>
     <p:extLst>
       <p:ext uri="{BB962C8B-B14F-4D97-AF65-F5344CB8AC3E}">
@@ -6638,6 +7694,35 @@
           </a:xfrm>
         </p:spPr>
       </p:pic>
+      <p:sp>
+        <p:nvSpPr>
+          <p:cNvPr id="2" name="Foliennummernplatzhalter 1">
+            <a:extLst>
+              <a:ext uri="{FF2B5EF4-FFF2-40B4-BE49-F238E27FC236}">
+                <a16:creationId xmlns:a16="http://schemas.microsoft.com/office/drawing/2014/main" id="{E083BE07-0466-46AE-B7EC-2DCF0425CAD2}"/>
+              </a:ext>
+            </a:extLst>
+          </p:cNvPr>
+          <p:cNvSpPr>
+            <a:spLocks noGrp="1"/>
+          </p:cNvSpPr>
+          <p:nvPr>
+            <p:ph type="sldNum" sz="quarter" idx="12"/>
+          </p:nvPr>
+        </p:nvSpPr>
+        <p:spPr/>
+        <p:txBody>
+          <a:bodyPr/>
+          <a:lstStyle/>
+          <a:p>
+            <a:fld id="{1B67AEDF-9D2A-44BC-82ED-191619495E37}" type="slidenum">
+              <a:rPr lang="de-DE" smtClean="0"/>
+              <a:t>7</a:t>
+            </a:fld>
+            <a:endParaRPr lang="de-DE"/>
+          </a:p>
+        </p:txBody>
+      </p:sp>
     </p:spTree>
     <p:extLst>
       <p:ext uri="{BB962C8B-B14F-4D97-AF65-F5344CB8AC3E}">
@@ -6962,6 +8047,35 @@
           </a:prstGeom>
         </p:spPr>
       </p:pic>
+      <p:sp>
+        <p:nvSpPr>
+          <p:cNvPr id="4" name="Foliennummernplatzhalter 3">
+            <a:extLst>
+              <a:ext uri="{FF2B5EF4-FFF2-40B4-BE49-F238E27FC236}">
+                <a16:creationId xmlns:a16="http://schemas.microsoft.com/office/drawing/2014/main" id="{4D48C45F-797A-4DD8-ADC9-0B0D0329C1B9}"/>
+              </a:ext>
+            </a:extLst>
+          </p:cNvPr>
+          <p:cNvSpPr>
+            <a:spLocks noGrp="1"/>
+          </p:cNvSpPr>
+          <p:nvPr>
+            <p:ph type="sldNum" sz="quarter" idx="12"/>
+          </p:nvPr>
+        </p:nvSpPr>
+        <p:spPr/>
+        <p:txBody>
+          <a:bodyPr/>
+          <a:lstStyle/>
+          <a:p>
+            <a:fld id="{1B67AEDF-9D2A-44BC-82ED-191619495E37}" type="slidenum">
+              <a:rPr lang="de-DE" smtClean="0"/>
+              <a:t>8</a:t>
+            </a:fld>
+            <a:endParaRPr lang="de-DE"/>
+          </a:p>
+        </p:txBody>
+      </p:sp>
     </p:spTree>
     <p:extLst>
       <p:ext uri="{BB962C8B-B14F-4D97-AF65-F5344CB8AC3E}">
@@ -7266,7 +8380,7 @@
               <a:p>
                 <a:r>
                   <a:rPr lang="de-DE" dirty="0"/>
-                  <a:t>Experimentelles Ergebnis:</a:t>
+                  <a:t>Experimentelles Ergebnis (a=1mm):</a:t>
                 </a:r>
               </a:p>
               <a:p>
@@ -7469,6 +8583,35 @@
           </p:sp>
         </mc:Fallback>
       </mc:AlternateContent>
+      <p:sp>
+        <p:nvSpPr>
+          <p:cNvPr id="3" name="Foliennummernplatzhalter 2">
+            <a:extLst>
+              <a:ext uri="{FF2B5EF4-FFF2-40B4-BE49-F238E27FC236}">
+                <a16:creationId xmlns:a16="http://schemas.microsoft.com/office/drawing/2014/main" id="{3A77624E-5063-40F8-8681-C75B024C6DD1}"/>
+              </a:ext>
+            </a:extLst>
+          </p:cNvPr>
+          <p:cNvSpPr>
+            <a:spLocks noGrp="1"/>
+          </p:cNvSpPr>
+          <p:nvPr>
+            <p:ph type="sldNum" sz="quarter" idx="12"/>
+          </p:nvPr>
+        </p:nvSpPr>
+        <p:spPr/>
+        <p:txBody>
+          <a:bodyPr/>
+          <a:lstStyle/>
+          <a:p>
+            <a:fld id="{1B67AEDF-9D2A-44BC-82ED-191619495E37}" type="slidenum">
+              <a:rPr lang="de-DE" smtClean="0"/>
+              <a:t>9</a:t>
+            </a:fld>
+            <a:endParaRPr lang="de-DE"/>
+          </a:p>
+        </p:txBody>
+      </p:sp>
     </p:spTree>
     <p:extLst>
       <p:ext uri="{BB962C8B-B14F-4D97-AF65-F5344CB8AC3E}">
@@ -7775,4 +8918,299 @@
     </a:ext>
   </a:extLst>
 </a:theme>
+</file>
+
+<file path=ppt/theme/theme2.xml><?xml version="1.0" encoding="utf-8"?>
+<a:theme xmlns:a="http://schemas.openxmlformats.org/drawingml/2006/main" name="Office">
+  <a:themeElements>
+    <a:clrScheme name="Office">
+      <a:dk1>
+        <a:sysClr val="windowText" lastClr="000000"/>
+      </a:dk1>
+      <a:lt1>
+        <a:sysClr val="window" lastClr="FFFFFF"/>
+      </a:lt1>
+      <a:dk2>
+        <a:srgbClr val="44546A"/>
+      </a:dk2>
+      <a:lt2>
+        <a:srgbClr val="E7E6E6"/>
+      </a:lt2>
+      <a:accent1>
+        <a:srgbClr val="4472C4"/>
+      </a:accent1>
+      <a:accent2>
+        <a:srgbClr val="ED7D31"/>
+      </a:accent2>
+      <a:accent3>
+        <a:srgbClr val="A5A5A5"/>
+      </a:accent3>
+      <a:accent4>
+        <a:srgbClr val="FFC000"/>
+      </a:accent4>
+      <a:accent5>
+        <a:srgbClr val="5B9BD5"/>
+      </a:accent5>
+      <a:accent6>
+        <a:srgbClr val="70AD47"/>
+      </a:accent6>
+      <a:hlink>
+        <a:srgbClr val="0563C1"/>
+      </a:hlink>
+      <a:folHlink>
+        <a:srgbClr val="954F72"/>
+      </a:folHlink>
+    </a:clrScheme>
+    <a:fontScheme name="Office">
+      <a:majorFont>
+        <a:latin typeface="Calibri Light" panose="020F0302020204030204"/>
+        <a:ea typeface=""/>
+        <a:cs typeface=""/>
+        <a:font script="Jpan" typeface="游ゴシック Light"/>
+        <a:font script="Hang" typeface="맑은 고딕"/>
+        <a:font script="Hans" typeface="等线 Light"/>
+        <a:font script="Hant" typeface="新細明體"/>
+        <a:font script="Arab" typeface="Times New Roman"/>
+        <a:font script="Hebr" typeface="Times New Roman"/>
+        <a:font script="Thai" typeface="Angsana New"/>
+        <a:font script="Ethi" typeface="Nyala"/>
+        <a:font script="Beng" typeface="Vrinda"/>
+        <a:font script="Gujr" typeface="Shruti"/>
+        <a:font script="Khmr" typeface="MoolBoran"/>
+        <a:font script="Knda" typeface="Tunga"/>
+        <a:font script="Guru" typeface="Raavi"/>
+        <a:font script="Cans" typeface="Euphemia"/>
+        <a:font script="Cher" typeface="Plantagenet Cherokee"/>
+        <a:font script="Yiii" typeface="Microsoft Yi Baiti"/>
+        <a:font script="Tibt" typeface="Microsoft Himalaya"/>
+        <a:font script="Thaa" typeface="MV Boli"/>
+        <a:font script="Deva" typeface="Mangal"/>
+        <a:font script="Telu" typeface="Gautami"/>
+        <a:font script="Taml" typeface="Latha"/>
+        <a:font script="Syrc" typeface="Estrangelo Edessa"/>
+        <a:font script="Orya" typeface="Kalinga"/>
+        <a:font script="Mlym" typeface="Kartika"/>
+        <a:font script="Laoo" typeface="DokChampa"/>
+        <a:font script="Sinh" typeface="Iskoola Pota"/>
+        <a:font script="Mong" typeface="Mongolian Baiti"/>
+        <a:font script="Viet" typeface="Times New Roman"/>
+        <a:font script="Uigh" typeface="Microsoft Uighur"/>
+        <a:font script="Geor" typeface="Sylfaen"/>
+        <a:font script="Armn" typeface="Arial"/>
+        <a:font script="Bugi" typeface="Leelawadee UI"/>
+        <a:font script="Bopo" typeface="Microsoft JhengHei"/>
+        <a:font script="Java" typeface="Javanese Text"/>
+        <a:font script="Lisu" typeface="Segoe UI"/>
+        <a:font script="Mymr" typeface="Myanmar Text"/>
+        <a:font script="Nkoo" typeface="Ebrima"/>
+        <a:font script="Olck" typeface="Nirmala UI"/>
+        <a:font script="Osma" typeface="Ebrima"/>
+        <a:font script="Phag" typeface="Phagspa"/>
+        <a:font script="Syrn" typeface="Estrangelo Edessa"/>
+        <a:font script="Syrj" typeface="Estrangelo Edessa"/>
+        <a:font script="Syre" typeface="Estrangelo Edessa"/>
+        <a:font script="Sora" typeface="Nirmala UI"/>
+        <a:font script="Tale" typeface="Microsoft Tai Le"/>
+        <a:font script="Talu" typeface="Microsoft New Tai Lue"/>
+        <a:font script="Tfng" typeface="Ebrima"/>
+      </a:majorFont>
+      <a:minorFont>
+        <a:latin typeface="Calibri" panose="020F0502020204030204"/>
+        <a:ea typeface=""/>
+        <a:cs typeface=""/>
+        <a:font script="Jpan" typeface="游ゴシック"/>
+        <a:font script="Hang" typeface="맑은 고딕"/>
+        <a:font script="Hans" typeface="等线"/>
+        <a:font script="Hant" typeface="新細明體"/>
+        <a:font script="Arab" typeface="Arial"/>
+        <a:font script="Hebr" typeface="Arial"/>
+        <a:font script="Thai" typeface="Cordia New"/>
+        <a:font script="Ethi" typeface="Nyala"/>
+        <a:font script="Beng" typeface="Vrinda"/>
+        <a:font script="Gujr" typeface="Shruti"/>
+        <a:font script="Khmr" typeface="DaunPenh"/>
+        <a:font script="Knda" typeface="Tunga"/>
+        <a:font script="Guru" typeface="Raavi"/>
+        <a:font script="Cans" typeface="Euphemia"/>
+        <a:font script="Cher" typeface="Plantagenet Cherokee"/>
+        <a:font script="Yiii" typeface="Microsoft Yi Baiti"/>
+        <a:font script="Tibt" typeface="Microsoft Himalaya"/>
+        <a:font script="Thaa" typeface="MV Boli"/>
+        <a:font script="Deva" typeface="Mangal"/>
+        <a:font script="Telu" typeface="Gautami"/>
+        <a:font script="Taml" typeface="Latha"/>
+        <a:font script="Syrc" typeface="Estrangelo Edessa"/>
+        <a:font script="Orya" typeface="Kalinga"/>
+        <a:font script="Mlym" typeface="Kartika"/>
+        <a:font script="Laoo" typeface="DokChampa"/>
+        <a:font script="Sinh" typeface="Iskoola Pota"/>
+        <a:font script="Mong" typeface="Mongolian Baiti"/>
+        <a:font script="Viet" typeface="Arial"/>
+        <a:font script="Uigh" typeface="Microsoft Uighur"/>
+        <a:font script="Geor" typeface="Sylfaen"/>
+        <a:font script="Armn" typeface="Arial"/>
+        <a:font script="Bugi" typeface="Leelawadee UI"/>
+        <a:font script="Bopo" typeface="Microsoft JhengHei"/>
+        <a:font script="Java" typeface="Javanese Text"/>
+        <a:font script="Lisu" typeface="Segoe UI"/>
+        <a:font script="Mymr" typeface="Myanmar Text"/>
+        <a:font script="Nkoo" typeface="Ebrima"/>
+        <a:font script="Olck" typeface="Nirmala UI"/>
+        <a:font script="Osma" typeface="Ebrima"/>
+        <a:font script="Phag" typeface="Phagspa"/>
+        <a:font script="Syrn" typeface="Estrangelo Edessa"/>
+        <a:font script="Syrj" typeface="Estrangelo Edessa"/>
+        <a:font script="Syre" typeface="Estrangelo Edessa"/>
+        <a:font script="Sora" typeface="Nirmala UI"/>
+        <a:font script="Tale" typeface="Microsoft Tai Le"/>
+        <a:font script="Talu" typeface="Microsoft New Tai Lue"/>
+        <a:font script="Tfng" typeface="Ebrima"/>
+      </a:minorFont>
+    </a:fontScheme>
+    <a:fmtScheme name="Office">
+      <a:fillStyleLst>
+        <a:solidFill>
+          <a:schemeClr val="phClr"/>
+        </a:solidFill>
+        <a:gradFill rotWithShape="1">
+          <a:gsLst>
+            <a:gs pos="0">
+              <a:schemeClr val="phClr">
+                <a:lumMod val="110000"/>
+                <a:satMod val="105000"/>
+                <a:tint val="67000"/>
+              </a:schemeClr>
+            </a:gs>
+            <a:gs pos="50000">
+              <a:schemeClr val="phClr">
+                <a:lumMod val="105000"/>
+                <a:satMod val="103000"/>
+                <a:tint val="73000"/>
+              </a:schemeClr>
+            </a:gs>
+            <a:gs pos="100000">
+              <a:schemeClr val="phClr">
+                <a:lumMod val="105000"/>
+                <a:satMod val="109000"/>
+                <a:tint val="81000"/>
+              </a:schemeClr>
+            </a:gs>
+          </a:gsLst>
+          <a:lin ang="5400000" scaled="0"/>
+        </a:gradFill>
+        <a:gradFill rotWithShape="1">
+          <a:gsLst>
+            <a:gs pos="0">
+              <a:schemeClr val="phClr">
+                <a:satMod val="103000"/>
+                <a:lumMod val="102000"/>
+                <a:tint val="94000"/>
+              </a:schemeClr>
+            </a:gs>
+            <a:gs pos="50000">
+              <a:schemeClr val="phClr">
+                <a:satMod val="110000"/>
+                <a:lumMod val="100000"/>
+                <a:shade val="100000"/>
+              </a:schemeClr>
+            </a:gs>
+            <a:gs pos="100000">
+              <a:schemeClr val="phClr">
+                <a:lumMod val="99000"/>
+                <a:satMod val="120000"/>
+                <a:shade val="78000"/>
+              </a:schemeClr>
+            </a:gs>
+          </a:gsLst>
+          <a:lin ang="5400000" scaled="0"/>
+        </a:gradFill>
+      </a:fillStyleLst>
+      <a:lnStyleLst>
+        <a:ln w="6350" cap="flat" cmpd="sng" algn="ctr">
+          <a:solidFill>
+            <a:schemeClr val="phClr"/>
+          </a:solidFill>
+          <a:prstDash val="solid"/>
+          <a:miter lim="800000"/>
+        </a:ln>
+        <a:ln w="12700" cap="flat" cmpd="sng" algn="ctr">
+          <a:solidFill>
+            <a:schemeClr val="phClr"/>
+          </a:solidFill>
+          <a:prstDash val="solid"/>
+          <a:miter lim="800000"/>
+        </a:ln>
+        <a:ln w="19050" cap="flat" cmpd="sng" algn="ctr">
+          <a:solidFill>
+            <a:schemeClr val="phClr"/>
+          </a:solidFill>
+          <a:prstDash val="solid"/>
+          <a:miter lim="800000"/>
+        </a:ln>
+      </a:lnStyleLst>
+      <a:effectStyleLst>
+        <a:effectStyle>
+          <a:effectLst/>
+        </a:effectStyle>
+        <a:effectStyle>
+          <a:effectLst/>
+        </a:effectStyle>
+        <a:effectStyle>
+          <a:effectLst>
+            <a:outerShdw blurRad="57150" dist="19050" dir="5400000" algn="ctr" rotWithShape="0">
+              <a:srgbClr val="000000">
+                <a:alpha val="63000"/>
+              </a:srgbClr>
+            </a:outerShdw>
+          </a:effectLst>
+        </a:effectStyle>
+      </a:effectStyleLst>
+      <a:bgFillStyleLst>
+        <a:solidFill>
+          <a:schemeClr val="phClr"/>
+        </a:solidFill>
+        <a:solidFill>
+          <a:schemeClr val="phClr">
+            <a:tint val="95000"/>
+            <a:satMod val="170000"/>
+          </a:schemeClr>
+        </a:solidFill>
+        <a:gradFill rotWithShape="1">
+          <a:gsLst>
+            <a:gs pos="0">
+              <a:schemeClr val="phClr">
+                <a:tint val="93000"/>
+                <a:satMod val="150000"/>
+                <a:shade val="98000"/>
+                <a:lumMod val="102000"/>
+              </a:schemeClr>
+            </a:gs>
+            <a:gs pos="50000">
+              <a:schemeClr val="phClr">
+                <a:tint val="98000"/>
+                <a:satMod val="130000"/>
+                <a:shade val="90000"/>
+                <a:lumMod val="103000"/>
+              </a:schemeClr>
+            </a:gs>
+            <a:gs pos="100000">
+              <a:schemeClr val="phClr">
+                <a:shade val="63000"/>
+                <a:satMod val="120000"/>
+              </a:schemeClr>
+            </a:gs>
+          </a:gsLst>
+          <a:lin ang="5400000" scaled="0"/>
+        </a:gradFill>
+      </a:bgFillStyleLst>
+    </a:fmtScheme>
+  </a:themeElements>
+  <a:objectDefaults/>
+  <a:extraClrSchemeLst/>
+  <a:extLst>
+    <a:ext uri="{05A4C25C-085E-4340-85A3-A5531E510DB2}">
+      <thm15:themeFamily xmlns:thm15="http://schemas.microsoft.com/office/thememl/2012/main" name="Office Theme" id="{62F939B6-93AF-4DB8-9C6B-D6C7DFDC589F}" vid="{4A3C46E8-61CC-4603-A589-7422A47A8E4A}"/>
+    </a:ext>
+  </a:extLst>
+</a:theme>
 </file>
--- a/grundpraktikum2/Optik 1/Optik I.pptx
+++ b/grundpraktikum2/Optik 1/Optik I.pptx
@@ -5,7 +5,7 @@
     <p:sldMasterId id="2147483648" r:id="rId1"/>
   </p:sldMasterIdLst>
   <p:notesMasterIdLst>
-    <p:notesMasterId r:id="rId18"/>
+    <p:notesMasterId r:id="rId19"/>
   </p:notesMasterIdLst>
   <p:sldIdLst>
     <p:sldId id="256" r:id="rId2"/>
@@ -16,14 +16,15 @@
     <p:sldId id="262" r:id="rId7"/>
     <p:sldId id="263" r:id="rId8"/>
     <p:sldId id="270" r:id="rId9"/>
-    <p:sldId id="265" r:id="rId10"/>
-    <p:sldId id="266" r:id="rId11"/>
-    <p:sldId id="267" r:id="rId12"/>
-    <p:sldId id="268" r:id="rId13"/>
-    <p:sldId id="269" r:id="rId14"/>
-    <p:sldId id="272" r:id="rId15"/>
-    <p:sldId id="273" r:id="rId16"/>
-    <p:sldId id="274" r:id="rId17"/>
+    <p:sldId id="275" r:id="rId10"/>
+    <p:sldId id="265" r:id="rId11"/>
+    <p:sldId id="266" r:id="rId12"/>
+    <p:sldId id="267" r:id="rId13"/>
+    <p:sldId id="268" r:id="rId14"/>
+    <p:sldId id="269" r:id="rId15"/>
+    <p:sldId id="272" r:id="rId16"/>
+    <p:sldId id="273" r:id="rId17"/>
+    <p:sldId id="274" r:id="rId18"/>
   </p:sldIdLst>
   <p:sldSz cx="12192000" cy="6858000"/>
   <p:notesSz cx="6858000" cy="9144000"/>
@@ -3811,7 +3812,7 @@
           <p:cNvPr id="2" name="Titel 1">
             <a:extLst>
               <a:ext uri="{FF2B5EF4-FFF2-40B4-BE49-F238E27FC236}">
-                <a16:creationId xmlns:a16="http://schemas.microsoft.com/office/drawing/2014/main" id="{AFBAA1B4-FFB3-4939-834D-54C1DC63694B}"/>
+                <a16:creationId xmlns:a16="http://schemas.microsoft.com/office/drawing/2014/main" id="{BDDA4D34-56D0-4F1B-944B-DE8AB42ADF3B}"/>
               </a:ext>
             </a:extLst>
           </p:cNvPr>
@@ -3829,13 +3830,549 @@
           <a:p>
             <a:r>
               <a:rPr lang="de-DE" dirty="0"/>
-              <a:t>Gitter - Grundlagen</a:t>
+              <a:t>Auflösungsvermögen</a:t>
             </a:r>
           </a:p>
         </p:txBody>
       </p:sp>
       <mc:AlternateContent xmlns:mc="http://schemas.openxmlformats.org/markup-compatibility/2006" xmlns:a14="http://schemas.microsoft.com/office/drawing/2010/main">
         <mc:Choice Requires="a14">
+          <p:sp>
+            <p:nvSpPr>
+              <p:cNvPr id="5" name="Inhaltsplatzhalter 4">
+                <a:extLst>
+                  <a:ext uri="{FF2B5EF4-FFF2-40B4-BE49-F238E27FC236}">
+                    <a16:creationId xmlns:a16="http://schemas.microsoft.com/office/drawing/2014/main" id="{62B27D76-E25D-4214-AC9B-F70B03C45AEF}"/>
+                  </a:ext>
+                </a:extLst>
+              </p:cNvPr>
+              <p:cNvSpPr>
+                <a:spLocks noGrp="1"/>
+              </p:cNvSpPr>
+              <p:nvPr>
+                <p:ph idx="1"/>
+              </p:nvPr>
+            </p:nvSpPr>
+            <p:spPr>
+              <a:xfrm>
+                <a:off x="841513" y="1825625"/>
+                <a:ext cx="10515600" cy="4351338"/>
+              </a:xfrm>
+            </p:spPr>
+            <p:txBody>
+              <a:bodyPr>
+                <a:normAutofit fontScale="92500" lnSpcReduction="20000"/>
+              </a:bodyPr>
+              <a:lstStyle/>
+              <a:p>
+                <a:r>
+                  <a:rPr lang="de-DE" dirty="0"/>
+                  <a:t>Hg-Doppellinie bei </a:t>
+                </a:r>
+                <a14:m>
+                  <m:oMath xmlns:m="http://schemas.openxmlformats.org/officeDocument/2006/math">
+                    <m:r>
+                      <a:rPr lang="de-DE" b="0" i="1" smtClean="0">
+                        <a:latin typeface="Cambria Math" panose="02040503050406030204" pitchFamily="18" charset="0"/>
+                      </a:rPr>
+                      <m:t>𝜆</m:t>
+                    </m:r>
+                    <m:r>
+                      <a:rPr lang="de-DE" b="0" i="1" smtClean="0">
+                        <a:latin typeface="Cambria Math" panose="02040503050406030204" pitchFamily="18" charset="0"/>
+                      </a:rPr>
+                      <m:t>=579,07 </m:t>
+                    </m:r>
+                    <m:r>
+                      <a:rPr lang="de-DE" b="0" i="1" smtClean="0">
+                        <a:latin typeface="Cambria Math" panose="02040503050406030204" pitchFamily="18" charset="0"/>
+                      </a:rPr>
+                      <m:t>𝑛𝑚</m:t>
+                    </m:r>
+                  </m:oMath>
+                </a14:m>
+                <a:endParaRPr lang="de-DE" dirty="0"/>
+              </a:p>
+              <a:p>
+                <a14:m>
+                  <m:oMath xmlns:m="http://schemas.openxmlformats.org/officeDocument/2006/math">
+                    <m:r>
+                      <a:rPr lang="de-DE" b="0" i="1" smtClean="0">
+                        <a:latin typeface="Cambria Math" panose="02040503050406030204" pitchFamily="18" charset="0"/>
+                      </a:rPr>
+                      <m:t>𝐴</m:t>
+                    </m:r>
+                    <m:r>
+                      <a:rPr lang="de-DE" b="0" i="1" smtClean="0">
+                        <a:latin typeface="Cambria Math" panose="02040503050406030204" pitchFamily="18" charset="0"/>
+                      </a:rPr>
+                      <m:t>=</m:t>
+                    </m:r>
+                    <m:f>
+                      <m:fPr>
+                        <m:ctrlPr>
+                          <a:rPr lang="de-DE" b="0" i="1" smtClean="0">
+                            <a:latin typeface="Cambria Math" panose="02040503050406030204" pitchFamily="18" charset="0"/>
+                          </a:rPr>
+                        </m:ctrlPr>
+                      </m:fPr>
+                      <m:num>
+                        <m:r>
+                          <a:rPr lang="de-DE" b="0" i="1" smtClean="0">
+                            <a:latin typeface="Cambria Math" panose="02040503050406030204" pitchFamily="18" charset="0"/>
+                          </a:rPr>
+                          <m:t>𝑑𝑛</m:t>
+                        </m:r>
+                      </m:num>
+                      <m:den>
+                        <m:r>
+                          <a:rPr lang="de-DE" b="0" i="1" smtClean="0">
+                            <a:latin typeface="Cambria Math" panose="02040503050406030204" pitchFamily="18" charset="0"/>
+                          </a:rPr>
+                          <m:t>𝑑</m:t>
+                        </m:r>
+                        <m:r>
+                          <a:rPr lang="de-DE" b="0" i="1" smtClean="0">
+                            <a:latin typeface="Cambria Math" panose="02040503050406030204" pitchFamily="18" charset="0"/>
+                          </a:rPr>
+                          <m:t>𝜆</m:t>
+                        </m:r>
+                      </m:den>
+                    </m:f>
+                    <m:r>
+                      <a:rPr lang="de-DE" b="0" i="1" smtClean="0">
+                        <a:latin typeface="Cambria Math" panose="02040503050406030204" pitchFamily="18" charset="0"/>
+                      </a:rPr>
+                      <m:t>⋅2</m:t>
+                    </m:r>
+                    <m:r>
+                      <a:rPr lang="de-DE" b="0" i="1" smtClean="0">
+                        <a:latin typeface="Cambria Math" panose="02040503050406030204" pitchFamily="18" charset="0"/>
+                      </a:rPr>
+                      <m:t>𝑎</m:t>
+                    </m:r>
+                    <m:r>
+                      <a:rPr lang="de-DE" b="0" i="1" smtClean="0">
+                        <a:latin typeface="Cambria Math" panose="02040503050406030204" pitchFamily="18" charset="0"/>
+                      </a:rPr>
+                      <m:t>⋅</m:t>
+                    </m:r>
+                    <m:f>
+                      <m:fPr>
+                        <m:ctrlPr>
+                          <a:rPr lang="de-DE" b="0" i="1" smtClean="0">
+                            <a:latin typeface="Cambria Math" panose="02040503050406030204" pitchFamily="18" charset="0"/>
+                          </a:rPr>
+                        </m:ctrlPr>
+                      </m:fPr>
+                      <m:num>
+                        <m:r>
+                          <m:rPr>
+                            <m:sty m:val="p"/>
+                          </m:rPr>
+                          <a:rPr lang="de-DE" b="0" i="0" smtClean="0">
+                            <a:latin typeface="Cambria Math" panose="02040503050406030204" pitchFamily="18" charset="0"/>
+                          </a:rPr>
+                          <m:t>sin</m:t>
+                        </m:r>
+                        <m:r>
+                          <a:rPr lang="de-DE" b="0" i="1" smtClean="0">
+                            <a:latin typeface="Cambria Math" panose="02040503050406030204" pitchFamily="18" charset="0"/>
+                          </a:rPr>
+                          <m:t>⁡(</m:t>
+                        </m:r>
+                        <m:f>
+                          <m:fPr>
+                            <m:ctrlPr>
+                              <a:rPr lang="de-DE" b="0" i="1" smtClean="0">
+                                <a:latin typeface="Cambria Math" panose="02040503050406030204" pitchFamily="18" charset="0"/>
+                              </a:rPr>
+                            </m:ctrlPr>
+                          </m:fPr>
+                          <m:num>
+                            <m:r>
+                              <a:rPr lang="de-DE" i="1">
+                                <a:latin typeface="Cambria Math" panose="02040503050406030204" pitchFamily="18" charset="0"/>
+                              </a:rPr>
+                              <m:t>𝜖</m:t>
+                            </m:r>
+                          </m:num>
+                          <m:den>
+                            <m:r>
+                              <a:rPr lang="de-DE" b="0" i="1" smtClean="0">
+                                <a:latin typeface="Cambria Math" panose="02040503050406030204" pitchFamily="18" charset="0"/>
+                              </a:rPr>
+                              <m:t>2</m:t>
+                            </m:r>
+                          </m:den>
+                        </m:f>
+                        <m:r>
+                          <a:rPr lang="de-DE" b="0" i="1" smtClean="0">
+                            <a:latin typeface="Cambria Math" panose="02040503050406030204" pitchFamily="18" charset="0"/>
+                          </a:rPr>
+                          <m:t>)</m:t>
+                        </m:r>
+                      </m:num>
+                      <m:den>
+                        <m:r>
+                          <m:rPr>
+                            <m:sty m:val="p"/>
+                          </m:rPr>
+                          <a:rPr lang="de-DE" b="0" i="0" smtClean="0">
+                            <a:latin typeface="Cambria Math" panose="02040503050406030204" pitchFamily="18" charset="0"/>
+                          </a:rPr>
+                          <m:t>cos</m:t>
+                        </m:r>
+                        <m:r>
+                          <a:rPr lang="de-DE" b="0" i="1" smtClean="0">
+                            <a:latin typeface="Cambria Math" panose="02040503050406030204" pitchFamily="18" charset="0"/>
+                          </a:rPr>
+                          <m:t>⁡(</m:t>
+                        </m:r>
+                        <m:f>
+                          <m:fPr>
+                            <m:ctrlPr>
+                              <a:rPr lang="de-DE" b="0" i="1" smtClean="0">
+                                <a:latin typeface="Cambria Math" panose="02040503050406030204" pitchFamily="18" charset="0"/>
+                              </a:rPr>
+                            </m:ctrlPr>
+                          </m:fPr>
+                          <m:num>
+                            <m:r>
+                              <a:rPr lang="de-DE" b="0" i="1" smtClean="0">
+                                <a:latin typeface="Cambria Math" panose="02040503050406030204" pitchFamily="18" charset="0"/>
+                              </a:rPr>
+                              <m:t>𝛿</m:t>
+                            </m:r>
+                            <m:r>
+                              <a:rPr lang="de-DE" b="0" i="1" smtClean="0">
+                                <a:latin typeface="Cambria Math" panose="02040503050406030204" pitchFamily="18" charset="0"/>
+                              </a:rPr>
+                              <m:t>+</m:t>
+                            </m:r>
+                            <m:r>
+                              <a:rPr lang="de-DE" b="0" i="1" smtClean="0">
+                                <a:latin typeface="Cambria Math" panose="02040503050406030204" pitchFamily="18" charset="0"/>
+                              </a:rPr>
+                              <m:t>𝜖</m:t>
+                            </m:r>
+                          </m:num>
+                          <m:den>
+                            <m:r>
+                              <a:rPr lang="de-DE" b="0" i="1" smtClean="0">
+                                <a:latin typeface="Cambria Math" panose="02040503050406030204" pitchFamily="18" charset="0"/>
+                              </a:rPr>
+                              <m:t>2</m:t>
+                            </m:r>
+                          </m:den>
+                        </m:f>
+                        <m:r>
+                          <a:rPr lang="de-DE" b="0" i="1" smtClean="0">
+                            <a:latin typeface="Cambria Math" panose="02040503050406030204" pitchFamily="18" charset="0"/>
+                          </a:rPr>
+                          <m:t>)</m:t>
+                        </m:r>
+                      </m:den>
+                    </m:f>
+                  </m:oMath>
+                </a14:m>
+                <a:endParaRPr lang="de-DE" dirty="0"/>
+              </a:p>
+              <a:p>
+                <a:r>
+                  <a:rPr lang="de-DE" dirty="0"/>
+                  <a:t>Experimentelles Ergebnis (a=1mm):</a:t>
+                </a:r>
+              </a:p>
+              <a:p>
+                <a:pPr marL="457200" lvl="1" indent="0">
+                  <a:buNone/>
+                </a:pPr>
+                <a:r>
+                  <a:rPr lang="de-DE" dirty="0"/>
+                  <a:t>				</a:t>
+                </a:r>
+              </a:p>
+              <a:p>
+                <a:pPr marL="457200" lvl="1" indent="0">
+                  <a:buNone/>
+                </a:pPr>
+                <a:r>
+                  <a:rPr lang="de-DE" dirty="0"/>
+                  <a:t>				</a:t>
+                </a:r>
+                <a14:m>
+                  <m:oMath xmlns:m="http://schemas.openxmlformats.org/officeDocument/2006/math">
+                    <m:r>
+                      <a:rPr lang="de-DE" i="1">
+                        <a:latin typeface="Cambria Math" panose="02040503050406030204" pitchFamily="18" charset="0"/>
+                      </a:rPr>
+                      <m:t>𝐴</m:t>
+                    </m:r>
+                    <m:r>
+                      <a:rPr lang="de-DE" i="1">
+                        <a:latin typeface="Cambria Math" panose="02040503050406030204" pitchFamily="18" charset="0"/>
+                      </a:rPr>
+                      <m:t>≈286</m:t>
+                    </m:r>
+                  </m:oMath>
+                </a14:m>
+                <a:endParaRPr lang="de-DE" dirty="0"/>
+              </a:p>
+              <a:p>
+                <a:pPr marL="0" indent="0">
+                  <a:buNone/>
+                </a:pPr>
+                <a:endParaRPr lang="de-DE" dirty="0"/>
+              </a:p>
+              <a:p>
+                <a:r>
+                  <a:rPr lang="de-DE" dirty="0"/>
+                  <a:t>Theoretisch erwartetes Auflösungsvermögen:</a:t>
+                </a:r>
+              </a:p>
+              <a:p>
+                <a:endParaRPr lang="de-DE" dirty="0"/>
+              </a:p>
+              <a:p>
+                <a:pPr marL="457200" lvl="1" indent="0">
+                  <a:buNone/>
+                </a:pPr>
+                <a14:m>
+                  <m:oMathPara xmlns:m="http://schemas.openxmlformats.org/officeDocument/2006/math">
+                    <m:oMathParaPr>
+                      <m:jc m:val="centerGroup"/>
+                    </m:oMathParaPr>
+                    <m:oMath xmlns:m="http://schemas.openxmlformats.org/officeDocument/2006/math">
+                      <m:r>
+                        <a:rPr lang="de-DE" i="1">
+                          <a:latin typeface="Cambria Math" panose="02040503050406030204" pitchFamily="18" charset="0"/>
+                        </a:rPr>
+                        <m:t>𝐴</m:t>
+                      </m:r>
+                      <m:r>
+                        <a:rPr lang="de-DE" i="1">
+                          <a:latin typeface="Cambria Math" panose="02040503050406030204" pitchFamily="18" charset="0"/>
+                        </a:rPr>
+                        <m:t>= </m:t>
+                      </m:r>
+                      <m:f>
+                        <m:fPr>
+                          <m:ctrlPr>
+                            <a:rPr lang="de-DE" i="1">
+                              <a:latin typeface="Cambria Math" panose="02040503050406030204" pitchFamily="18" charset="0"/>
+                            </a:rPr>
+                          </m:ctrlPr>
+                        </m:fPr>
+                        <m:num>
+                          <m:r>
+                            <a:rPr lang="de-DE" i="1">
+                              <a:latin typeface="Cambria Math" panose="02040503050406030204" pitchFamily="18" charset="0"/>
+                            </a:rPr>
+                            <m:t>579,1 </m:t>
+                          </m:r>
+                          <m:r>
+                            <a:rPr lang="de-DE" i="1">
+                              <a:latin typeface="Cambria Math" panose="02040503050406030204" pitchFamily="18" charset="0"/>
+                            </a:rPr>
+                            <m:t>𝑛𝑚</m:t>
+                          </m:r>
+                        </m:num>
+                        <m:den>
+                          <m:r>
+                            <a:rPr lang="de-DE" i="1">
+                              <a:latin typeface="Cambria Math" panose="02040503050406030204" pitchFamily="18" charset="0"/>
+                            </a:rPr>
+                            <m:t>2,1 </m:t>
+                          </m:r>
+                          <m:r>
+                            <a:rPr lang="de-DE" i="1">
+                              <a:latin typeface="Cambria Math" panose="02040503050406030204" pitchFamily="18" charset="0"/>
+                            </a:rPr>
+                            <m:t>𝑛𝑚</m:t>
+                          </m:r>
+                        </m:den>
+                      </m:f>
+                      <m:r>
+                        <a:rPr lang="de-DE" i="1">
+                          <a:latin typeface="Cambria Math" panose="02040503050406030204" pitchFamily="18" charset="0"/>
+                        </a:rPr>
+                        <m:t>≈276</m:t>
+                      </m:r>
+                    </m:oMath>
+                  </m:oMathPara>
+                </a14:m>
+                <a:endParaRPr lang="de-DE" dirty="0"/>
+              </a:p>
+              <a:p>
+                <a:endParaRPr lang="de-DE" dirty="0"/>
+              </a:p>
+              <a:p>
+                <a:endParaRPr lang="de-DE" dirty="0"/>
+              </a:p>
+              <a:p>
+                <a:endParaRPr lang="de-DE" dirty="0"/>
+              </a:p>
+              <a:p>
+                <a:endParaRPr lang="de-DE" dirty="0"/>
+              </a:p>
+              <a:p>
+                <a:endParaRPr lang="de-DE" dirty="0"/>
+              </a:p>
+              <a:p>
+                <a:endParaRPr lang="de-DE" dirty="0"/>
+              </a:p>
+              <a:p>
+                <a:endParaRPr lang="de-DE" dirty="0"/>
+              </a:p>
+              <a:p>
+                <a:pPr marL="457200" lvl="1" indent="0">
+                  <a:buNone/>
+                </a:pPr>
+                <a:endParaRPr lang="de-DE" dirty="0"/>
+              </a:p>
+              <a:p>
+                <a:pPr marL="457200" lvl="1" indent="0">
+                  <a:buNone/>
+                </a:pPr>
+                <a:endParaRPr lang="de-DE" dirty="0"/>
+              </a:p>
+            </p:txBody>
+          </p:sp>
+        </mc:Choice>
+        <mc:Fallback xmlns="">
+          <p:sp>
+            <p:nvSpPr>
+              <p:cNvPr id="5" name="Inhaltsplatzhalter 4">
+                <a:extLst>
+                  <a:ext uri="{FF2B5EF4-FFF2-40B4-BE49-F238E27FC236}">
+                    <a16:creationId xmlns:a16="http://schemas.microsoft.com/office/drawing/2014/main" id="{62B27D76-E25D-4214-AC9B-F70B03C45AEF}"/>
+                  </a:ext>
+                </a:extLst>
+              </p:cNvPr>
+              <p:cNvSpPr>
+                <a:spLocks noGrp="1" noRot="1" noChangeAspect="1" noMove="1" noResize="1" noEditPoints="1" noAdjustHandles="1" noChangeArrowheads="1" noChangeShapeType="1" noTextEdit="1"/>
+              </p:cNvSpPr>
+              <p:nvPr>
+                <p:ph idx="1"/>
+              </p:nvPr>
+            </p:nvSpPr>
+            <p:spPr>
+              <a:xfrm>
+                <a:off x="841513" y="1825625"/>
+                <a:ext cx="10515600" cy="4351338"/>
+              </a:xfrm>
+              <a:blipFill>
+                <a:blip r:embed="rId2"/>
+                <a:stretch>
+                  <a:fillRect l="-870" t="-3501"/>
+                </a:stretch>
+              </a:blipFill>
+            </p:spPr>
+            <p:txBody>
+              <a:bodyPr/>
+              <a:lstStyle/>
+              <a:p>
+                <a:r>
+                  <a:rPr lang="de-DE">
+                    <a:noFill/>
+                  </a:rPr>
+                  <a:t> </a:t>
+                </a:r>
+              </a:p>
+            </p:txBody>
+          </p:sp>
+        </mc:Fallback>
+      </mc:AlternateContent>
+      <p:sp>
+        <p:nvSpPr>
+          <p:cNvPr id="3" name="Foliennummernplatzhalter 2">
+            <a:extLst>
+              <a:ext uri="{FF2B5EF4-FFF2-40B4-BE49-F238E27FC236}">
+                <a16:creationId xmlns:a16="http://schemas.microsoft.com/office/drawing/2014/main" id="{3A77624E-5063-40F8-8681-C75B024C6DD1}"/>
+              </a:ext>
+            </a:extLst>
+          </p:cNvPr>
+          <p:cNvSpPr>
+            <a:spLocks noGrp="1"/>
+          </p:cNvSpPr>
+          <p:nvPr>
+            <p:ph type="sldNum" sz="quarter" idx="12"/>
+          </p:nvPr>
+        </p:nvSpPr>
+        <p:spPr/>
+        <p:txBody>
+          <a:bodyPr/>
+          <a:lstStyle/>
+          <a:p>
+            <a:fld id="{1B67AEDF-9D2A-44BC-82ED-191619495E37}" type="slidenum">
+              <a:rPr lang="de-DE" smtClean="0"/>
+              <a:t>10</a:t>
+            </a:fld>
+            <a:endParaRPr lang="de-DE"/>
+          </a:p>
+        </p:txBody>
+      </p:sp>
+    </p:spTree>
+    <p:extLst>
+      <p:ext uri="{BB962C8B-B14F-4D97-AF65-F5344CB8AC3E}">
+        <p14:creationId xmlns:p14="http://schemas.microsoft.com/office/powerpoint/2010/main" val="2328462010"/>
+      </p:ext>
+    </p:extLst>
+  </p:cSld>
+  <p:clrMapOvr>
+    <a:masterClrMapping/>
+  </p:clrMapOvr>
+</p:sld>
+</file>
+
+<file path=ppt/slides/slide11.xml><?xml version="1.0" encoding="utf-8"?>
+<p:sld xmlns:a="http://schemas.openxmlformats.org/drawingml/2006/main" xmlns:r="http://schemas.openxmlformats.org/officeDocument/2006/relationships" xmlns:p="http://schemas.openxmlformats.org/presentationml/2006/main">
+  <p:cSld>
+    <p:spTree>
+      <p:nvGrpSpPr>
+        <p:cNvPr id="1" name=""/>
+        <p:cNvGrpSpPr/>
+        <p:nvPr/>
+      </p:nvGrpSpPr>
+      <p:grpSpPr>
+        <a:xfrm>
+          <a:off x="0" y="0"/>
+          <a:ext cx="0" cy="0"/>
+          <a:chOff x="0" y="0"/>
+          <a:chExt cx="0" cy="0"/>
+        </a:xfrm>
+      </p:grpSpPr>
+      <p:sp>
+        <p:nvSpPr>
+          <p:cNvPr id="2" name="Titel 1">
+            <a:extLst>
+              <a:ext uri="{FF2B5EF4-FFF2-40B4-BE49-F238E27FC236}">
+                <a16:creationId xmlns:a16="http://schemas.microsoft.com/office/drawing/2014/main" id="{AFBAA1B4-FFB3-4939-834D-54C1DC63694B}"/>
+              </a:ext>
+            </a:extLst>
+          </p:cNvPr>
+          <p:cNvSpPr>
+            <a:spLocks noGrp="1"/>
+          </p:cNvSpPr>
+          <p:nvPr>
+            <p:ph type="title"/>
+          </p:nvPr>
+        </p:nvSpPr>
+        <p:spPr/>
+        <p:txBody>
+          <a:bodyPr/>
+          <a:lstStyle/>
+          <a:p>
+            <a:r>
+              <a:rPr lang="de-DE" dirty="0"/>
+              <a:t>Gitter - Grundlagen</a:t>
+            </a:r>
+          </a:p>
+        </p:txBody>
+      </p:sp>
+      <mc:AlternateContent xmlns:mc="http://schemas.openxmlformats.org/markup-compatibility/2006">
+        <mc:Choice xmlns:a14="http://schemas.microsoft.com/office/drawing/2010/main" Requires="a14">
           <p:sp>
             <p:nvSpPr>
               <p:cNvPr id="3" name="Inhaltsplatzhalter 2">
@@ -4043,6 +4580,12 @@
                               </m:r>
                             </m:e>
                           </m:d>
+                          <m:r>
+                            <a:rPr lang="de-DE" b="0" i="1" smtClean="0">
+                              <a:latin typeface="Cambria Math" panose="02040503050406030204" pitchFamily="18" charset="0"/>
+                            </a:rPr>
+                            <m:t>)</m:t>
+                          </m:r>
                         </m:e>
                       </m:func>
                       <m:r>
@@ -4177,7 +4720,7 @@
             </p:txBody>
           </p:sp>
         </mc:Choice>
-        <mc:Fallback xmlns="">
+        <mc:Fallback>
           <p:sp>
             <p:nvSpPr>
               <p:cNvPr id="3" name="Inhaltsplatzhalter 2">
@@ -4280,7 +4823,7 @@
           <a:p>
             <a:fld id="{1B67AEDF-9D2A-44BC-82ED-191619495E37}" type="slidenum">
               <a:rPr lang="de-DE" smtClean="0"/>
-              <a:t>10</a:t>
+              <a:t>11</a:t>
             </a:fld>
             <a:endParaRPr lang="de-DE"/>
           </a:p>
@@ -4299,7 +4842,7 @@
 </p:sld>
 </file>
 
-<file path=ppt/slides/slide11.xml><?xml version="1.0" encoding="utf-8"?>
+<file path=ppt/slides/slide12.xml><?xml version="1.0" encoding="utf-8"?>
 <p:sld xmlns:a="http://schemas.openxmlformats.org/drawingml/2006/main" xmlns:r="http://schemas.openxmlformats.org/officeDocument/2006/relationships" xmlns:p="http://schemas.openxmlformats.org/presentationml/2006/main">
   <p:cSld>
     <p:spTree>
@@ -4520,7 +5063,7 @@
           <a:p>
             <a:fld id="{1B67AEDF-9D2A-44BC-82ED-191619495E37}" type="slidenum">
               <a:rPr lang="de-DE" smtClean="0"/>
-              <a:t>11</a:t>
+              <a:t>12</a:t>
             </a:fld>
             <a:endParaRPr lang="de-DE"/>
           </a:p>
@@ -4539,7 +5082,7 @@
 </p:sld>
 </file>
 
-<file path=ppt/slides/slide12.xml><?xml version="1.0" encoding="utf-8"?>
+<file path=ppt/slides/slide13.xml><?xml version="1.0" encoding="utf-8"?>
 <p:sld xmlns:a="http://schemas.openxmlformats.org/drawingml/2006/main" xmlns:r="http://schemas.openxmlformats.org/officeDocument/2006/relationships" xmlns:p="http://schemas.openxmlformats.org/presentationml/2006/main">
   <p:cSld>
     <p:spTree>
@@ -4771,7 +5314,7 @@
           <a:p>
             <a:fld id="{1B67AEDF-9D2A-44BC-82ED-191619495E37}" type="slidenum">
               <a:rPr lang="de-DE" smtClean="0"/>
-              <a:t>12</a:t>
+              <a:t>13</a:t>
             </a:fld>
             <a:endParaRPr lang="de-DE"/>
           </a:p>
@@ -4790,7 +5333,7 @@
 </p:sld>
 </file>
 
-<file path=ppt/slides/slide13.xml><?xml version="1.0" encoding="utf-8"?>
+<file path=ppt/slides/slide14.xml><?xml version="1.0" encoding="utf-8"?>
 <p:sld xmlns:a="http://schemas.openxmlformats.org/drawingml/2006/main" xmlns:r="http://schemas.openxmlformats.org/officeDocument/2006/relationships" xmlns:p="http://schemas.openxmlformats.org/presentationml/2006/main">
   <p:cSld>
     <p:spTree>
@@ -5194,7 +5737,7 @@
           <a:p>
             <a:fld id="{1B67AEDF-9D2A-44BC-82ED-191619495E37}" type="slidenum">
               <a:rPr lang="de-DE" smtClean="0"/>
-              <a:t>13</a:t>
+              <a:t>14</a:t>
             </a:fld>
             <a:endParaRPr lang="de-DE"/>
           </a:p>
@@ -5213,7 +5756,7 @@
 </p:sld>
 </file>
 
-<file path=ppt/slides/slide14.xml><?xml version="1.0" encoding="utf-8"?>
+<file path=ppt/slides/slide15.xml><?xml version="1.0" encoding="utf-8"?>
 <p:sld xmlns:a="http://schemas.openxmlformats.org/drawingml/2006/main" xmlns:r="http://schemas.openxmlformats.org/officeDocument/2006/relationships" xmlns:p="http://schemas.openxmlformats.org/presentationml/2006/main">
   <p:cSld>
     <p:spTree>
@@ -5252,8 +5795,8 @@
           </a:p>
         </p:txBody>
       </p:sp>
-      <mc:AlternateContent xmlns:mc="http://schemas.openxmlformats.org/markup-compatibility/2006">
-        <mc:Choice xmlns:a14="http://schemas.microsoft.com/office/drawing/2010/main" Requires="a14">
+      <mc:AlternateContent xmlns:mc="http://schemas.openxmlformats.org/markup-compatibility/2006" xmlns:a14="http://schemas.microsoft.com/office/drawing/2010/main">
+        <mc:Choice Requires="a14">
           <p:sp>
             <p:nvSpPr>
               <p:cNvPr id="3" name="Inhaltsplatzhalter 2"/>
@@ -5322,7 +5865,7 @@
                     <m:d>
                       <m:dPr>
                         <m:ctrlPr>
-                          <a:rPr lang="de-DE" b="0" i="0" smtClean="0">
+                          <a:rPr lang="de-DE" b="0" i="1" smtClean="0">
                             <a:latin typeface="Cambria Math" panose="02040503050406030204" pitchFamily="18" charset="0"/>
                           </a:rPr>
                         </m:ctrlPr>
@@ -5354,7 +5897,7 @@
                     <m:d>
                       <m:dPr>
                         <m:ctrlPr>
-                          <a:rPr lang="de-DE" b="0" i="0" smtClean="0">
+                          <a:rPr lang="de-DE" b="0" i="1" smtClean="0">
                             <a:latin typeface="Cambria Math" panose="02040503050406030204" pitchFamily="18" charset="0"/>
                           </a:rPr>
                         </m:ctrlPr>
@@ -5387,13 +5930,7 @@
                       <a:rPr lang="de-DE" b="0" i="1" smtClean="0">
                         <a:latin typeface="Cambria Math" panose="02040503050406030204" pitchFamily="18" charset="0"/>
                       </a:rPr>
-                      <m:t>)</m:t>
-                    </m:r>
-                    <m:r>
-                      <a:rPr lang="de-DE" b="0" i="1" smtClean="0">
-                        <a:latin typeface="Cambria Math" panose="02040503050406030204" pitchFamily="18" charset="0"/>
-                      </a:rPr>
-                      <m:t>=</m:t>
+                      <m:t>)=</m:t>
                     </m:r>
                     <m:r>
                       <a:rPr lang="de-DE" b="0" i="1" smtClean="0">
@@ -5445,7 +5982,7 @@
             </p:txBody>
           </p:sp>
         </mc:Choice>
-        <mc:Fallback>
+        <mc:Fallback xmlns="">
           <p:sp>
             <p:nvSpPr>
               <p:cNvPr id="3" name="Inhaltsplatzhalter 2"/>
@@ -5566,7 +6103,7 @@
           <a:p>
             <a:fld id="{1B67AEDF-9D2A-44BC-82ED-191619495E37}" type="slidenum">
               <a:rPr lang="de-DE" smtClean="0"/>
-              <a:t>14</a:t>
+              <a:t>15</a:t>
             </a:fld>
             <a:endParaRPr lang="de-DE"/>
           </a:p>
@@ -5585,7 +6122,7 @@
 </p:sld>
 </file>
 
-<file path=ppt/slides/slide15.xml><?xml version="1.0" encoding="utf-8"?>
+<file path=ppt/slides/slide16.xml><?xml version="1.0" encoding="utf-8"?>
 <p:sld xmlns:a="http://schemas.openxmlformats.org/drawingml/2006/main" xmlns:r="http://schemas.openxmlformats.org/officeDocument/2006/relationships" xmlns:p="http://schemas.openxmlformats.org/presentationml/2006/main">
   <p:cSld>
     <p:spTree>
@@ -5832,7 +6369,7 @@
           <a:p>
             <a:fld id="{1B67AEDF-9D2A-44BC-82ED-191619495E37}" type="slidenum">
               <a:rPr lang="de-DE" smtClean="0"/>
-              <a:t>15</a:t>
+              <a:t>16</a:t>
             </a:fld>
             <a:endParaRPr lang="de-DE"/>
           </a:p>
@@ -5851,7 +6388,7 @@
 </p:sld>
 </file>
 
-<file path=ppt/slides/slide16.xml><?xml version="1.0" encoding="utf-8"?>
+<file path=ppt/slides/slide17.xml><?xml version="1.0" encoding="utf-8"?>
 <p:sld xmlns:a="http://schemas.openxmlformats.org/drawingml/2006/main" xmlns:r="http://schemas.openxmlformats.org/officeDocument/2006/relationships" xmlns:p="http://schemas.openxmlformats.org/presentationml/2006/main">
   <p:cSld>
     <p:spTree>
@@ -5978,7 +6515,7 @@
           <a:p>
             <a:fld id="{1B67AEDF-9D2A-44BC-82ED-191619495E37}" type="slidenum">
               <a:rPr lang="de-DE" smtClean="0"/>
-              <a:t>16</a:t>
+              <a:t>17</a:t>
             </a:fld>
             <a:endParaRPr lang="de-DE"/>
           </a:p>
@@ -6404,8 +6941,8 @@
           </a:p>
         </p:txBody>
       </p:sp>
-      <mc:AlternateContent xmlns:mc="http://schemas.openxmlformats.org/markup-compatibility/2006">
-        <mc:Choice xmlns:a14="http://schemas.microsoft.com/office/drawing/2010/main" Requires="a14">
+      <mc:AlternateContent xmlns:mc="http://schemas.openxmlformats.org/markup-compatibility/2006" xmlns:a14="http://schemas.microsoft.com/office/drawing/2010/main">
+        <mc:Choice Requires="a14">
           <p:sp>
             <p:nvSpPr>
               <p:cNvPr id="4" name="Inhaltsplatzhalter 3">
@@ -6823,7 +7360,7 @@
             </p:txBody>
           </p:sp>
         </mc:Choice>
-        <mc:Fallback>
+        <mc:Fallback xmlns="">
           <p:sp>
             <p:nvSpPr>
               <p:cNvPr id="4" name="Inhaltsplatzhalter 3">
@@ -7000,7 +7537,7 @@
             <a:picLocks noGrp="1" noChangeAspect="1"/>
           </p:cNvPicPr>
           <p:nvPr>
-            <p:ph idx="1"/>
+            <p:ph sz="half" idx="1"/>
           </p:nvPr>
         </p:nvPicPr>
         <p:blipFill>
@@ -7017,11 +7554,190 @@
         </p:blipFill>
         <p:spPr>
           <a:xfrm>
-            <a:off x="3182970" y="1825625"/>
-            <a:ext cx="5826059" cy="4351338"/>
+            <a:off x="6079435" y="1690688"/>
+            <a:ext cx="6245086" cy="4664298"/>
           </a:xfrm>
         </p:spPr>
       </p:pic>
+      <mc:AlternateContent xmlns:mc="http://schemas.openxmlformats.org/markup-compatibility/2006">
+        <mc:Choice xmlns:a14="http://schemas.microsoft.com/office/drawing/2010/main" Requires="a14">
+          <p:sp>
+            <p:nvSpPr>
+              <p:cNvPr id="3" name="Inhaltsplatzhalter 2">
+                <a:extLst>
+                  <a:ext uri="{FF2B5EF4-FFF2-40B4-BE49-F238E27FC236}">
+                    <a16:creationId xmlns:a16="http://schemas.microsoft.com/office/drawing/2014/main" id="{73E587C4-A808-411D-836D-CC5821BF11C8}"/>
+                  </a:ext>
+                </a:extLst>
+              </p:cNvPr>
+              <p:cNvSpPr>
+                <a:spLocks noGrp="1"/>
+              </p:cNvSpPr>
+              <p:nvPr>
+                <p:ph sz="half" idx="2"/>
+              </p:nvPr>
+            </p:nvSpPr>
+            <p:spPr>
+              <a:xfrm>
+                <a:off x="838200" y="2005012"/>
+                <a:ext cx="5181600" cy="4351338"/>
+              </a:xfrm>
+            </p:spPr>
+            <p:txBody>
+              <a:bodyPr/>
+              <a:lstStyle/>
+              <a:p>
+                <a:endParaRPr lang="de-DE" b="0" i="1" dirty="0">
+                  <a:latin typeface="Cambria Math" panose="02040503050406030204" pitchFamily="18" charset="0"/>
+                </a:endParaRPr>
+              </a:p>
+              <a:p>
+                <a:r>
+                  <a:rPr lang="de-DE" dirty="0">
+                    <a:latin typeface="Cambria Math" panose="02040503050406030204" pitchFamily="18" charset="0"/>
+                  </a:rPr>
+                  <a:t>Blau-grüne </a:t>
+                </a:r>
+                <a:r>
+                  <a:rPr lang="de-DE" dirty="0" err="1">
+                    <a:latin typeface="Cambria Math" panose="02040503050406030204" pitchFamily="18" charset="0"/>
+                  </a:rPr>
+                  <a:t>HgCd</a:t>
+                </a:r>
+                <a:r>
+                  <a:rPr lang="de-DE" dirty="0">
+                    <a:latin typeface="Cambria Math" panose="02040503050406030204" pitchFamily="18" charset="0"/>
+                  </a:rPr>
+                  <a:t>-Spektrallinie (</a:t>
+                </a:r>
+                <a14:m>
+                  <m:oMath xmlns:m="http://schemas.openxmlformats.org/officeDocument/2006/math">
+                    <m:r>
+                      <a:rPr lang="de-DE" b="0" i="1" smtClean="0">
+                        <a:latin typeface="Cambria Math" panose="02040503050406030204" pitchFamily="18" charset="0"/>
+                      </a:rPr>
+                      <m:t>𝜆</m:t>
+                    </m:r>
+                    <m:r>
+                      <a:rPr lang="de-DE" b="0" i="1" smtClean="0">
+                        <a:latin typeface="Cambria Math" panose="02040503050406030204" pitchFamily="18" charset="0"/>
+                      </a:rPr>
+                      <m:t>=508,58</m:t>
+                    </m:r>
+                  </m:oMath>
+                </a14:m>
+                <a:r>
+                  <a:rPr lang="de-DE" dirty="0">
+                    <a:latin typeface="Cambria Math" panose="02040503050406030204" pitchFamily="18" charset="0"/>
+                  </a:rPr>
+                  <a:t> nm)</a:t>
+                </a:r>
+              </a:p>
+              <a:p>
+                <a:endParaRPr lang="de-DE" b="0" i="1" dirty="0">
+                  <a:latin typeface="Cambria Math" panose="02040503050406030204" pitchFamily="18" charset="0"/>
+                </a:endParaRPr>
+              </a:p>
+              <a:p>
+                <a14:m>
+                  <m:oMath xmlns:m="http://schemas.openxmlformats.org/officeDocument/2006/math">
+                    <m:sSub>
+                      <m:sSubPr>
+                        <m:ctrlPr>
+                          <a:rPr lang="de-DE" b="0" i="1" smtClean="0">
+                            <a:latin typeface="Cambria Math" panose="02040503050406030204" pitchFamily="18" charset="0"/>
+                          </a:rPr>
+                        </m:ctrlPr>
+                      </m:sSubPr>
+                      <m:e>
+                        <m:r>
+                          <a:rPr lang="de-DE" b="0" i="1" smtClean="0">
+                            <a:latin typeface="Cambria Math" panose="02040503050406030204" pitchFamily="18" charset="0"/>
+                          </a:rPr>
+                          <m:t>𝜎</m:t>
+                        </m:r>
+                      </m:e>
+                      <m:sub>
+                        <m:r>
+                          <a:rPr lang="de-DE" b="0" i="1" smtClean="0">
+                            <a:latin typeface="Cambria Math" panose="02040503050406030204" pitchFamily="18" charset="0"/>
+                          </a:rPr>
+                          <m:t>𝑠𝑡𝑎𝑡</m:t>
+                        </m:r>
+                        <m:r>
+                          <a:rPr lang="de-DE" b="0" i="1" smtClean="0">
+                            <a:latin typeface="Cambria Math" panose="02040503050406030204" pitchFamily="18" charset="0"/>
+                          </a:rPr>
+                          <m:t>.</m:t>
+                        </m:r>
+                      </m:sub>
+                    </m:sSub>
+                    <m:r>
+                      <a:rPr lang="de-DE" b="0" i="1" smtClean="0">
+                        <a:latin typeface="Cambria Math" panose="02040503050406030204" pitchFamily="18" charset="0"/>
+                      </a:rPr>
+                      <m:t>=0,00168</m:t>
+                    </m:r>
+                  </m:oMath>
+                </a14:m>
+                <a:r>
+                  <a:rPr lang="de-DE" dirty="0"/>
+                  <a:t> rad</a:t>
+                </a:r>
+              </a:p>
+              <a:p>
+                <a:endParaRPr lang="de-DE" dirty="0"/>
+              </a:p>
+              <a:p>
+                <a:endParaRPr lang="de-DE" dirty="0"/>
+              </a:p>
+            </p:txBody>
+          </p:sp>
+        </mc:Choice>
+        <mc:Fallback>
+          <p:sp>
+            <p:nvSpPr>
+              <p:cNvPr id="3" name="Inhaltsplatzhalter 2">
+                <a:extLst>
+                  <a:ext uri="{FF2B5EF4-FFF2-40B4-BE49-F238E27FC236}">
+                    <a16:creationId xmlns:a16="http://schemas.microsoft.com/office/drawing/2014/main" id="{73E587C4-A808-411D-836D-CC5821BF11C8}"/>
+                  </a:ext>
+                </a:extLst>
+              </p:cNvPr>
+              <p:cNvSpPr>
+                <a:spLocks noGrp="1" noRot="1" noChangeAspect="1" noMove="1" noResize="1" noEditPoints="1" noAdjustHandles="1" noChangeArrowheads="1" noChangeShapeType="1" noTextEdit="1"/>
+              </p:cNvSpPr>
+              <p:nvPr>
+                <p:ph sz="half" idx="2"/>
+              </p:nvPr>
+            </p:nvSpPr>
+            <p:spPr>
+              <a:xfrm>
+                <a:off x="838200" y="2005012"/>
+                <a:ext cx="5181600" cy="4351338"/>
+              </a:xfrm>
+              <a:blipFill>
+                <a:blip r:embed="rId3"/>
+                <a:stretch>
+                  <a:fillRect l="-2118" r="-1294"/>
+                </a:stretch>
+              </a:blipFill>
+            </p:spPr>
+            <p:txBody>
+              <a:bodyPr/>
+              <a:lstStyle/>
+              <a:p>
+                <a:r>
+                  <a:rPr lang="de-DE">
+                    <a:noFill/>
+                  </a:rPr>
+                  <a:t> </a:t>
+                </a:r>
+              </a:p>
+            </p:txBody>
+          </p:sp>
+        </mc:Fallback>
+      </mc:AlternateContent>
       <p:sp>
         <p:nvSpPr>
           <p:cNvPr id="8" name="Foliennummernplatzhalter 7">
@@ -7224,7 +7940,7 @@
             </p:nvSpPr>
             <p:spPr>
               <a:xfrm>
-                <a:off x="345623" y="1911874"/>
+                <a:off x="345623" y="2400092"/>
                 <a:ext cx="5078914" cy="492443"/>
               </a:xfrm>
               <a:prstGeom prst="rect">
@@ -7238,6 +7954,7 @@
               </a:bodyPr>
               <a:lstStyle/>
               <a:p>
+                <a:pPr/>
                 <a14:m>
                   <m:oMathPara xmlns:m="http://schemas.openxmlformats.org/officeDocument/2006/math">
                     <m:oMathParaPr>
@@ -7362,7 +8079,7 @@
             </p:nvSpPr>
             <p:spPr>
               <a:xfrm>
-                <a:off x="345623" y="1911874"/>
+                <a:off x="345623" y="2400092"/>
                 <a:ext cx="5078914" cy="492443"/>
               </a:xfrm>
               <a:prstGeom prst="rect">
@@ -7390,6 +8107,45 @@
           </p:sp>
         </mc:Fallback>
       </mc:AlternateContent>
+      <p:sp>
+        <p:nvSpPr>
+          <p:cNvPr id="2" name="Textfeld 1">
+            <a:extLst>
+              <a:ext uri="{FF2B5EF4-FFF2-40B4-BE49-F238E27FC236}">
+                <a16:creationId xmlns:a16="http://schemas.microsoft.com/office/drawing/2014/main" id="{69A148F9-26D7-418B-92AB-1B755E2D440D}"/>
+              </a:ext>
+            </a:extLst>
+          </p:cNvPr>
+          <p:cNvSpPr txBox="1"/>
+          <p:nvPr/>
+        </p:nvSpPr>
+        <p:spPr>
+          <a:xfrm>
+            <a:off x="1703980" y="1698350"/>
+            <a:ext cx="2362200" cy="584775"/>
+          </a:xfrm>
+          <a:prstGeom prst="rect">
+            <a:avLst/>
+          </a:prstGeom>
+          <a:noFill/>
+        </p:spPr>
+        <p:txBody>
+          <a:bodyPr wrap="square" rtlCol="0">
+            <a:spAutoFit/>
+          </a:bodyPr>
+          <a:lstStyle/>
+          <a:p>
+            <a:r>
+              <a:rPr lang="de-DE" sz="3200" dirty="0" err="1"/>
+              <a:t>HgCd</a:t>
+            </a:r>
+            <a:r>
+              <a:rPr lang="de-DE" sz="3200" dirty="0"/>
+              <a:t>-Lampe</a:t>
+            </a:r>
+          </a:p>
+        </p:txBody>
+      </p:sp>
     </p:spTree>
     <p:extLst>
       <p:ext uri="{BB962C8B-B14F-4D97-AF65-F5344CB8AC3E}">
@@ -7781,8 +8537,8 @@
           </a:p>
         </p:txBody>
       </p:sp>
-      <mc:AlternateContent xmlns:mc="http://schemas.openxmlformats.org/markup-compatibility/2006" xmlns:a14="http://schemas.microsoft.com/office/drawing/2010/main">
-        <mc:Choice Requires="a14">
+      <mc:AlternateContent xmlns:mc="http://schemas.openxmlformats.org/markup-compatibility/2006">
+        <mc:Choice xmlns:a14="http://schemas.microsoft.com/office/drawing/2010/main" Requires="a14">
           <p:sp>
             <p:nvSpPr>
               <p:cNvPr id="3" name="Inhaltsplatzhalter 2">
@@ -7801,8 +8557,8 @@
             </p:nvSpPr>
             <p:spPr>
               <a:xfrm>
-                <a:off x="428625" y="2073275"/>
-                <a:ext cx="5181600" cy="4351338"/>
+                <a:off x="633412" y="2073275"/>
+                <a:ext cx="10925175" cy="4351338"/>
               </a:xfrm>
             </p:spPr>
             <p:txBody>
@@ -7819,7 +8575,10 @@
                 </a:endParaRPr>
               </a:p>
               <a:p>
-                <a:endParaRPr lang="de-DE" b="0" i="1" dirty="0">
+                <a:pPr marL="0" indent="0">
+                  <a:buNone/>
+                </a:pPr>
+                <a:endParaRPr lang="de-DE" i="1" dirty="0">
                   <a:latin typeface="Cambria Math" panose="02040503050406030204" pitchFamily="18" charset="0"/>
                 </a:endParaRPr>
               </a:p>
@@ -7892,10 +8651,33 @@
                 </a14:m>
                 <a:endParaRPr lang="de-DE" dirty="0"/>
               </a:p>
+              <a:p>
+                <a:endParaRPr lang="de-DE" dirty="0"/>
+              </a:p>
+              <a:p>
+                <a:r>
+                  <a:rPr lang="de-DE" dirty="0"/>
+                  <a:t>Fehler auf a und b gehen systematisch in </a:t>
+                </a:r>
+                <a14:m>
+                  <m:oMath xmlns:m="http://schemas.openxmlformats.org/officeDocument/2006/math">
+                    <m:r>
+                      <a:rPr lang="de-DE" b="0" i="1" smtClean="0">
+                        <a:latin typeface="Cambria Math" panose="02040503050406030204" pitchFamily="18" charset="0"/>
+                      </a:rPr>
+                      <m:t>𝜆</m:t>
+                    </m:r>
+                  </m:oMath>
+                </a14:m>
+                <a:r>
+                  <a:rPr lang="de-DE" dirty="0"/>
+                  <a:t> ein</a:t>
+                </a:r>
+              </a:p>
             </p:txBody>
           </p:sp>
         </mc:Choice>
-        <mc:Fallback xmlns="">
+        <mc:Fallback>
           <p:sp>
             <p:nvSpPr>
               <p:cNvPr id="3" name="Inhaltsplatzhalter 2">
@@ -7914,13 +8696,13 @@
             </p:nvSpPr>
             <p:spPr>
               <a:xfrm>
-                <a:off x="428625" y="2073275"/>
-                <a:ext cx="5181600" cy="4351338"/>
+                <a:off x="633412" y="2073275"/>
+                <a:ext cx="10925175" cy="4351338"/>
               </a:xfrm>
               <a:blipFill>
                 <a:blip r:embed="rId2"/>
                 <a:stretch>
-                  <a:fillRect/>
+                  <a:fillRect l="-1004"/>
                 </a:stretch>
               </a:blipFill>
             </p:spPr>
@@ -7967,80 +8749,8 @@
         </p:blipFill>
         <p:spPr>
           <a:xfrm>
-            <a:off x="838200" y="1812925"/>
-            <a:ext cx="9544050" cy="1062124"/>
-          </a:xfrm>
-          <a:prstGeom prst="rect">
-            <a:avLst/>
-          </a:prstGeom>
-        </p:spPr>
-      </p:pic>
-      <p:pic>
-        <p:nvPicPr>
-          <p:cNvPr id="6" name="Grafik 5">
-            <a:extLst>
-              <a:ext uri="{FF2B5EF4-FFF2-40B4-BE49-F238E27FC236}">
-                <a16:creationId xmlns:a16="http://schemas.microsoft.com/office/drawing/2014/main" id="{F3064B6A-1E32-455C-B152-C38B80D5B05D}"/>
-              </a:ext>
-            </a:extLst>
-          </p:cNvPr>
-          <p:cNvPicPr>
-            <a:picLocks noChangeAspect="1"/>
-          </p:cNvPicPr>
-          <p:nvPr/>
-        </p:nvPicPr>
-        <p:blipFill>
-          <a:blip r:embed="rId4">
-            <a:extLst>
-              <a:ext uri="{28A0092B-C50C-407E-A947-70E740481C1C}">
-                <a14:useLocalDpi xmlns:a14="http://schemas.microsoft.com/office/drawing/2010/main" val="0"/>
-              </a:ext>
-            </a:extLst>
-          </a:blip>
-          <a:stretch>
-            <a:fillRect/>
-          </a:stretch>
-        </p:blipFill>
-        <p:spPr>
-          <a:xfrm>
-            <a:off x="2776831" y="4555394"/>
-            <a:ext cx="7605419" cy="1988992"/>
-          </a:xfrm>
-          <a:prstGeom prst="rect">
-            <a:avLst/>
-          </a:prstGeom>
-        </p:spPr>
-      </p:pic>
-      <p:pic>
-        <p:nvPicPr>
-          <p:cNvPr id="9" name="Grafik 8">
-            <a:extLst>
-              <a:ext uri="{FF2B5EF4-FFF2-40B4-BE49-F238E27FC236}">
-                <a16:creationId xmlns:a16="http://schemas.microsoft.com/office/drawing/2014/main" id="{94175D85-91B5-46A4-8687-7B4C20F0D336}"/>
-              </a:ext>
-            </a:extLst>
-          </p:cNvPr>
-          <p:cNvPicPr>
-            <a:picLocks noChangeAspect="1"/>
-          </p:cNvPicPr>
-          <p:nvPr/>
-        </p:nvPicPr>
-        <p:blipFill>
-          <a:blip r:embed="rId5">
-            <a:extLst>
-              <a:ext uri="{28A0092B-C50C-407E-A947-70E740481C1C}">
-                <a14:useLocalDpi xmlns:a14="http://schemas.microsoft.com/office/drawing/2010/main" val="0"/>
-              </a:ext>
-            </a:extLst>
-          </a:blip>
-          <a:stretch>
-            <a:fillRect/>
-          </a:stretch>
-        </p:blipFill>
-        <p:spPr>
-          <a:xfrm>
-            <a:off x="2340821" y="3132241"/>
-            <a:ext cx="9777307" cy="1165961"/>
+            <a:off x="838200" y="2073275"/>
+            <a:ext cx="10026418" cy="1160255"/>
           </a:xfrm>
           <a:prstGeom prst="rect">
             <a:avLst/>
@@ -8111,7 +8821,7 @@
           <p:cNvPr id="2" name="Titel 1">
             <a:extLst>
               <a:ext uri="{FF2B5EF4-FFF2-40B4-BE49-F238E27FC236}">
-                <a16:creationId xmlns:a16="http://schemas.microsoft.com/office/drawing/2014/main" id="{BDDA4D34-56D0-4F1B-944B-DE8AB42ADF3B}"/>
+                <a16:creationId xmlns:a16="http://schemas.microsoft.com/office/drawing/2014/main" id="{007219CF-DC1E-42DF-ACA3-E74708E5F51E}"/>
               </a:ext>
             </a:extLst>
           </p:cNvPr>
@@ -8129,466 +8839,17 @@
           <a:p>
             <a:r>
               <a:rPr lang="de-DE" dirty="0"/>
-              <a:t>Auflösungsvermögen</a:t>
-            </a:r>
-          </a:p>
-        </p:txBody>
-      </p:sp>
-      <mc:AlternateContent xmlns:mc="http://schemas.openxmlformats.org/markup-compatibility/2006">
-        <mc:Choice xmlns:a14="http://schemas.microsoft.com/office/drawing/2010/main" Requires="a14">
-          <p:sp>
-            <p:nvSpPr>
-              <p:cNvPr id="5" name="Inhaltsplatzhalter 4">
-                <a:extLst>
-                  <a:ext uri="{FF2B5EF4-FFF2-40B4-BE49-F238E27FC236}">
-                    <a16:creationId xmlns:a16="http://schemas.microsoft.com/office/drawing/2014/main" id="{62B27D76-E25D-4214-AC9B-F70B03C45AEF}"/>
-                  </a:ext>
-                </a:extLst>
-              </p:cNvPr>
-              <p:cNvSpPr>
-                <a:spLocks noGrp="1"/>
-              </p:cNvSpPr>
-              <p:nvPr>
-                <p:ph idx="1"/>
-              </p:nvPr>
-            </p:nvSpPr>
-            <p:spPr>
-              <a:xfrm>
-                <a:off x="841513" y="1825625"/>
-                <a:ext cx="10515600" cy="4351338"/>
-              </a:xfrm>
-            </p:spPr>
-            <p:txBody>
-              <a:bodyPr>
-                <a:normAutofit fontScale="92500" lnSpcReduction="20000"/>
-              </a:bodyPr>
-              <a:lstStyle/>
-              <a:p>
-                <a:r>
-                  <a:rPr lang="de-DE" dirty="0"/>
-                  <a:t>Hg-Doppellinie bei </a:t>
-                </a:r>
-                <a14:m>
-                  <m:oMath xmlns:m="http://schemas.openxmlformats.org/officeDocument/2006/math">
-                    <m:r>
-                      <a:rPr lang="de-DE" b="0" i="1" smtClean="0">
-                        <a:latin typeface="Cambria Math" panose="02040503050406030204" pitchFamily="18" charset="0"/>
-                      </a:rPr>
-                      <m:t>𝜆</m:t>
-                    </m:r>
-                    <m:r>
-                      <a:rPr lang="de-DE" b="0" i="1" smtClean="0">
-                        <a:latin typeface="Cambria Math" panose="02040503050406030204" pitchFamily="18" charset="0"/>
-                      </a:rPr>
-                      <m:t>=579,07 </m:t>
-                    </m:r>
-                    <m:r>
-                      <a:rPr lang="de-DE" b="0" i="1" smtClean="0">
-                        <a:latin typeface="Cambria Math" panose="02040503050406030204" pitchFamily="18" charset="0"/>
-                      </a:rPr>
-                      <m:t>𝑛𝑚</m:t>
-                    </m:r>
-                  </m:oMath>
-                </a14:m>
-                <a:endParaRPr lang="de-DE" dirty="0"/>
-              </a:p>
-              <a:p>
-                <a14:m>
-                  <m:oMath xmlns:m="http://schemas.openxmlformats.org/officeDocument/2006/math">
-                    <m:r>
-                      <a:rPr lang="de-DE" b="0" i="1" smtClean="0">
-                        <a:latin typeface="Cambria Math" panose="02040503050406030204" pitchFamily="18" charset="0"/>
-                      </a:rPr>
-                      <m:t>𝐴</m:t>
-                    </m:r>
-                    <m:r>
-                      <a:rPr lang="de-DE" b="0" i="1" smtClean="0">
-                        <a:latin typeface="Cambria Math" panose="02040503050406030204" pitchFamily="18" charset="0"/>
-                      </a:rPr>
-                      <m:t>=</m:t>
-                    </m:r>
-                    <m:f>
-                      <m:fPr>
-                        <m:ctrlPr>
-                          <a:rPr lang="de-DE" b="0" i="1" smtClean="0">
-                            <a:latin typeface="Cambria Math" panose="02040503050406030204" pitchFamily="18" charset="0"/>
-                          </a:rPr>
-                        </m:ctrlPr>
-                      </m:fPr>
-                      <m:num>
-                        <m:r>
-                          <a:rPr lang="de-DE" b="0" i="1" smtClean="0">
-                            <a:latin typeface="Cambria Math" panose="02040503050406030204" pitchFamily="18" charset="0"/>
-                          </a:rPr>
-                          <m:t>𝑑𝑛</m:t>
-                        </m:r>
-                      </m:num>
-                      <m:den>
-                        <m:r>
-                          <a:rPr lang="de-DE" b="0" i="1" smtClean="0">
-                            <a:latin typeface="Cambria Math" panose="02040503050406030204" pitchFamily="18" charset="0"/>
-                          </a:rPr>
-                          <m:t>𝑑</m:t>
-                        </m:r>
-                        <m:r>
-                          <a:rPr lang="de-DE" b="0" i="1" smtClean="0">
-                            <a:latin typeface="Cambria Math" panose="02040503050406030204" pitchFamily="18" charset="0"/>
-                          </a:rPr>
-                          <m:t>𝜆</m:t>
-                        </m:r>
-                      </m:den>
-                    </m:f>
-                    <m:r>
-                      <a:rPr lang="de-DE" b="0" i="1" smtClean="0">
-                        <a:latin typeface="Cambria Math" panose="02040503050406030204" pitchFamily="18" charset="0"/>
-                      </a:rPr>
-                      <m:t>⋅2</m:t>
-                    </m:r>
-                    <m:r>
-                      <a:rPr lang="de-DE" b="0" i="1" smtClean="0">
-                        <a:latin typeface="Cambria Math" panose="02040503050406030204" pitchFamily="18" charset="0"/>
-                      </a:rPr>
-                      <m:t>𝑎</m:t>
-                    </m:r>
-                    <m:r>
-                      <a:rPr lang="de-DE" b="0" i="1" smtClean="0">
-                        <a:latin typeface="Cambria Math" panose="02040503050406030204" pitchFamily="18" charset="0"/>
-                      </a:rPr>
-                      <m:t>⋅</m:t>
-                    </m:r>
-                    <m:f>
-                      <m:fPr>
-                        <m:ctrlPr>
-                          <a:rPr lang="de-DE" b="0" i="1" smtClean="0">
-                            <a:latin typeface="Cambria Math" panose="02040503050406030204" pitchFamily="18" charset="0"/>
-                          </a:rPr>
-                        </m:ctrlPr>
-                      </m:fPr>
-                      <m:num>
-                        <m:r>
-                          <m:rPr>
-                            <m:sty m:val="p"/>
-                          </m:rPr>
-                          <a:rPr lang="de-DE" b="0" i="0" smtClean="0">
-                            <a:latin typeface="Cambria Math" panose="02040503050406030204" pitchFamily="18" charset="0"/>
-                          </a:rPr>
-                          <m:t>sin</m:t>
-                        </m:r>
-                        <m:r>
-                          <a:rPr lang="de-DE" b="0" i="1" smtClean="0">
-                            <a:latin typeface="Cambria Math" panose="02040503050406030204" pitchFamily="18" charset="0"/>
-                          </a:rPr>
-                          <m:t>⁡(</m:t>
-                        </m:r>
-                        <m:f>
-                          <m:fPr>
-                            <m:ctrlPr>
-                              <a:rPr lang="de-DE" b="0" i="1" smtClean="0">
-                                <a:latin typeface="Cambria Math" panose="02040503050406030204" pitchFamily="18" charset="0"/>
-                              </a:rPr>
-                            </m:ctrlPr>
-                          </m:fPr>
-                          <m:num>
-                            <m:r>
-                              <a:rPr lang="de-DE" i="1">
-                                <a:latin typeface="Cambria Math" panose="02040503050406030204" pitchFamily="18" charset="0"/>
-                              </a:rPr>
-                              <m:t>𝜖</m:t>
-                            </m:r>
-                          </m:num>
-                          <m:den>
-                            <m:r>
-                              <a:rPr lang="de-DE" b="0" i="1" smtClean="0">
-                                <a:latin typeface="Cambria Math" panose="02040503050406030204" pitchFamily="18" charset="0"/>
-                              </a:rPr>
-                              <m:t>2</m:t>
-                            </m:r>
-                          </m:den>
-                        </m:f>
-                        <m:r>
-                          <a:rPr lang="de-DE" b="0" i="1" smtClean="0">
-                            <a:latin typeface="Cambria Math" panose="02040503050406030204" pitchFamily="18" charset="0"/>
-                          </a:rPr>
-                          <m:t>)</m:t>
-                        </m:r>
-                      </m:num>
-                      <m:den>
-                        <m:r>
-                          <m:rPr>
-                            <m:sty m:val="p"/>
-                          </m:rPr>
-                          <a:rPr lang="de-DE" b="0" i="0" smtClean="0">
-                            <a:latin typeface="Cambria Math" panose="02040503050406030204" pitchFamily="18" charset="0"/>
-                          </a:rPr>
-                          <m:t>cos</m:t>
-                        </m:r>
-                        <m:r>
-                          <a:rPr lang="de-DE" b="0" i="1" smtClean="0">
-                            <a:latin typeface="Cambria Math" panose="02040503050406030204" pitchFamily="18" charset="0"/>
-                          </a:rPr>
-                          <m:t>⁡(</m:t>
-                        </m:r>
-                        <m:f>
-                          <m:fPr>
-                            <m:ctrlPr>
-                              <a:rPr lang="de-DE" b="0" i="1" smtClean="0">
-                                <a:latin typeface="Cambria Math" panose="02040503050406030204" pitchFamily="18" charset="0"/>
-                              </a:rPr>
-                            </m:ctrlPr>
-                          </m:fPr>
-                          <m:num>
-                            <m:r>
-                              <a:rPr lang="de-DE" b="0" i="1" smtClean="0">
-                                <a:latin typeface="Cambria Math" panose="02040503050406030204" pitchFamily="18" charset="0"/>
-                              </a:rPr>
-                              <m:t>𝛿</m:t>
-                            </m:r>
-                            <m:r>
-                              <a:rPr lang="de-DE" b="0" i="1" smtClean="0">
-                                <a:latin typeface="Cambria Math" panose="02040503050406030204" pitchFamily="18" charset="0"/>
-                              </a:rPr>
-                              <m:t>+</m:t>
-                            </m:r>
-                            <m:r>
-                              <a:rPr lang="de-DE" b="0" i="1" smtClean="0">
-                                <a:latin typeface="Cambria Math" panose="02040503050406030204" pitchFamily="18" charset="0"/>
-                              </a:rPr>
-                              <m:t>𝜖</m:t>
-                            </m:r>
-                          </m:num>
-                          <m:den>
-                            <m:r>
-                              <a:rPr lang="de-DE" b="0" i="1" smtClean="0">
-                                <a:latin typeface="Cambria Math" panose="02040503050406030204" pitchFamily="18" charset="0"/>
-                              </a:rPr>
-                              <m:t>2</m:t>
-                            </m:r>
-                          </m:den>
-                        </m:f>
-                        <m:r>
-                          <a:rPr lang="de-DE" b="0" i="1" smtClean="0">
-                            <a:latin typeface="Cambria Math" panose="02040503050406030204" pitchFamily="18" charset="0"/>
-                          </a:rPr>
-                          <m:t>)</m:t>
-                        </m:r>
-                      </m:den>
-                    </m:f>
-                  </m:oMath>
-                </a14:m>
-                <a:endParaRPr lang="de-DE" dirty="0"/>
-              </a:p>
-              <a:p>
-                <a:r>
-                  <a:rPr lang="de-DE" dirty="0"/>
-                  <a:t>Experimentelles Ergebnis (a=1mm):</a:t>
-                </a:r>
-              </a:p>
-              <a:p>
-                <a:pPr marL="457200" lvl="1" indent="0">
-                  <a:buNone/>
-                </a:pPr>
-                <a:r>
-                  <a:rPr lang="de-DE" dirty="0"/>
-                  <a:t>				</a:t>
-                </a:r>
-              </a:p>
-              <a:p>
-                <a:pPr marL="457200" lvl="1" indent="0">
-                  <a:buNone/>
-                </a:pPr>
-                <a:r>
-                  <a:rPr lang="de-DE" dirty="0"/>
-                  <a:t>				</a:t>
-                </a:r>
-                <a14:m>
-                  <m:oMath xmlns:m="http://schemas.openxmlformats.org/officeDocument/2006/math">
-                    <m:r>
-                      <a:rPr lang="de-DE" i="1">
-                        <a:latin typeface="Cambria Math" panose="02040503050406030204" pitchFamily="18" charset="0"/>
-                      </a:rPr>
-                      <m:t>𝐴</m:t>
-                    </m:r>
-                    <m:r>
-                      <a:rPr lang="de-DE" i="1">
-                        <a:latin typeface="Cambria Math" panose="02040503050406030204" pitchFamily="18" charset="0"/>
-                      </a:rPr>
-                      <m:t>≈286</m:t>
-                    </m:r>
-                  </m:oMath>
-                </a14:m>
-                <a:endParaRPr lang="de-DE" dirty="0"/>
-              </a:p>
-              <a:p>
-                <a:pPr marL="0" indent="0">
-                  <a:buNone/>
-                </a:pPr>
-                <a:endParaRPr lang="de-DE" dirty="0"/>
-              </a:p>
-              <a:p>
-                <a:r>
-                  <a:rPr lang="de-DE" dirty="0"/>
-                  <a:t>Theoretisch erwartetes Auflösungsvermögen:</a:t>
-                </a:r>
-              </a:p>
-              <a:p>
-                <a:endParaRPr lang="de-DE" dirty="0"/>
-              </a:p>
-              <a:p>
-                <a:pPr marL="457200" lvl="1" indent="0">
-                  <a:buNone/>
-                </a:pPr>
-                <a14:m>
-                  <m:oMathPara xmlns:m="http://schemas.openxmlformats.org/officeDocument/2006/math">
-                    <m:oMathParaPr>
-                      <m:jc m:val="centerGroup"/>
-                    </m:oMathParaPr>
-                    <m:oMath xmlns:m="http://schemas.openxmlformats.org/officeDocument/2006/math">
-                      <m:r>
-                        <a:rPr lang="de-DE" i="1">
-                          <a:latin typeface="Cambria Math" panose="02040503050406030204" pitchFamily="18" charset="0"/>
-                        </a:rPr>
-                        <m:t>𝐴</m:t>
-                      </m:r>
-                      <m:r>
-                        <a:rPr lang="de-DE" i="1">
-                          <a:latin typeface="Cambria Math" panose="02040503050406030204" pitchFamily="18" charset="0"/>
-                        </a:rPr>
-                        <m:t>= </m:t>
-                      </m:r>
-                      <m:f>
-                        <m:fPr>
-                          <m:ctrlPr>
-                            <a:rPr lang="de-DE" i="1">
-                              <a:latin typeface="Cambria Math" panose="02040503050406030204" pitchFamily="18" charset="0"/>
-                            </a:rPr>
-                          </m:ctrlPr>
-                        </m:fPr>
-                        <m:num>
-                          <m:r>
-                            <a:rPr lang="de-DE" i="1">
-                              <a:latin typeface="Cambria Math" panose="02040503050406030204" pitchFamily="18" charset="0"/>
-                            </a:rPr>
-                            <m:t>579,1 </m:t>
-                          </m:r>
-                          <m:r>
-                            <a:rPr lang="de-DE" i="1">
-                              <a:latin typeface="Cambria Math" panose="02040503050406030204" pitchFamily="18" charset="0"/>
-                            </a:rPr>
-                            <m:t>𝑛𝑚</m:t>
-                          </m:r>
-                        </m:num>
-                        <m:den>
-                          <m:r>
-                            <a:rPr lang="de-DE" i="1">
-                              <a:latin typeface="Cambria Math" panose="02040503050406030204" pitchFamily="18" charset="0"/>
-                            </a:rPr>
-                            <m:t>2,1 </m:t>
-                          </m:r>
-                          <m:r>
-                            <a:rPr lang="de-DE" i="1">
-                              <a:latin typeface="Cambria Math" panose="02040503050406030204" pitchFamily="18" charset="0"/>
-                            </a:rPr>
-                            <m:t>𝑛𝑚</m:t>
-                          </m:r>
-                        </m:den>
-                      </m:f>
-                      <m:r>
-                        <a:rPr lang="de-DE" i="1">
-                          <a:latin typeface="Cambria Math" panose="02040503050406030204" pitchFamily="18" charset="0"/>
-                        </a:rPr>
-                        <m:t>≈276</m:t>
-                      </m:r>
-                    </m:oMath>
-                  </m:oMathPara>
-                </a14:m>
-                <a:endParaRPr lang="de-DE" dirty="0"/>
-              </a:p>
-              <a:p>
-                <a:endParaRPr lang="de-DE" dirty="0"/>
-              </a:p>
-              <a:p>
-                <a:endParaRPr lang="de-DE" dirty="0"/>
-              </a:p>
-              <a:p>
-                <a:endParaRPr lang="de-DE" dirty="0"/>
-              </a:p>
-              <a:p>
-                <a:endParaRPr lang="de-DE" dirty="0"/>
-              </a:p>
-              <a:p>
-                <a:endParaRPr lang="de-DE" dirty="0"/>
-              </a:p>
-              <a:p>
-                <a:endParaRPr lang="de-DE" dirty="0"/>
-              </a:p>
-              <a:p>
-                <a:endParaRPr lang="de-DE" dirty="0"/>
-              </a:p>
-              <a:p>
-                <a:pPr marL="457200" lvl="1" indent="0">
-                  <a:buNone/>
-                </a:pPr>
-                <a:endParaRPr lang="de-DE" dirty="0"/>
-              </a:p>
-              <a:p>
-                <a:pPr marL="457200" lvl="1" indent="0">
-                  <a:buNone/>
-                </a:pPr>
-                <a:endParaRPr lang="de-DE" dirty="0"/>
-              </a:p>
-            </p:txBody>
-          </p:sp>
-        </mc:Choice>
-        <mc:Fallback>
-          <p:sp>
-            <p:nvSpPr>
-              <p:cNvPr id="5" name="Inhaltsplatzhalter 4">
-                <a:extLst>
-                  <a:ext uri="{FF2B5EF4-FFF2-40B4-BE49-F238E27FC236}">
-                    <a16:creationId xmlns:a16="http://schemas.microsoft.com/office/drawing/2014/main" id="{62B27D76-E25D-4214-AC9B-F70B03C45AEF}"/>
-                  </a:ext>
-                </a:extLst>
-              </p:cNvPr>
-              <p:cNvSpPr>
-                <a:spLocks noGrp="1" noRot="1" noChangeAspect="1" noMove="1" noResize="1" noEditPoints="1" noAdjustHandles="1" noChangeArrowheads="1" noChangeShapeType="1" noTextEdit="1"/>
-              </p:cNvSpPr>
-              <p:nvPr>
-                <p:ph idx="1"/>
-              </p:nvPr>
-            </p:nvSpPr>
-            <p:spPr>
-              <a:xfrm>
-                <a:off x="841513" y="1825625"/>
-                <a:ext cx="10515600" cy="4351338"/>
-              </a:xfrm>
-              <a:blipFill>
-                <a:blip r:embed="rId2"/>
-                <a:stretch>
-                  <a:fillRect l="-870" t="-3501"/>
-                </a:stretch>
-              </a:blipFill>
-            </p:spPr>
-            <p:txBody>
-              <a:bodyPr/>
-              <a:lstStyle/>
-              <a:p>
-                <a:r>
-                  <a:rPr lang="de-DE">
-                    <a:noFill/>
-                  </a:rPr>
-                  <a:t> </a:t>
-                </a:r>
-              </a:p>
-            </p:txBody>
-          </p:sp>
-        </mc:Fallback>
-      </mc:AlternateContent>
-      <p:sp>
-        <p:nvSpPr>
-          <p:cNvPr id="3" name="Foliennummernplatzhalter 2">
-            <a:extLst>
-              <a:ext uri="{FF2B5EF4-FFF2-40B4-BE49-F238E27FC236}">
-                <a16:creationId xmlns:a16="http://schemas.microsoft.com/office/drawing/2014/main" id="{3A77624E-5063-40F8-8681-C75B024C6DD1}"/>
+              <a:t>Bestimmung des Spektrum (Zink)</a:t>
+            </a:r>
+          </a:p>
+        </p:txBody>
+      </p:sp>
+      <p:sp>
+        <p:nvSpPr>
+          <p:cNvPr id="5" name="Foliennummernplatzhalter 4">
+            <a:extLst>
+              <a:ext uri="{FF2B5EF4-FFF2-40B4-BE49-F238E27FC236}">
+                <a16:creationId xmlns:a16="http://schemas.microsoft.com/office/drawing/2014/main" id="{58D40897-9106-4D50-98F8-B1FB08125F28}"/>
               </a:ext>
             </a:extLst>
           </p:cNvPr>
@@ -8612,10 +8873,86 @@
           </a:p>
         </p:txBody>
       </p:sp>
+      <p:pic>
+        <p:nvPicPr>
+          <p:cNvPr id="6" name="Inhaltsplatzhalter 5">
+            <a:extLst>
+              <a:ext uri="{FF2B5EF4-FFF2-40B4-BE49-F238E27FC236}">
+                <a16:creationId xmlns:a16="http://schemas.microsoft.com/office/drawing/2014/main" id="{4C32EE42-8346-4FC8-A37F-621D82821575}"/>
+              </a:ext>
+            </a:extLst>
+          </p:cNvPr>
+          <p:cNvPicPr>
+            <a:picLocks noGrp="1" noChangeAspect="1"/>
+          </p:cNvPicPr>
+          <p:nvPr>
+            <p:ph sz="half" idx="1"/>
+          </p:nvPr>
+        </p:nvPicPr>
+        <p:blipFill>
+          <a:blip r:embed="rId2">
+            <a:extLst>
+              <a:ext uri="{28A0092B-C50C-407E-A947-70E740481C1C}">
+                <a14:useLocalDpi xmlns:a14="http://schemas.microsoft.com/office/drawing/2010/main" val="0"/>
+              </a:ext>
+            </a:extLst>
+          </a:blip>
+          <a:stretch>
+            <a:fillRect/>
+          </a:stretch>
+        </p:blipFill>
+        <p:spPr>
+          <a:xfrm>
+            <a:off x="990599" y="1889299"/>
+            <a:ext cx="10160947" cy="1211709"/>
+          </a:xfrm>
+          <a:prstGeom prst="rect">
+            <a:avLst/>
+          </a:prstGeom>
+        </p:spPr>
+      </p:pic>
+      <p:pic>
+        <p:nvPicPr>
+          <p:cNvPr id="7" name="Inhaltsplatzhalter 6">
+            <a:extLst>
+              <a:ext uri="{FF2B5EF4-FFF2-40B4-BE49-F238E27FC236}">
+                <a16:creationId xmlns:a16="http://schemas.microsoft.com/office/drawing/2014/main" id="{D03DD642-AC79-4902-8EE8-B9E4294317AC}"/>
+              </a:ext>
+            </a:extLst>
+          </p:cNvPr>
+          <p:cNvPicPr>
+            <a:picLocks noGrp="1" noChangeAspect="1"/>
+          </p:cNvPicPr>
+          <p:nvPr>
+            <p:ph sz="half" idx="2"/>
+          </p:nvPr>
+        </p:nvPicPr>
+        <p:blipFill>
+          <a:blip r:embed="rId3">
+            <a:extLst>
+              <a:ext uri="{28A0092B-C50C-407E-A947-70E740481C1C}">
+                <a14:useLocalDpi xmlns:a14="http://schemas.microsoft.com/office/drawing/2010/main" val="0"/>
+              </a:ext>
+            </a:extLst>
+          </a:blip>
+          <a:stretch>
+            <a:fillRect/>
+          </a:stretch>
+        </p:blipFill>
+        <p:spPr>
+          <a:xfrm>
+            <a:off x="838200" y="3659174"/>
+            <a:ext cx="10313346" cy="2697176"/>
+          </a:xfrm>
+          <a:prstGeom prst="rect">
+            <a:avLst/>
+          </a:prstGeom>
+        </p:spPr>
+      </p:pic>
     </p:spTree>
     <p:extLst>
       <p:ext uri="{BB962C8B-B14F-4D97-AF65-F5344CB8AC3E}">
-        <p14:creationId xmlns:p14="http://schemas.microsoft.com/office/powerpoint/2010/main" val="2328462010"/>
+        <p14:creationId xmlns:p14="http://schemas.microsoft.com/office/powerpoint/2010/main" val="2582469970"/>
       </p:ext>
     </p:extLst>
   </p:cSld>

--- a/grundpraktikum2/Optik 1/Optik I.pptx
+++ b/grundpraktikum2/Optik 1/Optik I.pptx
@@ -4371,8 +4371,8 @@
           </a:p>
         </p:txBody>
       </p:sp>
-      <mc:AlternateContent xmlns:mc="http://schemas.openxmlformats.org/markup-compatibility/2006">
-        <mc:Choice xmlns:a14="http://schemas.microsoft.com/office/drawing/2010/main" Requires="a14">
+      <mc:AlternateContent xmlns:mc="http://schemas.openxmlformats.org/markup-compatibility/2006" xmlns:a14="http://schemas.microsoft.com/office/drawing/2010/main">
+        <mc:Choice Requires="a14">
           <p:sp>
             <p:nvSpPr>
               <p:cNvPr id="3" name="Inhaltsplatzhalter 2">
@@ -4720,7 +4720,7 @@
             </p:txBody>
           </p:sp>
         </mc:Choice>
-        <mc:Fallback>
+        <mc:Fallback xmlns="">
           <p:sp>
             <p:nvSpPr>
               <p:cNvPr id="3" name="Inhaltsplatzhalter 2">
@@ -6440,7 +6440,7 @@
         <p:spPr/>
         <p:txBody>
           <a:bodyPr>
-            <a:normAutofit lnSpcReduction="10000"/>
+            <a:normAutofit/>
           </a:bodyPr>
           <a:lstStyle/>
           <a:p>
@@ -6452,7 +6452,7 @@
           <a:p>
             <a:r>
               <a:rPr lang="de-DE" dirty="0"/>
-              <a:t>Spektrum der Zinklampe erfolgreich vermessen</a:t>
+              <a:t>Spektrum der Zinklampe auf weniger als 2% genau vermessen</a:t>
             </a:r>
           </a:p>
           <a:p>
@@ -6461,13 +6461,13 @@
           <a:p>
             <a:r>
               <a:rPr lang="de-DE" dirty="0"/>
-              <a:t>Gitterkonstante sehr genau bestimmt</a:t>
+              <a:t>Gitterkonstante sehr genau bestimmt (rel. Fehler im Subpromillebereich)</a:t>
             </a:r>
           </a:p>
           <a:p>
             <a:r>
               <a:rPr lang="de-DE" dirty="0"/>
-              <a:t>Spektrum </a:t>
+              <a:t>Spektrum der </a:t>
             </a:r>
             <a:r>
               <a:rPr lang="de-DE" dirty="0" err="1"/>
@@ -6475,19 +6475,19 @@
             </a:r>
             <a:r>
               <a:rPr lang="de-DE" dirty="0"/>
-              <a:t>-Lampe erfolgreich vermessen</a:t>
-            </a:r>
-          </a:p>
-          <a:p>
+              <a:t>-Lampe mit rel. Fehler kleiner 0,5% bestimmt</a:t>
+            </a:r>
+          </a:p>
+          <a:p>
+            <a:pPr marL="0" indent="0">
+              <a:buNone/>
+            </a:pPr>
             <a:endParaRPr lang="de-DE" dirty="0"/>
           </a:p>
           <a:p>
-            <a:endParaRPr lang="de-DE" dirty="0"/>
-          </a:p>
-          <a:p>
             <a:r>
               <a:rPr lang="de-DE" dirty="0"/>
-              <a:t>Abschätzung der Auflösung entspricht in beiden Versuchen den Erwartungen</a:t>
+              <a:t>Abschätzung der Auflösung entspricht in beiden Versuchen den theoretischen Erwartungen</a:t>
             </a:r>
           </a:p>
         </p:txBody>
@@ -7559,8 +7559,8 @@
           </a:xfrm>
         </p:spPr>
       </p:pic>
-      <mc:AlternateContent xmlns:mc="http://schemas.openxmlformats.org/markup-compatibility/2006">
-        <mc:Choice xmlns:a14="http://schemas.microsoft.com/office/drawing/2010/main" Requires="a14">
+      <mc:AlternateContent xmlns:mc="http://schemas.openxmlformats.org/markup-compatibility/2006" xmlns:a14="http://schemas.microsoft.com/office/drawing/2010/main">
+        <mc:Choice Requires="a14">
           <p:sp>
             <p:nvSpPr>
               <p:cNvPr id="3" name="Inhaltsplatzhalter 2">
@@ -7694,7 +7694,7 @@
             </p:txBody>
           </p:sp>
         </mc:Choice>
-        <mc:Fallback>
+        <mc:Fallback xmlns="">
           <p:sp>
             <p:nvSpPr>
               <p:cNvPr id="3" name="Inhaltsplatzhalter 2">
@@ -7924,8 +7924,8 @@
           </a:p>
         </p:txBody>
       </p:sp>
-      <mc:AlternateContent xmlns:mc="http://schemas.openxmlformats.org/markup-compatibility/2006">
-        <mc:Choice xmlns:a14="http://schemas.microsoft.com/office/drawing/2010/main" Requires="a14">
+      <mc:AlternateContent xmlns:mc="http://schemas.openxmlformats.org/markup-compatibility/2006" xmlns:a14="http://schemas.microsoft.com/office/drawing/2010/main">
+        <mc:Choice Requires="a14">
           <p:sp>
             <p:nvSpPr>
               <p:cNvPr id="8" name="Textfeld 7">
@@ -8062,7 +8062,7 @@
             </p:txBody>
           </p:sp>
         </mc:Choice>
-        <mc:Fallback>
+        <mc:Fallback xmlns="">
           <p:sp>
             <p:nvSpPr>
               <p:cNvPr id="8" name="Textfeld 7">
@@ -8537,8 +8537,8 @@
           </a:p>
         </p:txBody>
       </p:sp>
-      <mc:AlternateContent xmlns:mc="http://schemas.openxmlformats.org/markup-compatibility/2006">
-        <mc:Choice xmlns:a14="http://schemas.microsoft.com/office/drawing/2010/main" Requires="a14">
+      <mc:AlternateContent xmlns:mc="http://schemas.openxmlformats.org/markup-compatibility/2006" xmlns:a14="http://schemas.microsoft.com/office/drawing/2010/main">
+        <mc:Choice Requires="a14">
           <p:sp>
             <p:nvSpPr>
               <p:cNvPr id="3" name="Inhaltsplatzhalter 2">
@@ -8677,7 +8677,7 @@
             </p:txBody>
           </p:sp>
         </mc:Choice>
-        <mc:Fallback>
+        <mc:Fallback xmlns="">
           <p:sp>
             <p:nvSpPr>
               <p:cNvPr id="3" name="Inhaltsplatzhalter 2">
@@ -8839,7 +8839,7 @@
           <a:p>
             <a:r>
               <a:rPr lang="de-DE" dirty="0"/>
-              <a:t>Bestimmung des Spektrum (Zink)</a:t>
+              <a:t>Bestimmung des Spektrums (Zink)</a:t>
             </a:r>
           </a:p>
         </p:txBody>
